--- a/Main/Презентация.pptx
+++ b/Main/Презентация.pptx
@@ -5,7 +5,7 @@
     <p:sldMasterId id="2147483677" r:id="rId1"/>
   </p:sldMasterIdLst>
   <p:notesMasterIdLst>
-    <p:notesMasterId r:id="rId27"/>
+    <p:notesMasterId r:id="rId25"/>
   </p:notesMasterIdLst>
   <p:sldIdLst>
     <p:sldId id="287" r:id="rId2"/>
@@ -23,19 +23,17 @@
     <p:sldId id="270" r:id="rId14"/>
     <p:sldId id="295" r:id="rId15"/>
     <p:sldId id="296" r:id="rId16"/>
-    <p:sldId id="297" r:id="rId17"/>
+    <p:sldId id="298" r:id="rId17"/>
     <p:sldId id="283" r:id="rId18"/>
-    <p:sldId id="271" r:id="rId19"/>
-    <p:sldId id="298" r:id="rId20"/>
-    <p:sldId id="272" r:id="rId21"/>
-    <p:sldId id="288" r:id="rId22"/>
-    <p:sldId id="289" r:id="rId23"/>
-    <p:sldId id="285" r:id="rId24"/>
-    <p:sldId id="286" r:id="rId25"/>
-    <p:sldId id="299" r:id="rId26"/>
+    <p:sldId id="297" r:id="rId19"/>
+    <p:sldId id="285" r:id="rId20"/>
+    <p:sldId id="286" r:id="rId21"/>
+    <p:sldId id="299" r:id="rId22"/>
+    <p:sldId id="301" r:id="rId23"/>
+    <p:sldId id="300" r:id="rId24"/>
   </p:sldIdLst>
   <p:sldSz cx="12192000" cy="6858000"/>
-  <p:notesSz cx="6858000" cy="9144000"/>
+  <p:notesSz cx="7104063" cy="10234613"/>
   <p:defaultTextStyle>
     <a:defPPr>
       <a:defRPr lang="ru-RU"/>
@@ -132,6 +130,57 @@
     </a:lvl9pPr>
   </p:defaultTextStyle>
   <p:extLst>
+    <p:ext uri="{521415D9-36F7-43E2-AB2F-B90AF26B5E84}">
+      <p14:sectionLst xmlns:p14="http://schemas.microsoft.com/office/powerpoint/2010/main">
+        <p14:section name="Введение" id="{97502D9B-FA47-4628-882A-B5B580D35905}">
+          <p14:sldIdLst>
+            <p14:sldId id="287"/>
+            <p14:sldId id="268"/>
+          </p14:sldIdLst>
+        </p14:section>
+        <p14:section name="Признаки Хаара" id="{AA33AA99-758F-458A-BF8E-A12DFA4F3735}">
+          <p14:sldIdLst>
+            <p14:sldId id="258"/>
+            <p14:sldId id="290"/>
+            <p14:sldId id="291"/>
+            <p14:sldId id="292"/>
+          </p14:sldIdLst>
+        </p14:section>
+        <p14:section name="Интегральное преобразование" id="{C49C67BA-4B0E-46B4-94D1-85E0117073FF}">
+          <p14:sldIdLst>
+            <p14:sldId id="261"/>
+            <p14:sldId id="293"/>
+            <p14:sldId id="263"/>
+            <p14:sldId id="264"/>
+            <p14:sldId id="294"/>
+          </p14:sldIdLst>
+        </p14:section>
+        <p14:section name="AdaBoost" id="{4861E57D-8968-407A-AF17-4967021267CB}">
+          <p14:sldIdLst>
+            <p14:sldId id="265"/>
+            <p14:sldId id="270"/>
+            <p14:sldId id="295"/>
+            <p14:sldId id="296"/>
+            <p14:sldId id="298"/>
+            <p14:sldId id="283"/>
+            <p14:sldId id="297"/>
+          </p14:sldIdLst>
+        </p14:section>
+        <p14:section name="Тестирование" id="{B943CD0B-4671-43A2-9F86-960F5FCCC6FD}">
+          <p14:sldIdLst>
+            <p14:sldId id="285"/>
+            <p14:sldId id="286"/>
+            <p14:sldId id="299"/>
+          </p14:sldIdLst>
+        </p14:section>
+        <p14:section name="Заключение" id="{B3B2EE32-9DFF-499A-8D52-6C159C831B88}">
+          <p14:sldIdLst>
+            <p14:sldId id="301"/>
+            <p14:sldId id="300"/>
+          </p14:sldIdLst>
+        </p14:section>
+      </p14:sectionLst>
+    </p:ext>
     <p:ext uri="{EFAFB233-063F-42B5-8137-9DF3F51BA10A}">
       <p15:sldGuideLst xmlns:p15="http://schemas.microsoft.com/office/powerpoint/2012/main"/>
     </p:ext>
@@ -174,17 +223,17 @@
         <p:spPr>
           <a:xfrm>
             <a:off x="0" y="0"/>
-            <a:ext cx="2971800" cy="458788"/>
+            <a:ext cx="3078427" cy="513508"/>
           </a:xfrm>
           <a:prstGeom prst="rect">
             <a:avLst/>
           </a:prstGeom>
         </p:spPr>
         <p:txBody>
-          <a:bodyPr vert="horz" lIns="91440" tIns="45720" rIns="91440" bIns="45720" rtlCol="0"/>
+          <a:bodyPr vert="horz" lIns="99067" tIns="49534" rIns="99067" bIns="49534" rtlCol="0"/>
           <a:lstStyle>
             <a:lvl1pPr algn="l">
-              <a:defRPr sz="1200"/>
+              <a:defRPr sz="1300"/>
             </a:lvl1pPr>
           </a:lstStyle>
           <a:p>
@@ -204,24 +253,24 @@
         </p:nvSpPr>
         <p:spPr>
           <a:xfrm>
-            <a:off x="3884613" y="0"/>
-            <a:ext cx="2971800" cy="458788"/>
+            <a:off x="4023993" y="0"/>
+            <a:ext cx="3078427" cy="513508"/>
           </a:xfrm>
           <a:prstGeom prst="rect">
             <a:avLst/>
           </a:prstGeom>
         </p:spPr>
         <p:txBody>
-          <a:bodyPr vert="horz" lIns="91440" tIns="45720" rIns="91440" bIns="45720" rtlCol="0"/>
+          <a:bodyPr vert="horz" lIns="99067" tIns="49534" rIns="99067" bIns="49534" rtlCol="0"/>
           <a:lstStyle>
             <a:lvl1pPr algn="r">
-              <a:defRPr sz="1200"/>
+              <a:defRPr sz="1300"/>
             </a:lvl1pPr>
           </a:lstStyle>
           <a:p>
             <a:fld id="{EAAEC894-11E2-44CC-80F2-12DD60712941}" type="datetimeFigureOut">
               <a:rPr lang="ru-RU" smtClean="0"/>
-              <a:t>11.06.2017</a:t>
+              <a:t>12.06.2017</a:t>
             </a:fld>
             <a:endParaRPr lang="ru-RU"/>
           </a:p>
@@ -239,8 +288,8 @@
         </p:nvSpPr>
         <p:spPr>
           <a:xfrm>
-            <a:off x="685800" y="1143000"/>
-            <a:ext cx="5486400" cy="3086100"/>
+            <a:off x="481013" y="1279525"/>
+            <a:ext cx="6142037" cy="3454400"/>
           </a:xfrm>
           <a:prstGeom prst="rect">
             <a:avLst/>
@@ -253,7 +302,7 @@
           </a:ln>
         </p:spPr>
         <p:txBody>
-          <a:bodyPr vert="horz" lIns="91440" tIns="45720" rIns="91440" bIns="45720" rtlCol="0" anchor="ctr"/>
+          <a:bodyPr vert="horz" lIns="99067" tIns="49534" rIns="99067" bIns="49534" rtlCol="0" anchor="ctr"/>
           <a:lstStyle/>
           <a:p>
             <a:endParaRPr lang="ru-RU"/>
@@ -272,15 +321,15 @@
         </p:nvSpPr>
         <p:spPr>
           <a:xfrm>
-            <a:off x="685800" y="4400550"/>
-            <a:ext cx="5486400" cy="3600450"/>
+            <a:off x="710407" y="4925408"/>
+            <a:ext cx="5683250" cy="4029879"/>
           </a:xfrm>
           <a:prstGeom prst="rect">
             <a:avLst/>
           </a:prstGeom>
         </p:spPr>
         <p:txBody>
-          <a:bodyPr vert="horz" lIns="91440" tIns="45720" rIns="91440" bIns="45720" rtlCol="0"/>
+          <a:bodyPr vert="horz" lIns="99067" tIns="49534" rIns="99067" bIns="49534" rtlCol="0"/>
           <a:lstStyle/>
           <a:p>
             <a:pPr lvl="0"/>
@@ -331,18 +380,18 @@
         </p:nvSpPr>
         <p:spPr>
           <a:xfrm>
-            <a:off x="0" y="8685213"/>
-            <a:ext cx="2971800" cy="458787"/>
+            <a:off x="0" y="9721108"/>
+            <a:ext cx="3078427" cy="513507"/>
           </a:xfrm>
           <a:prstGeom prst="rect">
             <a:avLst/>
           </a:prstGeom>
         </p:spPr>
         <p:txBody>
-          <a:bodyPr vert="horz" lIns="91440" tIns="45720" rIns="91440" bIns="45720" rtlCol="0" anchor="b"/>
+          <a:bodyPr vert="horz" lIns="99067" tIns="49534" rIns="99067" bIns="49534" rtlCol="0" anchor="b"/>
           <a:lstStyle>
             <a:lvl1pPr algn="l">
-              <a:defRPr sz="1200"/>
+              <a:defRPr sz="1300"/>
             </a:lvl1pPr>
           </a:lstStyle>
           <a:p>
@@ -362,18 +411,18 @@
         </p:nvSpPr>
         <p:spPr>
           <a:xfrm>
-            <a:off x="3884613" y="8685213"/>
-            <a:ext cx="2971800" cy="458787"/>
+            <a:off x="4023993" y="9721108"/>
+            <a:ext cx="3078427" cy="513507"/>
           </a:xfrm>
           <a:prstGeom prst="rect">
             <a:avLst/>
           </a:prstGeom>
         </p:spPr>
         <p:txBody>
-          <a:bodyPr vert="horz" lIns="91440" tIns="45720" rIns="91440" bIns="45720" rtlCol="0" anchor="b"/>
+          <a:bodyPr vert="horz" lIns="99067" tIns="49534" rIns="99067" bIns="49534" rtlCol="0" anchor="b"/>
           <a:lstStyle>
             <a:lvl1pPr algn="r">
-              <a:defRPr sz="1200"/>
+              <a:defRPr sz="1300"/>
             </a:lvl1pPr>
           </a:lstStyle>
           <a:p>
@@ -656,6 +705,90 @@
 </p:notes>
 </file>
 
+<file path=ppt/notesSlides/notesSlide3.xml><?xml version="1.0" encoding="utf-8"?>
+<p:notes xmlns:a="http://schemas.openxmlformats.org/drawingml/2006/main" xmlns:r="http://schemas.openxmlformats.org/officeDocument/2006/relationships" xmlns:p="http://schemas.openxmlformats.org/presentationml/2006/main">
+  <p:cSld>
+    <p:spTree>
+      <p:nvGrpSpPr>
+        <p:cNvPr id="1" name=""/>
+        <p:cNvGrpSpPr/>
+        <p:nvPr/>
+      </p:nvGrpSpPr>
+      <p:grpSpPr>
+        <a:xfrm>
+          <a:off x="0" y="0"/>
+          <a:ext cx="0" cy="0"/>
+          <a:chOff x="0" y="0"/>
+          <a:chExt cx="0" cy="0"/>
+        </a:xfrm>
+      </p:grpSpPr>
+      <p:sp>
+        <p:nvSpPr>
+          <p:cNvPr id="2" name="Образ слайда 1"/>
+          <p:cNvSpPr>
+            <a:spLocks noGrp="1" noRot="1" noChangeAspect="1"/>
+          </p:cNvSpPr>
+          <p:nvPr>
+            <p:ph type="sldImg"/>
+          </p:nvPr>
+        </p:nvSpPr>
+        <p:spPr/>
+      </p:sp>
+      <p:sp>
+        <p:nvSpPr>
+          <p:cNvPr id="3" name="Заметки 2"/>
+          <p:cNvSpPr>
+            <a:spLocks noGrp="1"/>
+          </p:cNvSpPr>
+          <p:nvPr>
+            <p:ph type="body" idx="1"/>
+          </p:nvPr>
+        </p:nvSpPr>
+        <p:spPr/>
+        <p:txBody>
+          <a:bodyPr/>
+          <a:lstStyle/>
+          <a:p>
+            <a:endParaRPr lang="ru-RU"/>
+          </a:p>
+        </p:txBody>
+      </p:sp>
+      <p:sp>
+        <p:nvSpPr>
+          <p:cNvPr id="4" name="Номер слайда 3"/>
+          <p:cNvSpPr>
+            <a:spLocks noGrp="1"/>
+          </p:cNvSpPr>
+          <p:nvPr>
+            <p:ph type="sldNum" sz="quarter" idx="10"/>
+          </p:nvPr>
+        </p:nvSpPr>
+        <p:spPr/>
+        <p:txBody>
+          <a:bodyPr/>
+          <a:lstStyle/>
+          <a:p>
+            <a:fld id="{B07D8ACE-0CF4-4BC1-968C-6E7AACA7D188}" type="slidenum">
+              <a:rPr lang="ru-RU" smtClean="0"/>
+              <a:t>23</a:t>
+            </a:fld>
+            <a:endParaRPr lang="ru-RU"/>
+          </a:p>
+        </p:txBody>
+      </p:sp>
+    </p:spTree>
+    <p:extLst>
+      <p:ext uri="{BB962C8B-B14F-4D97-AF65-F5344CB8AC3E}">
+        <p14:creationId xmlns:p14="http://schemas.microsoft.com/office/powerpoint/2010/main" val="3109370727"/>
+      </p:ext>
+    </p:extLst>
+  </p:cSld>
+  <p:clrMapOvr>
+    <a:masterClrMapping/>
+  </p:clrMapOvr>
+</p:notes>
+</file>
+
 <file path=ppt/slideLayouts/slideLayout1.xml><?xml version="1.0" encoding="utf-8"?>
 <p:sldLayout xmlns:a="http://schemas.openxmlformats.org/drawingml/2006/main" xmlns:r="http://schemas.openxmlformats.org/officeDocument/2006/relationships" xmlns:p="http://schemas.openxmlformats.org/presentationml/2006/main" type="title" preserve="1">
   <p:cSld name="Титульный слайд">
@@ -783,9 +916,9 @@
           <a:bodyPr/>
           <a:lstStyle/>
           <a:p>
-            <a:fld id="{A03A6AE9-7AAC-4594-AEAC-3D0CB8825301}" type="datetimeFigureOut">
+            <a:fld id="{4636B91B-813D-4FC8-903D-12F748F52A7F}" type="datetime1">
               <a:rPr lang="ru-RU" smtClean="0"/>
-              <a:t>11.06.2017</a:t>
+              <a:t>12.06.2017</a:t>
             </a:fld>
             <a:endParaRPr lang="ru-RU"/>
           </a:p>
@@ -951,9 +1084,9 @@
           <a:bodyPr/>
           <a:lstStyle/>
           <a:p>
-            <a:fld id="{A03A6AE9-7AAC-4594-AEAC-3D0CB8825301}" type="datetimeFigureOut">
+            <a:fld id="{30207324-5D59-4CF1-806C-87BAD91404C9}" type="datetime1">
               <a:rPr lang="ru-RU" smtClean="0"/>
-              <a:t>11.06.2017</a:t>
+              <a:t>12.06.2017</a:t>
             </a:fld>
             <a:endParaRPr lang="ru-RU"/>
           </a:p>
@@ -1129,9 +1262,9 @@
           <a:bodyPr/>
           <a:lstStyle/>
           <a:p>
-            <a:fld id="{A03A6AE9-7AAC-4594-AEAC-3D0CB8825301}" type="datetimeFigureOut">
+            <a:fld id="{A2B4C6CB-476B-40B7-8989-774968858802}" type="datetime1">
               <a:rPr lang="ru-RU" smtClean="0"/>
-              <a:t>11.06.2017</a:t>
+              <a:t>12.06.2017</a:t>
             </a:fld>
             <a:endParaRPr lang="ru-RU"/>
           </a:p>
@@ -1297,9 +1430,9 @@
           <a:bodyPr/>
           <a:lstStyle/>
           <a:p>
-            <a:fld id="{A03A6AE9-7AAC-4594-AEAC-3D0CB8825301}" type="datetimeFigureOut">
+            <a:fld id="{622F34DC-57C1-4245-B275-0322724ABD96}" type="datetime1">
               <a:rPr lang="ru-RU" smtClean="0"/>
-              <a:t>11.06.2017</a:t>
+              <a:t>12.06.2017</a:t>
             </a:fld>
             <a:endParaRPr lang="ru-RU"/>
           </a:p>
@@ -1542,9 +1675,9 @@
           <a:bodyPr/>
           <a:lstStyle/>
           <a:p>
-            <a:fld id="{A03A6AE9-7AAC-4594-AEAC-3D0CB8825301}" type="datetimeFigureOut">
+            <a:fld id="{907CE6F8-CF1F-42FF-84D5-4270E926B937}" type="datetime1">
               <a:rPr lang="ru-RU" smtClean="0"/>
-              <a:t>11.06.2017</a:t>
+              <a:t>12.06.2017</a:t>
             </a:fld>
             <a:endParaRPr lang="ru-RU"/>
           </a:p>
@@ -1771,9 +1904,9 @@
           <a:bodyPr/>
           <a:lstStyle/>
           <a:p>
-            <a:fld id="{A03A6AE9-7AAC-4594-AEAC-3D0CB8825301}" type="datetimeFigureOut">
+            <a:fld id="{BDBCAC67-3500-433B-9ECE-E78E516A6BCF}" type="datetime1">
               <a:rPr lang="ru-RU" smtClean="0"/>
-              <a:t>11.06.2017</a:t>
+              <a:t>12.06.2017</a:t>
             </a:fld>
             <a:endParaRPr lang="ru-RU"/>
           </a:p>
@@ -2135,9 +2268,9 @@
           <a:bodyPr/>
           <a:lstStyle/>
           <a:p>
-            <a:fld id="{A03A6AE9-7AAC-4594-AEAC-3D0CB8825301}" type="datetimeFigureOut">
+            <a:fld id="{79F14EE4-160D-4B82-9936-A3E3BF8C6F39}" type="datetime1">
               <a:rPr lang="ru-RU" smtClean="0"/>
-              <a:t>11.06.2017</a:t>
+              <a:t>12.06.2017</a:t>
             </a:fld>
             <a:endParaRPr lang="ru-RU"/>
           </a:p>
@@ -2252,9 +2385,9 @@
           <a:bodyPr/>
           <a:lstStyle/>
           <a:p>
-            <a:fld id="{A03A6AE9-7AAC-4594-AEAC-3D0CB8825301}" type="datetimeFigureOut">
+            <a:fld id="{2BA83D76-6F0D-48AD-86AC-1EEFB9263932}" type="datetime1">
               <a:rPr lang="ru-RU" smtClean="0"/>
-              <a:t>11.06.2017</a:t>
+              <a:t>12.06.2017</a:t>
             </a:fld>
             <a:endParaRPr lang="ru-RU"/>
           </a:p>
@@ -2347,9 +2480,9 @@
           <a:bodyPr/>
           <a:lstStyle/>
           <a:p>
-            <a:fld id="{A03A6AE9-7AAC-4594-AEAC-3D0CB8825301}" type="datetimeFigureOut">
+            <a:fld id="{4A2903B9-A4EC-41D5-93BD-15F097A758C5}" type="datetime1">
               <a:rPr lang="ru-RU" smtClean="0"/>
-              <a:t>11.06.2017</a:t>
+              <a:t>12.06.2017</a:t>
             </a:fld>
             <a:endParaRPr lang="ru-RU"/>
           </a:p>
@@ -2622,9 +2755,9 @@
           <a:bodyPr/>
           <a:lstStyle/>
           <a:p>
-            <a:fld id="{A03A6AE9-7AAC-4594-AEAC-3D0CB8825301}" type="datetimeFigureOut">
+            <a:fld id="{08EF0D77-172C-46F3-898C-F476FC905B48}" type="datetime1">
               <a:rPr lang="ru-RU" smtClean="0"/>
-              <a:t>11.06.2017</a:t>
+              <a:t>12.06.2017</a:t>
             </a:fld>
             <a:endParaRPr lang="ru-RU"/>
           </a:p>
@@ -2874,9 +3007,9 @@
           <a:bodyPr/>
           <a:lstStyle/>
           <a:p>
-            <a:fld id="{A03A6AE9-7AAC-4594-AEAC-3D0CB8825301}" type="datetimeFigureOut">
+            <a:fld id="{1DECCE88-537C-4AF6-BE95-E0EEB3448BBD}" type="datetime1">
               <a:rPr lang="ru-RU" smtClean="0"/>
-              <a:t>11.06.2017</a:t>
+              <a:t>12.06.2017</a:t>
             </a:fld>
             <a:endParaRPr lang="ru-RU"/>
           </a:p>
@@ -3085,9 +3218,9 @@
             </a:lvl1pPr>
           </a:lstStyle>
           <a:p>
-            <a:fld id="{A03A6AE9-7AAC-4594-AEAC-3D0CB8825301}" type="datetimeFigureOut">
+            <a:fld id="{0EB537E4-D6BD-4375-AA03-7D1D708B61C5}" type="datetime1">
               <a:rPr lang="ru-RU" smtClean="0"/>
-              <a:t>11.06.2017</a:t>
+              <a:t>12.06.2017</a:t>
             </a:fld>
             <a:endParaRPr lang="ru-RU"/>
           </a:p>
@@ -3192,6 +3325,7 @@
     <p:sldLayoutId id="2147483687" r:id="rId10"/>
     <p:sldLayoutId id="2147483688" r:id="rId11"/>
   </p:sldLayoutIdLst>
+  <p:hf hdr="0" ftr="0" dt="0"/>
   <p:txStyles>
     <p:titleStyle>
       <a:lvl1pPr algn="l" defTabSz="914400" rtl="0" eaLnBrk="1" latinLnBrk="0" hangingPunct="1">
@@ -3504,13 +3638,13 @@
         </p:nvSpPr>
         <p:spPr>
           <a:xfrm>
-            <a:off x="1496292" y="2008910"/>
-            <a:ext cx="9102436" cy="2507672"/>
+            <a:off x="985780" y="1196111"/>
+            <a:ext cx="10638971" cy="2507672"/>
           </a:xfrm>
         </p:spPr>
         <p:txBody>
           <a:bodyPr>
-            <a:normAutofit fontScale="90000"/>
+            <a:normAutofit/>
           </a:bodyPr>
           <a:lstStyle/>
           <a:p>
@@ -3524,7 +3658,7 @@
             </a:r>
             <a:r>
               <a:rPr lang="ru-RU" dirty="0"/>
-              <a:t>Виолы-Джонса и его модификаций</a:t>
+              <a:t>Виолы-Джонса</a:t>
             </a:r>
           </a:p>
         </p:txBody>
@@ -3608,129 +3742,191 @@
           <a:chExt cx="0" cy="0"/>
         </a:xfrm>
       </p:grpSpPr>
-      <mc:AlternateContent xmlns:mc="http://schemas.openxmlformats.org/markup-compatibility/2006">
-        <mc:Choice xmlns:a14="http://schemas.microsoft.com/office/drawing/2010/main" Requires="a14">
+      <p:pic>
+        <p:nvPicPr>
+          <p:cNvPr id="5" name="Рисунок 4"/>
+          <p:cNvPicPr/>
+          <p:nvPr/>
+        </p:nvPicPr>
+        <p:blipFill>
+          <a:blip r:embed="rId2">
+            <a:grayscl/>
+            <a:extLst>
+              <a:ext uri="{28A0092B-C50C-407E-A947-70E740481C1C}">
+                <a14:useLocalDpi xmlns:a14="http://schemas.microsoft.com/office/drawing/2010/main" val="0"/>
+              </a:ext>
+            </a:extLst>
+          </a:blip>
+          <a:srcRect/>
+          <a:stretch>
+            <a:fillRect/>
+          </a:stretch>
+        </p:blipFill>
+        <p:spPr bwMode="auto">
+          <a:xfrm>
+            <a:off x="1893176" y="1690688"/>
+            <a:ext cx="8845178" cy="2986314"/>
+          </a:xfrm>
+          <a:prstGeom prst="rect">
+            <a:avLst/>
+          </a:prstGeom>
+          <a:noFill/>
+          <a:ln>
+            <a:noFill/>
+          </a:ln>
+        </p:spPr>
+      </p:pic>
+      <p:sp>
+        <p:nvSpPr>
+          <p:cNvPr id="6" name="Заголовок 5"/>
+          <p:cNvSpPr>
+            <a:spLocks noGrp="1"/>
+          </p:cNvSpPr>
+          <p:nvPr>
+            <p:ph type="title"/>
+          </p:nvPr>
+        </p:nvSpPr>
+        <p:spPr/>
+        <p:txBody>
+          <a:bodyPr/>
+          <a:lstStyle/>
+          <a:p>
+            <a:r>
+              <a:rPr lang="ru-RU" dirty="0"/>
+              <a:t>Пример (2)</a:t>
+            </a:r>
+          </a:p>
+        </p:txBody>
+      </p:sp>
+      <mc:AlternateContent xmlns:mc="http://schemas.openxmlformats.org/markup-compatibility/2006" xmlns:a14="http://schemas.microsoft.com/office/drawing/2010/main">
+        <mc:Choice Requires="a14">
           <p:sp>
             <p:nvSpPr>
-              <p:cNvPr id="3" name="Объект 2"/>
-              <p:cNvSpPr>
-                <a:spLocks noGrp="1"/>
-              </p:cNvSpPr>
-              <p:nvPr>
-                <p:ph idx="1"/>
-              </p:nvPr>
+              <p:cNvPr id="8" name="Прямоугольник 7"/>
+              <p:cNvSpPr/>
+              <p:nvPr/>
             </p:nvSpPr>
             <p:spPr>
               <a:xfrm>
-                <a:off x="2097893" y="4933557"/>
-                <a:ext cx="8915400" cy="609600"/>
+                <a:off x="1990641" y="5209612"/>
+                <a:ext cx="8650247" cy="523220"/>
               </a:xfrm>
+              <a:prstGeom prst="rect">
+                <a:avLst/>
+              </a:prstGeom>
             </p:spPr>
             <p:txBody>
-              <a:bodyPr>
-                <a:normAutofit/>
+              <a:bodyPr wrap="square">
+                <a:spAutoFit/>
               </a:bodyPr>
               <a:lstStyle/>
               <a:p>
+                <a:pPr/>
                 <a14:m>
-                  <m:oMath xmlns:m="http://schemas.openxmlformats.org/officeDocument/2006/math">
-                    <m:r>
-                      <a:rPr lang="en-US" sz="2800" i="1">
-                        <a:latin typeface="Cambria Math" panose="02040503050406030204" pitchFamily="18" charset="0"/>
-                      </a:rPr>
-                      <m:t>𝑆</m:t>
-                    </m:r>
-                    <m:r>
-                      <a:rPr lang="en-US" sz="2800" i="1">
-                        <a:latin typeface="Cambria Math" panose="02040503050406030204" pitchFamily="18" charset="0"/>
-                      </a:rPr>
-                      <m:t>=</m:t>
-                    </m:r>
-                    <m:r>
-                      <a:rPr lang="en-US" sz="2800" i="1">
-                        <a:latin typeface="Cambria Math" panose="02040503050406030204" pitchFamily="18" charset="0"/>
-                      </a:rPr>
-                      <m:t>𝐷</m:t>
-                    </m:r>
-                    <m:r>
-                      <a:rPr lang="en-US" sz="2800" i="1">
-                        <a:latin typeface="Cambria Math" panose="02040503050406030204" pitchFamily="18" charset="0"/>
-                      </a:rPr>
-                      <m:t>+</m:t>
-                    </m:r>
-                    <m:r>
-                      <a:rPr lang="en-US" sz="2800" i="1">
-                        <a:latin typeface="Cambria Math" panose="02040503050406030204" pitchFamily="18" charset="0"/>
-                      </a:rPr>
-                      <m:t>𝐴</m:t>
-                    </m:r>
-                    <m:r>
-                      <a:rPr lang="en-US" sz="2800" i="1">
-                        <a:latin typeface="Cambria Math" panose="02040503050406030204" pitchFamily="18" charset="0"/>
-                      </a:rPr>
-                      <m:t>−</m:t>
-                    </m:r>
-                    <m:r>
-                      <a:rPr lang="en-US" sz="2800" i="1">
-                        <a:latin typeface="Cambria Math" panose="02040503050406030204" pitchFamily="18" charset="0"/>
-                      </a:rPr>
-                      <m:t>𝐶</m:t>
-                    </m:r>
-                    <m:r>
-                      <a:rPr lang="en-US" sz="2800" i="1">
-                        <a:latin typeface="Cambria Math" panose="02040503050406030204" pitchFamily="18" charset="0"/>
-                      </a:rPr>
-                      <m:t>−</m:t>
-                    </m:r>
-                    <m:r>
-                      <a:rPr lang="en-US" sz="2800" i="1">
-                        <a:latin typeface="Cambria Math" panose="02040503050406030204" pitchFamily="18" charset="0"/>
-                      </a:rPr>
-                      <m:t>𝐵</m:t>
-                    </m:r>
-                    <m:r>
-                      <a:rPr lang="en-US" sz="2800" i="1">
-                        <a:latin typeface="Cambria Math" panose="02040503050406030204" pitchFamily="18" charset="0"/>
-                      </a:rPr>
-                      <m:t>→</m:t>
-                    </m:r>
-                    <m:r>
-                      <a:rPr lang="en-US" sz="2800" i="1">
-                        <a:latin typeface="Cambria Math" panose="02040503050406030204" pitchFamily="18" charset="0"/>
-                      </a:rPr>
-                      <m:t>𝑆</m:t>
-                    </m:r>
-                    <m:r>
-                      <a:rPr lang="en-US" sz="2800" i="1">
-                        <a:latin typeface="Cambria Math" panose="02040503050406030204" pitchFamily="18" charset="0"/>
-                      </a:rPr>
-                      <m:t>=25+4−10−10=9</m:t>
-                    </m:r>
-                  </m:oMath>
+                  <m:oMathPara xmlns:m="http://schemas.openxmlformats.org/officeDocument/2006/math">
+                    <m:oMathParaPr>
+                      <m:jc m:val="centerGroup"/>
+                    </m:oMathParaPr>
+                    <m:oMath xmlns:m="http://schemas.openxmlformats.org/officeDocument/2006/math">
+                      <m:r>
+                        <a:rPr lang="en-US" sz="2800" i="1">
+                          <a:latin typeface="Cambria Math" panose="02040503050406030204" pitchFamily="18" charset="0"/>
+                        </a:rPr>
+                        <m:t>𝑆</m:t>
+                      </m:r>
+                      <m:r>
+                        <a:rPr lang="en-US" sz="2800" i="1">
+                          <a:latin typeface="Cambria Math" panose="02040503050406030204" pitchFamily="18" charset="0"/>
+                        </a:rPr>
+                        <m:t>=</m:t>
+                      </m:r>
+                      <m:r>
+                        <a:rPr lang="en-US" sz="2800" i="1">
+                          <a:latin typeface="Cambria Math" panose="02040503050406030204" pitchFamily="18" charset="0"/>
+                        </a:rPr>
+                        <m:t>𝐷</m:t>
+                      </m:r>
+                      <m:r>
+                        <a:rPr lang="en-US" sz="2800" i="1">
+                          <a:latin typeface="Cambria Math" panose="02040503050406030204" pitchFamily="18" charset="0"/>
+                        </a:rPr>
+                        <m:t>+</m:t>
+                      </m:r>
+                      <m:r>
+                        <a:rPr lang="en-US" sz="2800" i="1">
+                          <a:latin typeface="Cambria Math" panose="02040503050406030204" pitchFamily="18" charset="0"/>
+                        </a:rPr>
+                        <m:t>𝐴</m:t>
+                      </m:r>
+                      <m:r>
+                        <a:rPr lang="en-US" sz="2800" i="1">
+                          <a:latin typeface="Cambria Math" panose="02040503050406030204" pitchFamily="18" charset="0"/>
+                        </a:rPr>
+                        <m:t>−</m:t>
+                      </m:r>
+                      <m:r>
+                        <a:rPr lang="en-US" sz="2800" i="1">
+                          <a:latin typeface="Cambria Math" panose="02040503050406030204" pitchFamily="18" charset="0"/>
+                        </a:rPr>
+                        <m:t>𝐶</m:t>
+                      </m:r>
+                      <m:r>
+                        <a:rPr lang="en-US" sz="2800" i="1">
+                          <a:latin typeface="Cambria Math" panose="02040503050406030204" pitchFamily="18" charset="0"/>
+                        </a:rPr>
+                        <m:t>−</m:t>
+                      </m:r>
+                      <m:r>
+                        <a:rPr lang="en-US" sz="2800" i="1">
+                          <a:latin typeface="Cambria Math" panose="02040503050406030204" pitchFamily="18" charset="0"/>
+                        </a:rPr>
+                        <m:t>𝐵</m:t>
+                      </m:r>
+                      <m:r>
+                        <a:rPr lang="en-US" sz="2800" i="1">
+                          <a:latin typeface="Cambria Math" panose="02040503050406030204" pitchFamily="18" charset="0"/>
+                        </a:rPr>
+                        <m:t>→</m:t>
+                      </m:r>
+                      <m:r>
+                        <a:rPr lang="en-US" sz="2800" i="1">
+                          <a:latin typeface="Cambria Math" panose="02040503050406030204" pitchFamily="18" charset="0"/>
+                        </a:rPr>
+                        <m:t>𝑆</m:t>
+                      </m:r>
+                      <m:r>
+                        <a:rPr lang="en-US" sz="2800" i="1">
+                          <a:latin typeface="Cambria Math" panose="02040503050406030204" pitchFamily="18" charset="0"/>
+                        </a:rPr>
+                        <m:t>=25+4−10−10=9</m:t>
+                      </m:r>
+                    </m:oMath>
+                  </m:oMathPara>
                 </a14:m>
                 <a:endParaRPr lang="ru-RU" sz="2800" dirty="0"/>
               </a:p>
             </p:txBody>
           </p:sp>
         </mc:Choice>
-        <mc:Fallback>
+        <mc:Fallback xmlns="">
           <p:sp>
             <p:nvSpPr>
-              <p:cNvPr id="3" name="Объект 2"/>
+              <p:cNvPr id="8" name="Прямоугольник 7"/>
               <p:cNvSpPr>
-                <a:spLocks noGrp="1" noRot="1" noChangeAspect="1" noMove="1" noResize="1" noEditPoints="1" noAdjustHandles="1" noChangeArrowheads="1" noChangeShapeType="1" noTextEdit="1"/>
+                <a:spLocks noRot="1" noChangeAspect="1" noMove="1" noResize="1" noEditPoints="1" noAdjustHandles="1" noChangeArrowheads="1" noChangeShapeType="1" noTextEdit="1"/>
               </p:cNvSpPr>
-              <p:nvPr>
-                <p:ph idx="1"/>
-              </p:nvPr>
+              <p:nvPr/>
             </p:nvSpPr>
             <p:spPr>
               <a:xfrm>
-                <a:off x="2097893" y="4933557"/>
-                <a:ext cx="8915400" cy="609600"/>
+                <a:off x="1990641" y="5209612"/>
+                <a:ext cx="8650247" cy="523220"/>
               </a:xfrm>
+              <a:prstGeom prst="rect">
+                <a:avLst/>
+              </a:prstGeom>
               <a:blipFill>
-                <a:blip r:embed="rId2"/>
+                <a:blip r:embed="rId3"/>
                 <a:stretch>
                   <a:fillRect/>
                 </a:stretch>
@@ -3751,40 +3947,37 @@
           </p:sp>
         </mc:Fallback>
       </mc:AlternateContent>
-      <p:pic>
-        <p:nvPicPr>
-          <p:cNvPr id="5" name="Рисунок 4"/>
-          <p:cNvPicPr/>
-          <p:nvPr/>
-        </p:nvPicPr>
-        <p:blipFill>
-          <a:blip r:embed="rId3">
-            <a:grayscl/>
-            <a:extLst>
-              <a:ext uri="{28A0092B-C50C-407E-A947-70E740481C1C}">
-                <a14:useLocalDpi xmlns:a14="http://schemas.microsoft.com/office/drawing/2010/main" val="0"/>
-              </a:ext>
-            </a:extLst>
-          </a:blip>
-          <a:srcRect/>
-          <a:stretch>
-            <a:fillRect/>
-          </a:stretch>
-        </p:blipFill>
-        <p:spPr bwMode="auto">
-          <a:xfrm>
-            <a:off x="1975063" y="1195317"/>
-            <a:ext cx="8845178" cy="2986314"/>
-          </a:xfrm>
-          <a:prstGeom prst="rect">
-            <a:avLst/>
-          </a:prstGeom>
-          <a:noFill/>
-          <a:ln>
-            <a:noFill/>
-          </a:ln>
-        </p:spPr>
-      </p:pic>
+      <p:sp>
+        <p:nvSpPr>
+          <p:cNvPr id="3" name="Номер слайда 2"/>
+          <p:cNvSpPr>
+            <a:spLocks noGrp="1"/>
+          </p:cNvSpPr>
+          <p:nvPr>
+            <p:ph type="sldNum" sz="quarter" idx="12"/>
+          </p:nvPr>
+        </p:nvSpPr>
+        <p:spPr/>
+        <p:txBody>
+          <a:bodyPr/>
+          <a:lstStyle/>
+          <a:p>
+            <a:fld id="{02FC5F2C-8C82-45C9-A2BF-6DB0CBD52C51}" type="slidenum">
+              <a:rPr lang="ru-RU" sz="2000" smtClean="0">
+                <a:solidFill>
+                  <a:schemeClr val="tx1"/>
+                </a:solidFill>
+              </a:rPr>
+              <a:t>10</a:t>
+            </a:fld>
+            <a:endParaRPr lang="ru-RU" dirty="0">
+              <a:solidFill>
+                <a:schemeClr val="tx1"/>
+              </a:solidFill>
+            </a:endParaRPr>
+          </a:p>
+        </p:txBody>
+      </p:sp>
     </p:spTree>
     <p:extLst>
       <p:ext uri="{BB962C8B-B14F-4D97-AF65-F5344CB8AC3E}">
@@ -3831,8 +4024,8 @@
         </p:nvSpPr>
         <p:spPr>
           <a:xfrm>
-            <a:off x="4394580" y="941696"/>
-            <a:ext cx="2770496" cy="1296538"/>
+            <a:off x="4760143" y="1690688"/>
+            <a:ext cx="2497541" cy="1091821"/>
           </a:xfrm>
           <a:prstGeom prst="ellipse">
             <a:avLst/>
@@ -3886,8 +4079,8 @@
         </p:nvSpPr>
         <p:spPr>
           <a:xfrm>
-            <a:off x="1312461" y="3223145"/>
-            <a:ext cx="3082119" cy="1321557"/>
+            <a:off x="1981681" y="3273828"/>
+            <a:ext cx="2778462" cy="1112890"/>
           </a:xfrm>
           <a:prstGeom prst="ellipse">
             <a:avLst/>
@@ -3941,8 +4134,8 @@
         </p:nvSpPr>
         <p:spPr>
           <a:xfrm>
-            <a:off x="7165076" y="3223144"/>
-            <a:ext cx="3082119" cy="1321557"/>
+            <a:off x="7257684" y="3273828"/>
+            <a:ext cx="2778462" cy="1112890"/>
           </a:xfrm>
           <a:prstGeom prst="ellipse">
             <a:avLst/>
@@ -3999,8 +4192,8 @@
         </p:nvCxnSpPr>
         <p:spPr>
           <a:xfrm flipH="1">
-            <a:off x="2853521" y="2048360"/>
-            <a:ext cx="1946789" cy="1174785"/>
+            <a:off x="3370912" y="2622616"/>
+            <a:ext cx="1754987" cy="651212"/>
           </a:xfrm>
           <a:prstGeom prst="straightConnector1">
             <a:avLst/>
@@ -4035,8 +4228,8 @@
         </p:nvCxnSpPr>
         <p:spPr>
           <a:xfrm>
-            <a:off x="6759346" y="2048360"/>
-            <a:ext cx="1946790" cy="1174784"/>
+            <a:off x="6891928" y="2622616"/>
+            <a:ext cx="1754987" cy="651212"/>
           </a:xfrm>
           <a:prstGeom prst="straightConnector1">
             <a:avLst/>
@@ -4060,8 +4253,8 @@
           </a:fontRef>
         </p:style>
       </p:cxnSp>
-      <mc:AlternateContent xmlns:mc="http://schemas.openxmlformats.org/markup-compatibility/2006">
-        <mc:Choice xmlns:a14="http://schemas.microsoft.com/office/drawing/2010/main" Requires="a14">
+      <mc:AlternateContent xmlns:mc="http://schemas.openxmlformats.org/markup-compatibility/2006" xmlns:a14="http://schemas.microsoft.com/office/drawing/2010/main">
+        <mc:Choice Requires="a14">
           <p:sp>
             <p:nvSpPr>
               <p:cNvPr id="11" name="Прямоугольник 10"/>
@@ -4070,8 +4263,8 @@
             </p:nvSpPr>
             <p:spPr>
               <a:xfrm>
-                <a:off x="7126406" y="4935933"/>
-                <a:ext cx="3159457" cy="1187355"/>
+                <a:off x="7138384" y="5037930"/>
+                <a:ext cx="3017062" cy="999877"/>
               </a:xfrm>
               <a:prstGeom prst="rect">
                 <a:avLst/>
@@ -4182,7 +4375,7 @@
             </p:txBody>
           </p:sp>
         </mc:Choice>
-        <mc:Fallback>
+        <mc:Fallback xmlns="">
           <p:sp>
             <p:nvSpPr>
               <p:cNvPr id="11" name="Прямоугольник 10"/>
@@ -4193,8 +4386,8 @@
             </p:nvSpPr>
             <p:spPr>
               <a:xfrm>
-                <a:off x="7126406" y="4935933"/>
-                <a:ext cx="3159457" cy="1187355"/>
+                <a:off x="7138384" y="5037930"/>
+                <a:ext cx="3017062" cy="999877"/>
               </a:xfrm>
               <a:prstGeom prst="rect">
                 <a:avLst/>
@@ -4202,7 +4395,7 @@
               <a:blipFill>
                 <a:blip r:embed="rId2"/>
                 <a:stretch>
-                  <a:fillRect l="-769" r="-2308"/>
+                  <a:fillRect l="-604" r="-2012"/>
                 </a:stretch>
               </a:blipFill>
               <a:ln>
@@ -4236,9 +4429,9 @@
           <p:nvPr/>
         </p:nvCxnSpPr>
         <p:spPr>
-          <a:xfrm flipH="1">
-            <a:off x="8706135" y="4544701"/>
-            <a:ext cx="1" cy="391232"/>
+          <a:xfrm>
+            <a:off x="8646915" y="4386718"/>
+            <a:ext cx="0" cy="651212"/>
           </a:xfrm>
           <a:prstGeom prst="line">
             <a:avLst/>
@@ -4259,6 +4452,59 @@
           </a:fontRef>
         </p:style>
       </p:cxnSp>
+      <p:sp>
+        <p:nvSpPr>
+          <p:cNvPr id="2" name="Заголовок 1"/>
+          <p:cNvSpPr>
+            <a:spLocks noGrp="1"/>
+          </p:cNvSpPr>
+          <p:nvPr>
+            <p:ph type="title"/>
+          </p:nvPr>
+        </p:nvSpPr>
+        <p:spPr/>
+        <p:txBody>
+          <a:bodyPr/>
+          <a:lstStyle/>
+          <a:p>
+            <a:r>
+              <a:rPr lang="ru-RU" dirty="0"/>
+              <a:t>Скорость вычисления</a:t>
+            </a:r>
+          </a:p>
+        </p:txBody>
+      </p:sp>
+      <p:sp>
+        <p:nvSpPr>
+          <p:cNvPr id="7" name="Номер слайда 6"/>
+          <p:cNvSpPr>
+            <a:spLocks noGrp="1"/>
+          </p:cNvSpPr>
+          <p:nvPr>
+            <p:ph type="sldNum" sz="quarter" idx="12"/>
+          </p:nvPr>
+        </p:nvSpPr>
+        <p:spPr/>
+        <p:txBody>
+          <a:bodyPr/>
+          <a:lstStyle/>
+          <a:p>
+            <a:fld id="{02FC5F2C-8C82-45C9-A2BF-6DB0CBD52C51}" type="slidenum">
+              <a:rPr lang="ru-RU" sz="2000" smtClean="0">
+                <a:solidFill>
+                  <a:schemeClr val="tx1"/>
+                </a:solidFill>
+              </a:rPr>
+              <a:t>11</a:t>
+            </a:fld>
+            <a:endParaRPr lang="ru-RU" dirty="0">
+              <a:solidFill>
+                <a:schemeClr val="tx1"/>
+              </a:solidFill>
+            </a:endParaRPr>
+          </a:p>
+        </p:txBody>
+      </p:sp>
     </p:spTree>
     <p:extLst>
       <p:ext uri="{BB962C8B-B14F-4D97-AF65-F5344CB8AC3E}">
@@ -4332,7 +4578,7 @@
         </p:nvSpPr>
         <p:spPr>
           <a:xfrm>
-            <a:off x="2589212" y="2133600"/>
+            <a:off x="1638300" y="2104572"/>
             <a:ext cx="8915400" cy="3006436"/>
           </a:xfrm>
         </p:spPr>
@@ -4389,34 +4635,28 @@
       </p:sp>
       <p:sp>
         <p:nvSpPr>
-          <p:cNvPr id="4" name="Нижний колонтитул 3"/>
+          <p:cNvPr id="6" name="Номер слайда 5"/>
           <p:cNvSpPr>
             <a:spLocks noGrp="1"/>
           </p:cNvSpPr>
           <p:nvPr>
-            <p:ph type="ftr" sz="quarter" idx="11"/>
+            <p:ph type="sldNum" sz="quarter" idx="12"/>
           </p:nvPr>
         </p:nvSpPr>
-        <p:spPr>
-          <a:xfrm>
-            <a:off x="838200" y="6206224"/>
-            <a:ext cx="4114800" cy="365125"/>
-          </a:xfrm>
-        </p:spPr>
+        <p:spPr/>
         <p:txBody>
           <a:bodyPr/>
           <a:lstStyle/>
           <a:p>
-            <a:pPr algn="just"/>
-            <a:r>
-              <a:rPr lang="en-US" sz="1600" dirty="0">
+            <a:fld id="{02FC5F2C-8C82-45C9-A2BF-6DB0CBD52C51}" type="slidenum">
+              <a:rPr lang="ru-RU" sz="2000" smtClean="0">
                 <a:solidFill>
                   <a:schemeClr val="tx1"/>
                 </a:solidFill>
               </a:rPr>
-              <a:t>3. https://habrahabr.ru/post/80323/</a:t>
-            </a:r>
-            <a:endParaRPr lang="ru-RU" sz="1600" dirty="0">
+              <a:t>12</a:t>
+            </a:fld>
+            <a:endParaRPr lang="ru-RU" dirty="0">
               <a:solidFill>
                 <a:schemeClr val="tx1"/>
               </a:solidFill>
@@ -4478,14 +4718,67 @@
         </p:blipFill>
         <p:spPr>
           <a:xfrm>
-            <a:off x="3016756" y="841474"/>
-            <a:ext cx="6180632" cy="5334702"/>
+            <a:off x="3016756" y="1690688"/>
+            <a:ext cx="6180632" cy="4805646"/>
           </a:xfrm>
           <a:prstGeom prst="rect">
             <a:avLst/>
           </a:prstGeom>
         </p:spPr>
       </p:pic>
+      <p:sp>
+        <p:nvSpPr>
+          <p:cNvPr id="2" name="Заголовок 1"/>
+          <p:cNvSpPr>
+            <a:spLocks noGrp="1"/>
+          </p:cNvSpPr>
+          <p:nvPr>
+            <p:ph type="title"/>
+          </p:nvPr>
+        </p:nvSpPr>
+        <p:spPr/>
+        <p:txBody>
+          <a:bodyPr/>
+          <a:lstStyle/>
+          <a:p>
+            <a:r>
+              <a:rPr lang="ru-RU" dirty="0"/>
+              <a:t>Псевдокод</a:t>
+            </a:r>
+          </a:p>
+        </p:txBody>
+      </p:sp>
+      <p:sp>
+        <p:nvSpPr>
+          <p:cNvPr id="4" name="Номер слайда 3"/>
+          <p:cNvSpPr>
+            <a:spLocks noGrp="1"/>
+          </p:cNvSpPr>
+          <p:nvPr>
+            <p:ph type="sldNum" sz="quarter" idx="12"/>
+          </p:nvPr>
+        </p:nvSpPr>
+        <p:spPr/>
+        <p:txBody>
+          <a:bodyPr/>
+          <a:lstStyle/>
+          <a:p>
+            <a:fld id="{02FC5F2C-8C82-45C9-A2BF-6DB0CBD52C51}" type="slidenum">
+              <a:rPr lang="ru-RU" sz="2000" smtClean="0">
+                <a:solidFill>
+                  <a:schemeClr val="tx1"/>
+                </a:solidFill>
+              </a:rPr>
+              <a:t>13</a:t>
+            </a:fld>
+            <a:endParaRPr lang="ru-RU" dirty="0">
+              <a:solidFill>
+                <a:schemeClr val="tx1"/>
+              </a:solidFill>
+            </a:endParaRPr>
+          </a:p>
+        </p:txBody>
+      </p:sp>
     </p:spTree>
     <p:extLst>
       <p:ext uri="{BB962C8B-B14F-4D97-AF65-F5344CB8AC3E}">
@@ -4532,8 +4825,8 @@
         </p:nvSpPr>
         <p:spPr>
           <a:xfrm>
-            <a:off x="4471918" y="395786"/>
-            <a:ext cx="3207223" cy="1405719"/>
+            <a:off x="4967784" y="1842448"/>
+            <a:ext cx="2411105" cy="968992"/>
           </a:xfrm>
           <a:prstGeom prst="ellipse">
             <a:avLst/>
@@ -4587,8 +4880,8 @@
         </p:nvSpPr>
         <p:spPr>
           <a:xfrm>
-            <a:off x="300254" y="3345975"/>
-            <a:ext cx="3493825" cy="1881117"/>
+            <a:off x="498484" y="3729503"/>
+            <a:ext cx="3295595" cy="1497589"/>
           </a:xfrm>
           <a:prstGeom prst="ellipse">
             <a:avLst/>
@@ -4642,8 +4935,8 @@
         </p:nvSpPr>
         <p:spPr>
           <a:xfrm>
-            <a:off x="4328618" y="3345975"/>
-            <a:ext cx="3493825" cy="1881117"/>
+            <a:off x="4526848" y="3729503"/>
+            <a:ext cx="3295595" cy="1497589"/>
           </a:xfrm>
           <a:prstGeom prst="ellipse">
             <a:avLst/>
@@ -4689,8 +4982,8 @@
           </a:p>
         </p:txBody>
       </p:sp>
-      <mc:AlternateContent xmlns:mc="http://schemas.openxmlformats.org/markup-compatibility/2006">
-        <mc:Choice xmlns:a14="http://schemas.microsoft.com/office/drawing/2010/main" Requires="a14">
+      <mc:AlternateContent xmlns:mc="http://schemas.openxmlformats.org/markup-compatibility/2006" xmlns:a14="http://schemas.microsoft.com/office/drawing/2010/main">
+        <mc:Choice Requires="a14">
           <p:sp>
             <p:nvSpPr>
               <p:cNvPr id="10" name="Овал 9"/>
@@ -4699,8 +4992,8 @@
             </p:nvSpPr>
             <p:spPr>
               <a:xfrm>
-                <a:off x="8356982" y="3345975"/>
-                <a:ext cx="3493825" cy="1881117"/>
+                <a:off x="8555212" y="3729503"/>
+                <a:ext cx="3295595" cy="1497589"/>
               </a:xfrm>
               <a:prstGeom prst="ellipse">
                 <a:avLst/>
@@ -4950,7 +5243,7 @@
             </p:txBody>
           </p:sp>
         </mc:Choice>
-        <mc:Fallback>
+        <mc:Fallback xmlns="">
           <p:sp>
             <p:nvSpPr>
               <p:cNvPr id="10" name="Овал 9"/>
@@ -4961,8 +5254,8 @@
             </p:nvSpPr>
             <p:spPr>
               <a:xfrm>
-                <a:off x="8356982" y="3345975"/>
-                <a:ext cx="3493825" cy="1881117"/>
+                <a:off x="8555212" y="3729503"/>
+                <a:ext cx="3295595" cy="1497589"/>
               </a:xfrm>
               <a:prstGeom prst="ellipse">
                 <a:avLst/>
@@ -4970,7 +5263,7 @@
               <a:blipFill>
                 <a:blip r:embed="rId2"/>
                 <a:stretch>
-                  <a:fillRect b="-11290"/>
+                  <a:fillRect b="-26721"/>
                 </a:stretch>
               </a:blipFill>
               <a:ln>
@@ -5005,8 +5298,8 @@
         </p:nvCxnSpPr>
         <p:spPr>
           <a:xfrm flipH="1">
-            <a:off x="2047167" y="1595642"/>
-            <a:ext cx="2894438" cy="1750333"/>
+            <a:off x="2146282" y="2669534"/>
+            <a:ext cx="3174600" cy="1059969"/>
           </a:xfrm>
           <a:prstGeom prst="straightConnector1">
             <a:avLst/>
@@ -5041,8 +5334,8 @@
         </p:nvCxnSpPr>
         <p:spPr>
           <a:xfrm>
-            <a:off x="6075530" y="1801505"/>
-            <a:ext cx="1" cy="1544470"/>
+            <a:off x="6173337" y="2811440"/>
+            <a:ext cx="1309" cy="918063"/>
           </a:xfrm>
           <a:prstGeom prst="straightConnector1">
             <a:avLst/>
@@ -5077,8 +5370,8 @@
         </p:nvCxnSpPr>
         <p:spPr>
           <a:xfrm>
-            <a:off x="7209454" y="1595642"/>
-            <a:ext cx="2894441" cy="1750333"/>
+            <a:off x="7025791" y="2669534"/>
+            <a:ext cx="3177219" cy="1059969"/>
           </a:xfrm>
           <a:prstGeom prst="straightConnector1">
             <a:avLst/>
@@ -5104,34 +5397,50 @@
       </p:cxnSp>
       <p:sp>
         <p:nvSpPr>
-          <p:cNvPr id="17" name="Нижний колонтитул 16"/>
+          <p:cNvPr id="20" name="Заголовок 19"/>
           <p:cNvSpPr>
             <a:spLocks noGrp="1"/>
           </p:cNvSpPr>
           <p:nvPr>
-            <p:ph type="ftr" sz="quarter" idx="11"/>
+            <p:ph type="title"/>
           </p:nvPr>
         </p:nvSpPr>
-        <p:spPr>
-          <a:xfrm>
-            <a:off x="357118" y="6274464"/>
-            <a:ext cx="4114800" cy="365125"/>
-          </a:xfrm>
-        </p:spPr>
+        <p:spPr/>
         <p:txBody>
           <a:bodyPr/>
           <a:lstStyle/>
           <a:p>
-            <a:pPr algn="just"/>
-            <a:r>
-              <a:rPr lang="en-US" sz="1600" dirty="0">
+            <a:r>
+              <a:rPr lang="ru-RU" dirty="0"/>
+              <a:t>Концепция</a:t>
+            </a:r>
+          </a:p>
+        </p:txBody>
+      </p:sp>
+      <p:sp>
+        <p:nvSpPr>
+          <p:cNvPr id="3" name="Номер слайда 2"/>
+          <p:cNvSpPr>
+            <a:spLocks noGrp="1"/>
+          </p:cNvSpPr>
+          <p:nvPr>
+            <p:ph type="sldNum" sz="quarter" idx="12"/>
+          </p:nvPr>
+        </p:nvSpPr>
+        <p:spPr/>
+        <p:txBody>
+          <a:bodyPr/>
+          <a:lstStyle/>
+          <a:p>
+            <a:fld id="{02FC5F2C-8C82-45C9-A2BF-6DB0CBD52C51}" type="slidenum">
+              <a:rPr lang="ru-RU" sz="2000" smtClean="0">
                 <a:solidFill>
                   <a:schemeClr val="tx1"/>
                 </a:solidFill>
               </a:rPr>
-              <a:t>4. https://habrahabr.ru/post/80323/</a:t>
-            </a:r>
-            <a:endParaRPr lang="ru-RU" sz="1600" dirty="0">
+              <a:t>14</a:t>
+            </a:fld>
+            <a:endParaRPr lang="ru-RU" dirty="0">
               <a:solidFill>
                 <a:schemeClr val="tx1"/>
               </a:solidFill>
@@ -5185,7 +5494,7 @@
         </p:nvSpPr>
         <p:spPr>
           <a:xfrm>
-            <a:off x="1951630" y="764275"/>
+            <a:off x="1910687" y="1951630"/>
             <a:ext cx="1965278" cy="1009934"/>
           </a:xfrm>
           <a:prstGeom prst="ellipse">
@@ -5240,7 +5549,7 @@
         </p:nvSpPr>
         <p:spPr>
           <a:xfrm>
-            <a:off x="1583140" y="2333767"/>
+            <a:off x="1542197" y="3521122"/>
             <a:ext cx="2702258" cy="1160060"/>
           </a:xfrm>
           <a:prstGeom prst="rect">
@@ -5312,7 +5621,7 @@
         </p:nvSpPr>
         <p:spPr>
           <a:xfrm>
-            <a:off x="4751695" y="689212"/>
+            <a:off x="4710752" y="1876567"/>
             <a:ext cx="2702258" cy="1160060"/>
           </a:xfrm>
           <a:prstGeom prst="rect">
@@ -5372,7 +5681,7 @@
         </p:nvSpPr>
         <p:spPr>
           <a:xfrm>
-            <a:off x="8288740" y="764275"/>
+            <a:off x="8247797" y="1951630"/>
             <a:ext cx="1965278" cy="1009934"/>
           </a:xfrm>
           <a:prstGeom prst="ellipse">
@@ -5427,7 +5736,7 @@
         </p:nvSpPr>
         <p:spPr>
           <a:xfrm>
-            <a:off x="7920250" y="2333767"/>
+            <a:off x="7879307" y="3521122"/>
             <a:ext cx="2702258" cy="1160060"/>
           </a:xfrm>
           <a:prstGeom prst="rect">
@@ -5485,7 +5794,7 @@
         </p:nvCxnSpPr>
         <p:spPr>
           <a:xfrm flipV="1">
-            <a:off x="2934269" y="1774209"/>
+            <a:off x="2893326" y="2961564"/>
             <a:ext cx="0" cy="559558"/>
           </a:xfrm>
           <a:prstGeom prst="straightConnector1">
@@ -5521,7 +5830,7 @@
         </p:nvCxnSpPr>
         <p:spPr>
           <a:xfrm>
-            <a:off x="3916908" y="1269242"/>
+            <a:off x="3875965" y="2456597"/>
             <a:ext cx="834787" cy="0"/>
           </a:xfrm>
           <a:prstGeom prst="straightConnector1">
@@ -5557,7 +5866,7 @@
         </p:nvCxnSpPr>
         <p:spPr>
           <a:xfrm>
-            <a:off x="7453953" y="1269242"/>
+            <a:off x="7413010" y="2456597"/>
             <a:ext cx="834787" cy="0"/>
           </a:xfrm>
           <a:prstGeom prst="straightConnector1">
@@ -5593,7 +5902,7 @@
         </p:nvCxnSpPr>
         <p:spPr>
           <a:xfrm>
-            <a:off x="9271379" y="1774209"/>
+            <a:off x="9230436" y="2961564"/>
             <a:ext cx="0" cy="559558"/>
           </a:xfrm>
           <a:prstGeom prst="straightConnector1">
@@ -5627,14 +5936,14 @@
           <p:nvPr>
             <p:extLst>
               <p:ext uri="{D42A27DB-BD31-4B8C-83A1-F6EECF244321}">
-                <p14:modId xmlns:p14="http://schemas.microsoft.com/office/powerpoint/2010/main" val="332756022"/>
+                <p14:modId xmlns:p14="http://schemas.microsoft.com/office/powerpoint/2010/main" val="4097143141"/>
               </p:ext>
             </p:extLst>
           </p:nvPr>
         </p:nvGraphicFramePr>
         <p:xfrm>
-          <a:off x="845023" y="4558351"/>
-          <a:ext cx="10515601" cy="1549546"/>
+          <a:off x="1213512" y="5036023"/>
+          <a:ext cx="9777486" cy="1085522"/>
         </p:xfrm>
         <a:graphic>
           <a:graphicData uri="http://schemas.openxmlformats.org/drawingml/2006/table">
@@ -5643,84 +5952,84 @@
                 <a:tableStyleId>{5C22544A-7EE6-4342-B048-85BDC9FD1C3A}</a:tableStyleId>
               </a:tblPr>
               <a:tblGrid>
-                <a:gridCol w="3162122">
+                <a:gridCol w="2940166">
                   <a:extLst>
                     <a:ext uri="{9D8B030D-6E8A-4147-A177-3AD203B41FA5}">
                       <a16:colId xmlns:a16="http://schemas.microsoft.com/office/drawing/2014/main" val="3563857177"/>
                     </a:ext>
                   </a:extLst>
                 </a:gridCol>
-                <a:gridCol w="674899">
+                <a:gridCol w="627526">
                   <a:extLst>
                     <a:ext uri="{9D8B030D-6E8A-4147-A177-3AD203B41FA5}">
                       <a16:colId xmlns:a16="http://schemas.microsoft.com/office/drawing/2014/main" val="1449511973"/>
                     </a:ext>
                   </a:extLst>
                 </a:gridCol>
-                <a:gridCol w="674899">
+                <a:gridCol w="627526">
                   <a:extLst>
                     <a:ext uri="{9D8B030D-6E8A-4147-A177-3AD203B41FA5}">
                       <a16:colId xmlns:a16="http://schemas.microsoft.com/office/drawing/2014/main" val="1132754218"/>
                     </a:ext>
                   </a:extLst>
                 </a:gridCol>
-                <a:gridCol w="674899">
+                <a:gridCol w="627526">
                   <a:extLst>
                     <a:ext uri="{9D8B030D-6E8A-4147-A177-3AD203B41FA5}">
                       <a16:colId xmlns:a16="http://schemas.microsoft.com/office/drawing/2014/main" val="2103985317"/>
                     </a:ext>
                   </a:extLst>
                 </a:gridCol>
-                <a:gridCol w="674899">
+                <a:gridCol w="627526">
                   <a:extLst>
                     <a:ext uri="{9D8B030D-6E8A-4147-A177-3AD203B41FA5}">
                       <a16:colId xmlns:a16="http://schemas.microsoft.com/office/drawing/2014/main" val="1092104538"/>
                     </a:ext>
                   </a:extLst>
                 </a:gridCol>
-                <a:gridCol w="674899">
+                <a:gridCol w="627526">
                   <a:extLst>
                     <a:ext uri="{9D8B030D-6E8A-4147-A177-3AD203B41FA5}">
                       <a16:colId xmlns:a16="http://schemas.microsoft.com/office/drawing/2014/main" val="1358828010"/>
                     </a:ext>
                   </a:extLst>
                 </a:gridCol>
-                <a:gridCol w="674899">
+                <a:gridCol w="627526">
                   <a:extLst>
                     <a:ext uri="{9D8B030D-6E8A-4147-A177-3AD203B41FA5}">
                       <a16:colId xmlns:a16="http://schemas.microsoft.com/office/drawing/2014/main" val="2246980630"/>
                     </a:ext>
                   </a:extLst>
                 </a:gridCol>
-                <a:gridCol w="674899">
+                <a:gridCol w="627526">
                   <a:extLst>
                     <a:ext uri="{9D8B030D-6E8A-4147-A177-3AD203B41FA5}">
                       <a16:colId xmlns:a16="http://schemas.microsoft.com/office/drawing/2014/main" val="51254248"/>
                     </a:ext>
                   </a:extLst>
                 </a:gridCol>
-                <a:gridCol w="674899">
+                <a:gridCol w="627526">
                   <a:extLst>
                     <a:ext uri="{9D8B030D-6E8A-4147-A177-3AD203B41FA5}">
                       <a16:colId xmlns:a16="http://schemas.microsoft.com/office/drawing/2014/main" val="136065286"/>
                     </a:ext>
                   </a:extLst>
                 </a:gridCol>
-                <a:gridCol w="674899">
+                <a:gridCol w="627526">
                   <a:extLst>
                     <a:ext uri="{9D8B030D-6E8A-4147-A177-3AD203B41FA5}">
                       <a16:colId xmlns:a16="http://schemas.microsoft.com/office/drawing/2014/main" val="1273022668"/>
                     </a:ext>
                   </a:extLst>
                 </a:gridCol>
-                <a:gridCol w="639694">
+                <a:gridCol w="594793">
                   <a:extLst>
                     <a:ext uri="{9D8B030D-6E8A-4147-A177-3AD203B41FA5}">
                       <a16:colId xmlns:a16="http://schemas.microsoft.com/office/drawing/2014/main" val="2899223598"/>
                     </a:ext>
                   </a:extLst>
                 </a:gridCol>
-                <a:gridCol w="639694">
+                <a:gridCol w="594793">
                   <a:extLst>
                     <a:ext uri="{9D8B030D-6E8A-4147-A177-3AD203B41FA5}">
                       <a16:colId xmlns:a16="http://schemas.microsoft.com/office/drawing/2014/main" val="3736779783"/>
@@ -5728,7 +6037,7 @@
                   </a:extLst>
                 </a:gridCol>
               </a:tblGrid>
-              <a:tr h="774773">
+              <a:tr h="542761">
                 <a:tc>
                   <a:txBody>
                     <a:bodyPr/>
@@ -6539,7 +6848,7 @@
                   </a:ext>
                 </a:extLst>
               </a:tr>
-              <a:tr h="774773">
+              <a:tr h="542761">
                 <a:tc>
                   <a:txBody>
                     <a:bodyPr/>
@@ -7354,6 +7663,59 @@
           </a:graphicData>
         </a:graphic>
       </p:graphicFrame>
+      <p:sp>
+        <p:nvSpPr>
+          <p:cNvPr id="2" name="Заголовок 1"/>
+          <p:cNvSpPr>
+            <a:spLocks noGrp="1"/>
+          </p:cNvSpPr>
+          <p:nvPr>
+            <p:ph type="title"/>
+          </p:nvPr>
+        </p:nvSpPr>
+        <p:spPr/>
+        <p:txBody>
+          <a:bodyPr/>
+          <a:lstStyle/>
+          <a:p>
+            <a:r>
+              <a:rPr lang="ru-RU" dirty="0"/>
+              <a:t>Входные и выходные данные</a:t>
+            </a:r>
+          </a:p>
+        </p:txBody>
+      </p:sp>
+      <p:sp>
+        <p:nvSpPr>
+          <p:cNvPr id="4" name="Номер слайда 3"/>
+          <p:cNvSpPr>
+            <a:spLocks noGrp="1"/>
+          </p:cNvSpPr>
+          <p:nvPr>
+            <p:ph type="sldNum" sz="quarter" idx="12"/>
+          </p:nvPr>
+        </p:nvSpPr>
+        <p:spPr/>
+        <p:txBody>
+          <a:bodyPr/>
+          <a:lstStyle/>
+          <a:p>
+            <a:fld id="{02FC5F2C-8C82-45C9-A2BF-6DB0CBD52C51}" type="slidenum">
+              <a:rPr lang="ru-RU" sz="2000" smtClean="0">
+                <a:solidFill>
+                  <a:schemeClr val="tx1"/>
+                </a:solidFill>
+              </a:rPr>
+              <a:t>15</a:t>
+            </a:fld>
+            <a:endParaRPr lang="ru-RU" dirty="0">
+              <a:solidFill>
+                <a:schemeClr val="tx1"/>
+              </a:solidFill>
+            </a:endParaRPr>
+          </a:p>
+        </p:txBody>
+      </p:sp>
     </p:spTree>
     <p:extLst>
       <p:ext uri="{BB962C8B-B14F-4D97-AF65-F5344CB8AC3E}">
@@ -7392,58 +7754,84 @@
           <a:chExt cx="0" cy="0"/>
         </a:xfrm>
       </p:grpSpPr>
-      <p:sp>
-        <p:nvSpPr>
-          <p:cNvPr id="6" name="Овал 5"/>
-          <p:cNvSpPr/>
+      <p:pic>
+        <p:nvPicPr>
+          <p:cNvPr id="4" name="Рисунок 3" descr="C:\Users\mylll\Google Диск\2016-2017\Семестр 1\Диплом\Matlab\example1.png"/>
+          <p:cNvPicPr/>
           <p:nvPr/>
-        </p:nvSpPr>
-        <p:spPr>
+        </p:nvPicPr>
+        <p:blipFill>
+          <a:blip r:embed="rId2">
+            <a:extLst>
+              <a:ext uri="{28A0092B-C50C-407E-A947-70E740481C1C}">
+                <a14:useLocalDpi xmlns:a14="http://schemas.microsoft.com/office/drawing/2010/main" val="0"/>
+              </a:ext>
+            </a:extLst>
+          </a:blip>
+          <a:srcRect l="8037" t="5476" r="8215" b="4762"/>
+          <a:stretch>
+            <a:fillRect/>
+          </a:stretch>
+        </p:blipFill>
+        <p:spPr bwMode="auto">
           <a:xfrm>
-            <a:off x="4380931" y="491318"/>
-            <a:ext cx="3111690" cy="1433015"/>
+            <a:off x="3087703" y="1690688"/>
+            <a:ext cx="6016594" cy="4225829"/>
           </a:xfrm>
-          <a:prstGeom prst="ellipse">
+          <a:prstGeom prst="rect">
             <a:avLst/>
           </a:prstGeom>
-          <a:solidFill>
-            <a:schemeClr val="bg1"/>
-          </a:solidFill>
+          <a:noFill/>
           <a:ln>
-            <a:solidFill>
-              <a:schemeClr val="tx1"/>
-            </a:solidFill>
+            <a:noFill/>
           </a:ln>
         </p:spPr>
-        <p:style>
-          <a:lnRef idx="2">
-            <a:schemeClr val="accent1">
-              <a:shade val="50000"/>
-            </a:schemeClr>
-          </a:lnRef>
-          <a:fillRef idx="1">
-            <a:schemeClr val="accent1"/>
-          </a:fillRef>
-          <a:effectRef idx="0">
-            <a:schemeClr val="accent1"/>
-          </a:effectRef>
-          <a:fontRef idx="minor">
-            <a:schemeClr val="lt1"/>
-          </a:fontRef>
-        </p:style>
-        <p:txBody>
-          <a:bodyPr rtlCol="0" anchor="ctr"/>
-          <a:lstStyle/>
-          <a:p>
-            <a:pPr algn="ctr"/>
-            <a:r>
-              <a:rPr lang="en-US" dirty="0" err="1">
+      </p:pic>
+      <p:sp>
+        <p:nvSpPr>
+          <p:cNvPr id="2" name="Заголовок 1"/>
+          <p:cNvSpPr>
+            <a:spLocks noGrp="1"/>
+          </p:cNvSpPr>
+          <p:nvPr>
+            <p:ph type="title"/>
+          </p:nvPr>
+        </p:nvSpPr>
+        <p:spPr/>
+        <p:txBody>
+          <a:bodyPr/>
+          <a:lstStyle/>
+          <a:p>
+            <a:r>
+              <a:rPr lang="ru-RU" dirty="0"/>
+              <a:t>Задача дискриминантного анализа</a:t>
+            </a:r>
+          </a:p>
+        </p:txBody>
+      </p:sp>
+      <p:sp>
+        <p:nvSpPr>
+          <p:cNvPr id="5" name="Номер слайда 4"/>
+          <p:cNvSpPr>
+            <a:spLocks noGrp="1"/>
+          </p:cNvSpPr>
+          <p:nvPr>
+            <p:ph type="sldNum" sz="quarter" idx="12"/>
+          </p:nvPr>
+        </p:nvSpPr>
+        <p:spPr/>
+        <p:txBody>
+          <a:bodyPr/>
+          <a:lstStyle/>
+          <a:p>
+            <a:fld id="{02FC5F2C-8C82-45C9-A2BF-6DB0CBD52C51}" type="slidenum">
+              <a:rPr lang="ru-RU" sz="2000" smtClean="0">
                 <a:solidFill>
                   <a:schemeClr val="tx1"/>
                 </a:solidFill>
               </a:rPr>
-              <a:t>AdaBoost</a:t>
-            </a:r>
+              <a:t>16</a:t>
+            </a:fld>
             <a:endParaRPr lang="ru-RU" dirty="0">
               <a:solidFill>
                 <a:schemeClr val="tx1"/>
@@ -7452,450 +7840,10 @@
           </a:p>
         </p:txBody>
       </p:sp>
-      <p:sp>
-        <p:nvSpPr>
-          <p:cNvPr id="7" name="Овал 6"/>
-          <p:cNvSpPr/>
-          <p:nvPr/>
-        </p:nvSpPr>
-        <p:spPr>
-          <a:xfrm>
-            <a:off x="1269241" y="2295097"/>
-            <a:ext cx="3111690" cy="1433015"/>
-          </a:xfrm>
-          <a:prstGeom prst="ellipse">
-            <a:avLst/>
-          </a:prstGeom>
-          <a:solidFill>
-            <a:schemeClr val="bg1"/>
-          </a:solidFill>
-          <a:ln>
-            <a:solidFill>
-              <a:schemeClr val="tx1"/>
-            </a:solidFill>
-          </a:ln>
-        </p:spPr>
-        <p:style>
-          <a:lnRef idx="2">
-            <a:schemeClr val="accent1">
-              <a:shade val="50000"/>
-            </a:schemeClr>
-          </a:lnRef>
-          <a:fillRef idx="1">
-            <a:schemeClr val="accent1"/>
-          </a:fillRef>
-          <a:effectRef idx="0">
-            <a:schemeClr val="accent1"/>
-          </a:effectRef>
-          <a:fontRef idx="minor">
-            <a:schemeClr val="lt1"/>
-          </a:fontRef>
-        </p:style>
-        <p:txBody>
-          <a:bodyPr rtlCol="0" anchor="ctr"/>
-          <a:lstStyle/>
-          <a:p>
-            <a:pPr algn="ctr"/>
-            <a:r>
-              <a:rPr lang="ru-RU" dirty="0">
-                <a:solidFill>
-                  <a:schemeClr val="tx1"/>
-                </a:solidFill>
-              </a:rPr>
-              <a:t>Преимущества</a:t>
-            </a:r>
-          </a:p>
-        </p:txBody>
-      </p:sp>
-      <p:sp>
-        <p:nvSpPr>
-          <p:cNvPr id="8" name="Овал 7"/>
-          <p:cNvSpPr/>
-          <p:nvPr/>
-        </p:nvSpPr>
-        <p:spPr>
-          <a:xfrm>
-            <a:off x="7492621" y="2295097"/>
-            <a:ext cx="3111690" cy="1433015"/>
-          </a:xfrm>
-          <a:prstGeom prst="ellipse">
-            <a:avLst/>
-          </a:prstGeom>
-          <a:solidFill>
-            <a:schemeClr val="bg1"/>
-          </a:solidFill>
-          <a:ln>
-            <a:solidFill>
-              <a:schemeClr val="tx1"/>
-            </a:solidFill>
-          </a:ln>
-        </p:spPr>
-        <p:style>
-          <a:lnRef idx="2">
-            <a:schemeClr val="accent1">
-              <a:shade val="50000"/>
-            </a:schemeClr>
-          </a:lnRef>
-          <a:fillRef idx="1">
-            <a:schemeClr val="accent1"/>
-          </a:fillRef>
-          <a:effectRef idx="0">
-            <a:schemeClr val="accent1"/>
-          </a:effectRef>
-          <a:fontRef idx="minor">
-            <a:schemeClr val="lt1"/>
-          </a:fontRef>
-        </p:style>
-        <p:txBody>
-          <a:bodyPr rtlCol="0" anchor="ctr"/>
-          <a:lstStyle/>
-          <a:p>
-            <a:pPr algn="ctr"/>
-            <a:r>
-              <a:rPr lang="ru-RU" dirty="0">
-                <a:solidFill>
-                  <a:schemeClr val="tx1"/>
-                </a:solidFill>
-              </a:rPr>
-              <a:t>Недостатки</a:t>
-            </a:r>
-          </a:p>
-        </p:txBody>
-      </p:sp>
-      <p:sp>
-        <p:nvSpPr>
-          <p:cNvPr id="9" name="Прямоугольник 8"/>
-          <p:cNvSpPr/>
-          <p:nvPr/>
-        </p:nvSpPr>
-        <p:spPr>
-          <a:xfrm>
-            <a:off x="808629" y="4098876"/>
-            <a:ext cx="4032914" cy="2251880"/>
-          </a:xfrm>
-          <a:prstGeom prst="rect">
-            <a:avLst/>
-          </a:prstGeom>
-          <a:solidFill>
-            <a:schemeClr val="bg1"/>
-          </a:solidFill>
-          <a:ln>
-            <a:solidFill>
-              <a:schemeClr val="tx1"/>
-            </a:solidFill>
-          </a:ln>
-        </p:spPr>
-        <p:style>
-          <a:lnRef idx="2">
-            <a:schemeClr val="accent1">
-              <a:shade val="50000"/>
-            </a:schemeClr>
-          </a:lnRef>
-          <a:fillRef idx="1">
-            <a:schemeClr val="accent1"/>
-          </a:fillRef>
-          <a:effectRef idx="0">
-            <a:schemeClr val="accent1"/>
-          </a:effectRef>
-          <a:fontRef idx="minor">
-            <a:schemeClr val="lt1"/>
-          </a:fontRef>
-        </p:style>
-        <p:txBody>
-          <a:bodyPr rtlCol="0" anchor="ctr"/>
-          <a:lstStyle/>
-          <a:p>
-            <a:pPr marL="285750" indent="-285750" algn="just">
-              <a:buFont typeface="Arial" panose="020B0604020202020204" pitchFamily="34" charset="0"/>
-              <a:buChar char="•"/>
-            </a:pPr>
-            <a:r>
-              <a:rPr lang="ru-RU" dirty="0">
-                <a:solidFill>
-                  <a:schemeClr val="tx1"/>
-                </a:solidFill>
-              </a:rPr>
-              <a:t>Хорошая обучающая способность</a:t>
-            </a:r>
-          </a:p>
-          <a:p>
-            <a:pPr marL="285750" indent="-285750" algn="just">
-              <a:buFont typeface="Arial" panose="020B0604020202020204" pitchFamily="34" charset="0"/>
-              <a:buChar char="•"/>
-            </a:pPr>
-            <a:r>
-              <a:rPr lang="ru-RU" dirty="0">
-                <a:solidFill>
-                  <a:schemeClr val="tx1"/>
-                </a:solidFill>
-              </a:rPr>
-              <a:t>Улучшает точность классификации</a:t>
-            </a:r>
-          </a:p>
-          <a:p>
-            <a:pPr marL="285750" indent="-285750" algn="just">
-              <a:buFont typeface="Arial" panose="020B0604020202020204" pitchFamily="34" charset="0"/>
-              <a:buChar char="•"/>
-            </a:pPr>
-            <a:r>
-              <a:rPr lang="ru-RU" dirty="0">
-                <a:solidFill>
-                  <a:schemeClr val="tx1"/>
-                </a:solidFill>
-              </a:rPr>
-              <a:t>Используется в различных областях</a:t>
-            </a:r>
-          </a:p>
-          <a:p>
-            <a:pPr marL="285750" indent="-285750" algn="just">
-              <a:buFont typeface="Arial" panose="020B0604020202020204" pitchFamily="34" charset="0"/>
-              <a:buChar char="•"/>
-            </a:pPr>
-            <a:r>
-              <a:rPr lang="ru-RU" dirty="0">
-                <a:solidFill>
-                  <a:schemeClr val="tx1"/>
-                </a:solidFill>
-              </a:rPr>
-              <a:t>Прост в реализации</a:t>
-            </a:r>
-          </a:p>
-          <a:p>
-            <a:pPr marL="285750" indent="-285750" algn="just">
-              <a:buFont typeface="Arial" panose="020B0604020202020204" pitchFamily="34" charset="0"/>
-              <a:buChar char="•"/>
-            </a:pPr>
-            <a:r>
-              <a:rPr lang="ru-RU" dirty="0">
-                <a:solidFill>
-                  <a:schemeClr val="tx1"/>
-                </a:solidFill>
-              </a:rPr>
-              <a:t>Не склонен к переобучению</a:t>
-            </a:r>
-          </a:p>
-        </p:txBody>
-      </p:sp>
-      <p:sp>
-        <p:nvSpPr>
-          <p:cNvPr id="12" name="Прямоугольник 11"/>
-          <p:cNvSpPr/>
-          <p:nvPr/>
-        </p:nvSpPr>
-        <p:spPr>
-          <a:xfrm>
-            <a:off x="6968888" y="4098876"/>
-            <a:ext cx="4159155" cy="2251880"/>
-          </a:xfrm>
-          <a:prstGeom prst="rect">
-            <a:avLst/>
-          </a:prstGeom>
-          <a:solidFill>
-            <a:schemeClr val="bg1"/>
-          </a:solidFill>
-          <a:ln>
-            <a:solidFill>
-              <a:schemeClr val="tx1"/>
-            </a:solidFill>
-          </a:ln>
-        </p:spPr>
-        <p:style>
-          <a:lnRef idx="2">
-            <a:schemeClr val="accent1">
-              <a:shade val="50000"/>
-            </a:schemeClr>
-          </a:lnRef>
-          <a:fillRef idx="1">
-            <a:schemeClr val="accent1"/>
-          </a:fillRef>
-          <a:effectRef idx="0">
-            <a:schemeClr val="accent1"/>
-          </a:effectRef>
-          <a:fontRef idx="minor">
-            <a:schemeClr val="lt1"/>
-          </a:fontRef>
-        </p:style>
-        <p:txBody>
-          <a:bodyPr rtlCol="0" anchor="ctr"/>
-          <a:lstStyle/>
-          <a:p>
-            <a:pPr marL="285750" indent="-285750" algn="just">
-              <a:buFont typeface="Arial" panose="020B0604020202020204" pitchFamily="34" charset="0"/>
-              <a:buChar char="•"/>
-            </a:pPr>
-            <a:r>
-              <a:rPr lang="ru-RU" dirty="0">
-                <a:solidFill>
-                  <a:schemeClr val="tx1"/>
-                </a:solidFill>
-              </a:rPr>
-              <a:t>Большой объем обучающих выборок</a:t>
-            </a:r>
-          </a:p>
-          <a:p>
-            <a:pPr marL="285750" indent="-285750" algn="just">
-              <a:buFont typeface="Arial" panose="020B0604020202020204" pitchFamily="34" charset="0"/>
-              <a:buChar char="•"/>
-            </a:pPr>
-            <a:r>
-              <a:rPr lang="ru-RU" dirty="0">
-                <a:solidFill>
-                  <a:schemeClr val="tx1"/>
-                </a:solidFill>
-              </a:rPr>
-              <a:t>Большое количество итераций</a:t>
-            </a:r>
-          </a:p>
-        </p:txBody>
-      </p:sp>
-      <p:cxnSp>
-        <p:nvCxnSpPr>
-          <p:cNvPr id="14" name="Прямая со стрелкой 13"/>
-          <p:cNvCxnSpPr>
-            <a:stCxn id="6" idx="3"/>
-            <a:endCxn id="7" idx="0"/>
-          </p:cNvCxnSpPr>
-          <p:nvPr/>
-        </p:nvCxnSpPr>
-        <p:spPr>
-          <a:xfrm flipH="1">
-            <a:off x="2825086" y="1714473"/>
-            <a:ext cx="2011541" cy="580624"/>
-          </a:xfrm>
-          <a:prstGeom prst="straightConnector1">
-            <a:avLst/>
-          </a:prstGeom>
-          <a:ln>
-            <a:tailEnd type="triangle"/>
-          </a:ln>
-        </p:spPr>
-        <p:style>
-          <a:lnRef idx="1">
-            <a:schemeClr val="dk1"/>
-          </a:lnRef>
-          <a:fillRef idx="0">
-            <a:schemeClr val="dk1"/>
-          </a:fillRef>
-          <a:effectRef idx="0">
-            <a:schemeClr val="dk1"/>
-          </a:effectRef>
-          <a:fontRef idx="minor">
-            <a:schemeClr val="tx1"/>
-          </a:fontRef>
-        </p:style>
-      </p:cxnSp>
-      <p:cxnSp>
-        <p:nvCxnSpPr>
-          <p:cNvPr id="16" name="Прямая со стрелкой 15"/>
-          <p:cNvCxnSpPr>
-            <a:stCxn id="6" idx="5"/>
-            <a:endCxn id="8" idx="0"/>
-          </p:cNvCxnSpPr>
-          <p:nvPr/>
-        </p:nvCxnSpPr>
-        <p:spPr>
-          <a:xfrm>
-            <a:off x="7036925" y="1714473"/>
-            <a:ext cx="2011541" cy="580624"/>
-          </a:xfrm>
-          <a:prstGeom prst="straightConnector1">
-            <a:avLst/>
-          </a:prstGeom>
-          <a:ln>
-            <a:tailEnd type="triangle"/>
-          </a:ln>
-        </p:spPr>
-        <p:style>
-          <a:lnRef idx="1">
-            <a:schemeClr val="dk1"/>
-          </a:lnRef>
-          <a:fillRef idx="0">
-            <a:schemeClr val="dk1"/>
-          </a:fillRef>
-          <a:effectRef idx="0">
-            <a:schemeClr val="dk1"/>
-          </a:effectRef>
-          <a:fontRef idx="minor">
-            <a:schemeClr val="tx1"/>
-          </a:fontRef>
-        </p:style>
-      </p:cxnSp>
-      <p:cxnSp>
-        <p:nvCxnSpPr>
-          <p:cNvPr id="18" name="Прямая со стрелкой 17"/>
-          <p:cNvCxnSpPr>
-            <a:stCxn id="7" idx="4"/>
-            <a:endCxn id="9" idx="0"/>
-          </p:cNvCxnSpPr>
-          <p:nvPr/>
-        </p:nvCxnSpPr>
-        <p:spPr>
-          <a:xfrm>
-            <a:off x="2825086" y="3728112"/>
-            <a:ext cx="0" cy="370764"/>
-          </a:xfrm>
-          <a:prstGeom prst="straightConnector1">
-            <a:avLst/>
-          </a:prstGeom>
-          <a:ln>
-            <a:tailEnd type="triangle"/>
-          </a:ln>
-        </p:spPr>
-        <p:style>
-          <a:lnRef idx="1">
-            <a:schemeClr val="dk1"/>
-          </a:lnRef>
-          <a:fillRef idx="0">
-            <a:schemeClr val="dk1"/>
-          </a:fillRef>
-          <a:effectRef idx="0">
-            <a:schemeClr val="dk1"/>
-          </a:effectRef>
-          <a:fontRef idx="minor">
-            <a:schemeClr val="tx1"/>
-          </a:fontRef>
-        </p:style>
-      </p:cxnSp>
-      <p:cxnSp>
-        <p:nvCxnSpPr>
-          <p:cNvPr id="20" name="Прямая со стрелкой 19"/>
-          <p:cNvCxnSpPr>
-            <a:stCxn id="8" idx="4"/>
-            <a:endCxn id="12" idx="0"/>
-          </p:cNvCxnSpPr>
-          <p:nvPr/>
-        </p:nvCxnSpPr>
-        <p:spPr>
-          <a:xfrm>
-            <a:off x="9048466" y="3728112"/>
-            <a:ext cx="0" cy="370764"/>
-          </a:xfrm>
-          <a:prstGeom prst="straightConnector1">
-            <a:avLst/>
-          </a:prstGeom>
-          <a:ln>
-            <a:tailEnd type="triangle"/>
-          </a:ln>
-        </p:spPr>
-        <p:style>
-          <a:lnRef idx="1">
-            <a:schemeClr val="dk1"/>
-          </a:lnRef>
-          <a:fillRef idx="0">
-            <a:schemeClr val="dk1"/>
-          </a:fillRef>
-          <a:effectRef idx="0">
-            <a:schemeClr val="dk1"/>
-          </a:effectRef>
-          <a:fontRef idx="minor">
-            <a:schemeClr val="tx1"/>
-          </a:fontRef>
-        </p:style>
-      </p:cxnSp>
     </p:spTree>
     <p:extLst>
       <p:ext uri="{BB962C8B-B14F-4D97-AF65-F5344CB8AC3E}">
-        <p14:creationId xmlns:p14="http://schemas.microsoft.com/office/powerpoint/2010/main" val="3816203756"/>
+        <p14:creationId xmlns:p14="http://schemas.microsoft.com/office/powerpoint/2010/main" val="3331303215"/>
       </p:ext>
     </p:extLst>
   </p:cSld>
@@ -7951,8 +7899,8 @@
         </p:blipFill>
         <p:spPr bwMode="auto">
           <a:xfrm>
-            <a:off x="3514769" y="2169995"/>
-            <a:ext cx="6229732" cy="4030760"/>
+            <a:off x="2900619" y="2702257"/>
+            <a:ext cx="5984073" cy="3889612"/>
           </a:xfrm>
           <a:prstGeom prst="rect">
             <a:avLst/>
@@ -7984,8 +7932,8 @@
         </p:blipFill>
         <p:spPr bwMode="auto">
           <a:xfrm>
-            <a:off x="641112" y="400073"/>
-            <a:ext cx="9820701" cy="1769922"/>
+            <a:off x="531931" y="1690688"/>
+            <a:ext cx="8693956" cy="1011569"/>
           </a:xfrm>
           <a:prstGeom prst="rect">
             <a:avLst/>
@@ -7996,6 +7944,59 @@
           </a:ln>
         </p:spPr>
       </p:pic>
+      <p:sp>
+        <p:nvSpPr>
+          <p:cNvPr id="2" name="Заголовок 1"/>
+          <p:cNvSpPr>
+            <a:spLocks noGrp="1"/>
+          </p:cNvSpPr>
+          <p:nvPr>
+            <p:ph type="title"/>
+          </p:nvPr>
+        </p:nvSpPr>
+        <p:spPr/>
+        <p:txBody>
+          <a:bodyPr/>
+          <a:lstStyle/>
+          <a:p>
+            <a:r>
+              <a:rPr lang="ru-RU" dirty="0"/>
+              <a:t>Бинарное дерево</a:t>
+            </a:r>
+          </a:p>
+        </p:txBody>
+      </p:sp>
+      <p:sp>
+        <p:nvSpPr>
+          <p:cNvPr id="6" name="Номер слайда 5"/>
+          <p:cNvSpPr>
+            <a:spLocks noGrp="1"/>
+          </p:cNvSpPr>
+          <p:nvPr>
+            <p:ph type="sldNum" sz="quarter" idx="12"/>
+          </p:nvPr>
+        </p:nvSpPr>
+        <p:spPr/>
+        <p:txBody>
+          <a:bodyPr/>
+          <a:lstStyle/>
+          <a:p>
+            <a:fld id="{02FC5F2C-8C82-45C9-A2BF-6DB0CBD52C51}" type="slidenum">
+              <a:rPr lang="ru-RU" sz="2000" smtClean="0">
+                <a:solidFill>
+                  <a:schemeClr val="tx1"/>
+                </a:solidFill>
+              </a:rPr>
+              <a:t>17</a:t>
+            </a:fld>
+            <a:endParaRPr lang="ru-RU" dirty="0">
+              <a:solidFill>
+                <a:schemeClr val="tx1"/>
+              </a:solidFill>
+            </a:endParaRPr>
+          </a:p>
+        </p:txBody>
+      </p:sp>
     </p:spTree>
     <p:extLst>
       <p:ext uri="{BB962C8B-B14F-4D97-AF65-F5344CB8AC3E}">
@@ -8036,79 +8037,561 @@
       </p:grpSpPr>
       <p:sp>
         <p:nvSpPr>
-          <p:cNvPr id="3" name="Объект 2"/>
+          <p:cNvPr id="6" name="Овал 5"/>
+          <p:cNvSpPr/>
+          <p:nvPr/>
+        </p:nvSpPr>
+        <p:spPr>
+          <a:xfrm>
+            <a:off x="4531056" y="1690688"/>
+            <a:ext cx="3043451" cy="928046"/>
+          </a:xfrm>
+          <a:prstGeom prst="ellipse">
+            <a:avLst/>
+          </a:prstGeom>
+          <a:solidFill>
+            <a:schemeClr val="bg1"/>
+          </a:solidFill>
+          <a:ln>
+            <a:solidFill>
+              <a:schemeClr val="tx1"/>
+            </a:solidFill>
+          </a:ln>
+        </p:spPr>
+        <p:style>
+          <a:lnRef idx="2">
+            <a:schemeClr val="accent1">
+              <a:shade val="50000"/>
+            </a:schemeClr>
+          </a:lnRef>
+          <a:fillRef idx="1">
+            <a:schemeClr val="accent1"/>
+          </a:fillRef>
+          <a:effectRef idx="0">
+            <a:schemeClr val="accent1"/>
+          </a:effectRef>
+          <a:fontRef idx="minor">
+            <a:schemeClr val="lt1"/>
+          </a:fontRef>
+        </p:style>
+        <p:txBody>
+          <a:bodyPr rtlCol="0" anchor="ctr"/>
+          <a:lstStyle/>
+          <a:p>
+            <a:pPr algn="ctr"/>
+            <a:r>
+              <a:rPr lang="en-US" dirty="0" err="1">
+                <a:solidFill>
+                  <a:schemeClr val="tx1"/>
+                </a:solidFill>
+              </a:rPr>
+              <a:t>AdaBoost</a:t>
+            </a:r>
+            <a:endParaRPr lang="ru-RU" dirty="0">
+              <a:solidFill>
+                <a:schemeClr val="tx1"/>
+              </a:solidFill>
+            </a:endParaRPr>
+          </a:p>
+        </p:txBody>
+      </p:sp>
+      <p:sp>
+        <p:nvSpPr>
+          <p:cNvPr id="7" name="Овал 6"/>
+          <p:cNvSpPr/>
+          <p:nvPr/>
+        </p:nvSpPr>
+        <p:spPr>
+          <a:xfrm>
+            <a:off x="1487605" y="3174720"/>
+            <a:ext cx="3043451" cy="928046"/>
+          </a:xfrm>
+          <a:prstGeom prst="ellipse">
+            <a:avLst/>
+          </a:prstGeom>
+          <a:solidFill>
+            <a:schemeClr val="bg1"/>
+          </a:solidFill>
+          <a:ln>
+            <a:solidFill>
+              <a:schemeClr val="tx1"/>
+            </a:solidFill>
+          </a:ln>
+        </p:spPr>
+        <p:style>
+          <a:lnRef idx="2">
+            <a:schemeClr val="accent1">
+              <a:shade val="50000"/>
+            </a:schemeClr>
+          </a:lnRef>
+          <a:fillRef idx="1">
+            <a:schemeClr val="accent1"/>
+          </a:fillRef>
+          <a:effectRef idx="0">
+            <a:schemeClr val="accent1"/>
+          </a:effectRef>
+          <a:fontRef idx="minor">
+            <a:schemeClr val="lt1"/>
+          </a:fontRef>
+        </p:style>
+        <p:txBody>
+          <a:bodyPr rtlCol="0" anchor="ctr"/>
+          <a:lstStyle/>
+          <a:p>
+            <a:pPr algn="ctr"/>
+            <a:r>
+              <a:rPr lang="ru-RU" dirty="0">
+                <a:solidFill>
+                  <a:schemeClr val="tx1"/>
+                </a:solidFill>
+              </a:rPr>
+              <a:t>Преимущества</a:t>
+            </a:r>
+          </a:p>
+        </p:txBody>
+      </p:sp>
+      <p:sp>
+        <p:nvSpPr>
+          <p:cNvPr id="8" name="Овал 7"/>
+          <p:cNvSpPr/>
+          <p:nvPr/>
+        </p:nvSpPr>
+        <p:spPr>
+          <a:xfrm>
+            <a:off x="7574507" y="3174720"/>
+            <a:ext cx="3043451" cy="928046"/>
+          </a:xfrm>
+          <a:prstGeom prst="ellipse">
+            <a:avLst/>
+          </a:prstGeom>
+          <a:solidFill>
+            <a:schemeClr val="bg1"/>
+          </a:solidFill>
+          <a:ln>
+            <a:solidFill>
+              <a:schemeClr val="tx1"/>
+            </a:solidFill>
+          </a:ln>
+        </p:spPr>
+        <p:style>
+          <a:lnRef idx="2">
+            <a:schemeClr val="accent1">
+              <a:shade val="50000"/>
+            </a:schemeClr>
+          </a:lnRef>
+          <a:fillRef idx="1">
+            <a:schemeClr val="accent1"/>
+          </a:fillRef>
+          <a:effectRef idx="0">
+            <a:schemeClr val="accent1"/>
+          </a:effectRef>
+          <a:fontRef idx="minor">
+            <a:schemeClr val="lt1"/>
+          </a:fontRef>
+        </p:style>
+        <p:txBody>
+          <a:bodyPr rtlCol="0" anchor="ctr"/>
+          <a:lstStyle/>
+          <a:p>
+            <a:pPr algn="ctr"/>
+            <a:r>
+              <a:rPr lang="ru-RU" dirty="0">
+                <a:solidFill>
+                  <a:schemeClr val="tx1"/>
+                </a:solidFill>
+              </a:rPr>
+              <a:t>Недостатки</a:t>
+            </a:r>
+          </a:p>
+        </p:txBody>
+      </p:sp>
+      <p:sp>
+        <p:nvSpPr>
+          <p:cNvPr id="9" name="Прямоугольник 8"/>
+          <p:cNvSpPr/>
+          <p:nvPr/>
+        </p:nvSpPr>
+        <p:spPr>
+          <a:xfrm>
+            <a:off x="1047018" y="4658752"/>
+            <a:ext cx="3944473" cy="1458358"/>
+          </a:xfrm>
+          <a:prstGeom prst="rect">
+            <a:avLst/>
+          </a:prstGeom>
+          <a:solidFill>
+            <a:schemeClr val="bg1"/>
+          </a:solidFill>
+          <a:ln>
+            <a:solidFill>
+              <a:schemeClr val="tx1"/>
+            </a:solidFill>
+          </a:ln>
+        </p:spPr>
+        <p:style>
+          <a:lnRef idx="2">
+            <a:schemeClr val="accent1">
+              <a:shade val="50000"/>
+            </a:schemeClr>
+          </a:lnRef>
+          <a:fillRef idx="1">
+            <a:schemeClr val="accent1"/>
+          </a:fillRef>
+          <a:effectRef idx="0">
+            <a:schemeClr val="accent1"/>
+          </a:effectRef>
+          <a:fontRef idx="minor">
+            <a:schemeClr val="lt1"/>
+          </a:fontRef>
+        </p:style>
+        <p:txBody>
+          <a:bodyPr rtlCol="0" anchor="ctr"/>
+          <a:lstStyle/>
+          <a:p>
+            <a:pPr marL="285750" indent="-285750" algn="just">
+              <a:buFont typeface="Arial" panose="020B0604020202020204" pitchFamily="34" charset="0"/>
+              <a:buChar char="•"/>
+            </a:pPr>
+            <a:r>
+              <a:rPr lang="ru-RU" dirty="0">
+                <a:solidFill>
+                  <a:schemeClr val="tx1"/>
+                </a:solidFill>
+              </a:rPr>
+              <a:t>Хорошая обучающая способность</a:t>
+            </a:r>
+          </a:p>
+          <a:p>
+            <a:pPr marL="285750" indent="-285750" algn="just">
+              <a:buFont typeface="Arial" panose="020B0604020202020204" pitchFamily="34" charset="0"/>
+              <a:buChar char="•"/>
+            </a:pPr>
+            <a:r>
+              <a:rPr lang="ru-RU" dirty="0">
+                <a:solidFill>
+                  <a:schemeClr val="tx1"/>
+                </a:solidFill>
+              </a:rPr>
+              <a:t>Улучшает точность классификации</a:t>
+            </a:r>
+          </a:p>
+          <a:p>
+            <a:pPr marL="285750" indent="-285750" algn="just">
+              <a:buFont typeface="Arial" panose="020B0604020202020204" pitchFamily="34" charset="0"/>
+              <a:buChar char="•"/>
+            </a:pPr>
+            <a:r>
+              <a:rPr lang="ru-RU" dirty="0">
+                <a:solidFill>
+                  <a:schemeClr val="tx1"/>
+                </a:solidFill>
+              </a:rPr>
+              <a:t>Используется в различных областях</a:t>
+            </a:r>
+          </a:p>
+          <a:p>
+            <a:pPr marL="285750" indent="-285750" algn="just">
+              <a:buFont typeface="Arial" panose="020B0604020202020204" pitchFamily="34" charset="0"/>
+              <a:buChar char="•"/>
+            </a:pPr>
+            <a:r>
+              <a:rPr lang="ru-RU" dirty="0">
+                <a:solidFill>
+                  <a:schemeClr val="tx1"/>
+                </a:solidFill>
+              </a:rPr>
+              <a:t>Прост в реализации</a:t>
+            </a:r>
+          </a:p>
+          <a:p>
+            <a:pPr marL="285750" indent="-285750" algn="just">
+              <a:buFont typeface="Arial" panose="020B0604020202020204" pitchFamily="34" charset="0"/>
+              <a:buChar char="•"/>
+            </a:pPr>
+            <a:r>
+              <a:rPr lang="ru-RU" dirty="0">
+                <a:solidFill>
+                  <a:schemeClr val="tx1"/>
+                </a:solidFill>
+              </a:rPr>
+              <a:t>Не склонен к переобучению</a:t>
+            </a:r>
+          </a:p>
+        </p:txBody>
+      </p:sp>
+      <p:sp>
+        <p:nvSpPr>
+          <p:cNvPr id="12" name="Прямоугольник 11"/>
+          <p:cNvSpPr/>
+          <p:nvPr/>
+        </p:nvSpPr>
+        <p:spPr>
+          <a:xfrm>
+            <a:off x="7010334" y="4658752"/>
+            <a:ext cx="4171798" cy="1458358"/>
+          </a:xfrm>
+          <a:prstGeom prst="rect">
+            <a:avLst/>
+          </a:prstGeom>
+          <a:solidFill>
+            <a:schemeClr val="bg1"/>
+          </a:solidFill>
+          <a:ln>
+            <a:solidFill>
+              <a:schemeClr val="tx1"/>
+            </a:solidFill>
+          </a:ln>
+        </p:spPr>
+        <p:style>
+          <a:lnRef idx="2">
+            <a:schemeClr val="accent1">
+              <a:shade val="50000"/>
+            </a:schemeClr>
+          </a:lnRef>
+          <a:fillRef idx="1">
+            <a:schemeClr val="accent1"/>
+          </a:fillRef>
+          <a:effectRef idx="0">
+            <a:schemeClr val="accent1"/>
+          </a:effectRef>
+          <a:fontRef idx="minor">
+            <a:schemeClr val="lt1"/>
+          </a:fontRef>
+        </p:style>
+        <p:txBody>
+          <a:bodyPr rtlCol="0" anchor="ctr"/>
+          <a:lstStyle/>
+          <a:p>
+            <a:pPr marL="285750" indent="-285750" algn="just">
+              <a:buFont typeface="Arial" panose="020B0604020202020204" pitchFamily="34" charset="0"/>
+              <a:buChar char="•"/>
+            </a:pPr>
+            <a:r>
+              <a:rPr lang="ru-RU" dirty="0">
+                <a:solidFill>
+                  <a:schemeClr val="tx1"/>
+                </a:solidFill>
+              </a:rPr>
+              <a:t>Большой объем обучающих выборок</a:t>
+            </a:r>
+          </a:p>
+          <a:p>
+            <a:pPr marL="285750" indent="-285750" algn="just">
+              <a:buFont typeface="Arial" panose="020B0604020202020204" pitchFamily="34" charset="0"/>
+              <a:buChar char="•"/>
+            </a:pPr>
+            <a:r>
+              <a:rPr lang="ru-RU" dirty="0">
+                <a:solidFill>
+                  <a:schemeClr val="tx1"/>
+                </a:solidFill>
+              </a:rPr>
+              <a:t>Большое количество итераций</a:t>
+            </a:r>
+          </a:p>
+        </p:txBody>
+      </p:sp>
+      <p:cxnSp>
+        <p:nvCxnSpPr>
+          <p:cNvPr id="14" name="Прямая со стрелкой 13"/>
+          <p:cNvCxnSpPr>
+            <a:stCxn id="6" idx="3"/>
+            <a:endCxn id="7" idx="0"/>
+          </p:cNvCxnSpPr>
+          <p:nvPr/>
+        </p:nvCxnSpPr>
+        <p:spPr>
+          <a:xfrm flipH="1">
+            <a:off x="3009331" y="2482825"/>
+            <a:ext cx="1967428" cy="691895"/>
+          </a:xfrm>
+          <a:prstGeom prst="straightConnector1">
+            <a:avLst/>
+          </a:prstGeom>
+          <a:ln>
+            <a:tailEnd type="triangle"/>
+          </a:ln>
+        </p:spPr>
+        <p:style>
+          <a:lnRef idx="1">
+            <a:schemeClr val="dk1"/>
+          </a:lnRef>
+          <a:fillRef idx="0">
+            <a:schemeClr val="dk1"/>
+          </a:fillRef>
+          <a:effectRef idx="0">
+            <a:schemeClr val="dk1"/>
+          </a:effectRef>
+          <a:fontRef idx="minor">
+            <a:schemeClr val="tx1"/>
+          </a:fontRef>
+        </p:style>
+      </p:cxnSp>
+      <p:cxnSp>
+        <p:nvCxnSpPr>
+          <p:cNvPr id="16" name="Прямая со стрелкой 15"/>
+          <p:cNvCxnSpPr>
+            <a:stCxn id="6" idx="5"/>
+            <a:endCxn id="8" idx="0"/>
+          </p:cNvCxnSpPr>
+          <p:nvPr/>
+        </p:nvCxnSpPr>
+        <p:spPr>
+          <a:xfrm>
+            <a:off x="7128804" y="2482825"/>
+            <a:ext cx="1967429" cy="691895"/>
+          </a:xfrm>
+          <a:prstGeom prst="straightConnector1">
+            <a:avLst/>
+          </a:prstGeom>
+          <a:ln>
+            <a:tailEnd type="triangle"/>
+          </a:ln>
+        </p:spPr>
+        <p:style>
+          <a:lnRef idx="1">
+            <a:schemeClr val="dk1"/>
+          </a:lnRef>
+          <a:fillRef idx="0">
+            <a:schemeClr val="dk1"/>
+          </a:fillRef>
+          <a:effectRef idx="0">
+            <a:schemeClr val="dk1"/>
+          </a:effectRef>
+          <a:fontRef idx="minor">
+            <a:schemeClr val="tx1"/>
+          </a:fontRef>
+        </p:style>
+      </p:cxnSp>
+      <p:cxnSp>
+        <p:nvCxnSpPr>
+          <p:cNvPr id="18" name="Прямая со стрелкой 17"/>
+          <p:cNvCxnSpPr>
+            <a:stCxn id="7" idx="4"/>
+            <a:endCxn id="9" idx="0"/>
+          </p:cNvCxnSpPr>
+          <p:nvPr/>
+        </p:nvCxnSpPr>
+        <p:spPr>
+          <a:xfrm>
+            <a:off x="3009331" y="4102766"/>
+            <a:ext cx="9924" cy="555986"/>
+          </a:xfrm>
+          <a:prstGeom prst="straightConnector1">
+            <a:avLst/>
+          </a:prstGeom>
+          <a:ln>
+            <a:tailEnd type="triangle"/>
+          </a:ln>
+        </p:spPr>
+        <p:style>
+          <a:lnRef idx="1">
+            <a:schemeClr val="dk1"/>
+          </a:lnRef>
+          <a:fillRef idx="0">
+            <a:schemeClr val="dk1"/>
+          </a:fillRef>
+          <a:effectRef idx="0">
+            <a:schemeClr val="dk1"/>
+          </a:effectRef>
+          <a:fontRef idx="minor">
+            <a:schemeClr val="tx1"/>
+          </a:fontRef>
+        </p:style>
+      </p:cxnSp>
+      <p:cxnSp>
+        <p:nvCxnSpPr>
+          <p:cNvPr id="20" name="Прямая со стрелкой 19"/>
+          <p:cNvCxnSpPr>
+            <a:stCxn id="8" idx="4"/>
+            <a:endCxn id="12" idx="0"/>
+          </p:cNvCxnSpPr>
+          <p:nvPr/>
+        </p:nvCxnSpPr>
+        <p:spPr>
+          <a:xfrm>
+            <a:off x="9096233" y="4102766"/>
+            <a:ext cx="0" cy="555986"/>
+          </a:xfrm>
+          <a:prstGeom prst="straightConnector1">
+            <a:avLst/>
+          </a:prstGeom>
+          <a:ln>
+            <a:tailEnd type="triangle"/>
+          </a:ln>
+        </p:spPr>
+        <p:style>
+          <a:lnRef idx="1">
+            <a:schemeClr val="dk1"/>
+          </a:lnRef>
+          <a:fillRef idx="0">
+            <a:schemeClr val="dk1"/>
+          </a:fillRef>
+          <a:effectRef idx="0">
+            <a:schemeClr val="dk1"/>
+          </a:effectRef>
+          <a:fontRef idx="minor">
+            <a:schemeClr val="tx1"/>
+          </a:fontRef>
+        </p:style>
+      </p:cxnSp>
+      <p:sp>
+        <p:nvSpPr>
+          <p:cNvPr id="13" name="Заголовок 12"/>
           <p:cNvSpPr>
             <a:spLocks noGrp="1"/>
           </p:cNvSpPr>
           <p:nvPr>
-            <p:ph idx="1"/>
+            <p:ph type="title"/>
           </p:nvPr>
         </p:nvSpPr>
-        <p:spPr>
-          <a:xfrm>
-            <a:off x="838201" y="1533524"/>
-            <a:ext cx="5257799" cy="4645603"/>
-          </a:xfrm>
-        </p:spPr>
-        <p:txBody>
-          <a:bodyPr>
-            <a:normAutofit lnSpcReduction="10000"/>
-          </a:bodyPr>
-          <a:lstStyle/>
-          <a:p>
-            <a:pPr algn="just"/>
-            <a:r>
-              <a:rPr lang="ru-RU" sz="2800" dirty="0"/>
-              <a:t>Одной из главных задач алгоритма </a:t>
-            </a:r>
-            <a:r>
-              <a:rPr lang="en-US" sz="2800" dirty="0"/>
-              <a:t>AdaBoost </a:t>
-            </a:r>
-            <a:r>
-              <a:rPr lang="ru-RU" sz="2800" dirty="0"/>
-              <a:t>является нахождение порога, который наилучшим образом разделяет один класс данных от другого. По входным выборкам относящимся к различным классам можно построить плотности распределения, которые будет иметь свои показатели центра распределения.</a:t>
-            </a:r>
-          </a:p>
-        </p:txBody>
-      </p:sp>
-      <p:pic>
-        <p:nvPicPr>
-          <p:cNvPr id="4" name="Рисунок 3" descr="C:\Users\mylll\Google Диск\2016-2017\Семестр 1\Диплом\Matlab\example1.png"/>
-          <p:cNvPicPr/>
-          <p:nvPr/>
-        </p:nvPicPr>
-        <p:blipFill>
-          <a:blip r:embed="rId2">
-            <a:extLst>
-              <a:ext uri="{28A0092B-C50C-407E-A947-70E740481C1C}">
-                <a14:useLocalDpi xmlns:a14="http://schemas.microsoft.com/office/drawing/2010/main" val="0"/>
-              </a:ext>
-            </a:extLst>
-          </a:blip>
-          <a:srcRect l="8037" t="5476" r="8215" b="4762"/>
-          <a:stretch>
-            <a:fillRect/>
-          </a:stretch>
-        </p:blipFill>
-        <p:spPr bwMode="auto">
-          <a:xfrm>
-            <a:off x="6539345" y="1533525"/>
-            <a:ext cx="4814455" cy="4645602"/>
-          </a:xfrm>
-          <a:prstGeom prst="rect">
-            <a:avLst/>
-          </a:prstGeom>
-          <a:noFill/>
-          <a:ln>
-            <a:noFill/>
-          </a:ln>
-        </p:spPr>
-      </p:pic>
+        <p:spPr/>
+        <p:txBody>
+          <a:bodyPr/>
+          <a:lstStyle/>
+          <a:p>
+            <a:r>
+              <a:rPr lang="ru-RU" dirty="0"/>
+              <a:t>Преимущества и недостатки</a:t>
+            </a:r>
+          </a:p>
+        </p:txBody>
+      </p:sp>
+      <p:sp>
+        <p:nvSpPr>
+          <p:cNvPr id="3" name="Номер слайда 2"/>
+          <p:cNvSpPr>
+            <a:spLocks noGrp="1"/>
+          </p:cNvSpPr>
+          <p:nvPr>
+            <p:ph type="sldNum" sz="quarter" idx="12"/>
+          </p:nvPr>
+        </p:nvSpPr>
+        <p:spPr/>
+        <p:txBody>
+          <a:bodyPr/>
+          <a:lstStyle/>
+          <a:p>
+            <a:fld id="{02FC5F2C-8C82-45C9-A2BF-6DB0CBD52C51}" type="slidenum">
+              <a:rPr lang="ru-RU" sz="2000" smtClean="0">
+                <a:solidFill>
+                  <a:schemeClr val="tx1"/>
+                </a:solidFill>
+              </a:rPr>
+              <a:t>18</a:t>
+            </a:fld>
+            <a:endParaRPr lang="ru-RU" dirty="0">
+              <a:solidFill>
+                <a:schemeClr val="tx1"/>
+              </a:solidFill>
+            </a:endParaRPr>
+          </a:p>
+        </p:txBody>
+      </p:sp>
     </p:spTree>
     <p:extLst>
       <p:ext uri="{BB962C8B-B14F-4D97-AF65-F5344CB8AC3E}">
-        <p14:creationId xmlns:p14="http://schemas.microsoft.com/office/powerpoint/2010/main" val="933535430"/>
+        <p14:creationId xmlns:p14="http://schemas.microsoft.com/office/powerpoint/2010/main" val="3816203756"/>
       </p:ext>
     </p:extLst>
   </p:cSld>
@@ -8121,14 +8604,6 @@
 <file path=ppt/slides/slide19.xml><?xml version="1.0" encoding="utf-8"?>
 <p:sld xmlns:a="http://schemas.openxmlformats.org/drawingml/2006/main" xmlns:r="http://schemas.openxmlformats.org/officeDocument/2006/relationships" xmlns:p="http://schemas.openxmlformats.org/presentationml/2006/main">
   <p:cSld>
-    <p:bg>
-      <p:bgPr>
-        <a:solidFill>
-          <a:schemeClr val="bg1"/>
-        </a:solidFill>
-        <a:effectLst/>
-      </p:bgPr>
-    </p:bg>
     <p:spTree>
       <p:nvGrpSpPr>
         <p:cNvPr id="1" name=""/>
@@ -8143,9 +8618,31 @@
           <a:chExt cx="0" cy="0"/>
         </a:xfrm>
       </p:grpSpPr>
+      <p:sp>
+        <p:nvSpPr>
+          <p:cNvPr id="2" name="Заголовок 1"/>
+          <p:cNvSpPr>
+            <a:spLocks noGrp="1"/>
+          </p:cNvSpPr>
+          <p:nvPr>
+            <p:ph type="title"/>
+          </p:nvPr>
+        </p:nvSpPr>
+        <p:spPr/>
+        <p:txBody>
+          <a:bodyPr/>
+          <a:lstStyle/>
+          <a:p>
+            <a:r>
+              <a:rPr lang="ru-RU" b="1" dirty="0"/>
+              <a:t>Тестирование</a:t>
+            </a:r>
+          </a:p>
+        </p:txBody>
+      </p:sp>
       <p:pic>
         <p:nvPicPr>
-          <p:cNvPr id="4" name="Рисунок 3" descr="C:\Users\mylll\Google Диск\2016-2017\Семестр 1\Диплом\Matlab\example1.png"/>
+          <p:cNvPr id="5" name="Рисунок 4" descr="C:\Users\mylll\Google Диск\2016-2017\Семестр 1\Диплом\Matlab\TPR_FPR.png"/>
           <p:cNvPicPr/>
           <p:nvPr/>
         </p:nvPicPr>
@@ -8157,15 +8654,15 @@
               </a:ext>
             </a:extLst>
           </a:blip>
-          <a:srcRect l="8037" t="5476" r="8215" b="4762"/>
+          <a:srcRect/>
           <a:stretch>
             <a:fillRect/>
           </a:stretch>
         </p:blipFill>
         <p:spPr bwMode="auto">
           <a:xfrm>
-            <a:off x="3045519" y="851138"/>
-            <a:ext cx="6753574" cy="5372242"/>
+            <a:off x="2171700" y="1690688"/>
+            <a:ext cx="7848600" cy="4888924"/>
           </a:xfrm>
           <a:prstGeom prst="rect">
             <a:avLst/>
@@ -8176,10 +8673,41 @@
           </a:ln>
         </p:spPr>
       </p:pic>
+      <p:sp>
+        <p:nvSpPr>
+          <p:cNvPr id="4" name="Номер слайда 3"/>
+          <p:cNvSpPr>
+            <a:spLocks noGrp="1"/>
+          </p:cNvSpPr>
+          <p:nvPr>
+            <p:ph type="sldNum" sz="quarter" idx="12"/>
+          </p:nvPr>
+        </p:nvSpPr>
+        <p:spPr/>
+        <p:txBody>
+          <a:bodyPr/>
+          <a:lstStyle/>
+          <a:p>
+            <a:fld id="{02FC5F2C-8C82-45C9-A2BF-6DB0CBD52C51}" type="slidenum">
+              <a:rPr lang="ru-RU" sz="2000" smtClean="0">
+                <a:solidFill>
+                  <a:schemeClr val="tx1"/>
+                </a:solidFill>
+              </a:rPr>
+              <a:t>19</a:t>
+            </a:fld>
+            <a:endParaRPr lang="ru-RU" dirty="0">
+              <a:solidFill>
+                <a:schemeClr val="tx1"/>
+              </a:solidFill>
+            </a:endParaRPr>
+          </a:p>
+        </p:txBody>
+      </p:sp>
     </p:spTree>
     <p:extLst>
       <p:ext uri="{BB962C8B-B14F-4D97-AF65-F5344CB8AC3E}">
-        <p14:creationId xmlns:p14="http://schemas.microsoft.com/office/powerpoint/2010/main" val="3331303215"/>
+        <p14:creationId xmlns:p14="http://schemas.microsoft.com/office/powerpoint/2010/main" val="1701079264"/>
       </p:ext>
     </p:extLst>
   </p:cSld>
@@ -8248,8 +8776,8 @@
         </p:nvSpPr>
         <p:spPr>
           <a:xfrm>
-            <a:off x="838200" y="1825625"/>
-            <a:ext cx="10515600" cy="4247629"/>
+            <a:off x="3423557" y="1690688"/>
+            <a:ext cx="5344886" cy="4247629"/>
           </a:xfrm>
         </p:spPr>
         <p:txBody>
@@ -8280,6 +8808,44 @@
               <a:rPr lang="ru-RU" sz="2800" dirty="0"/>
               <a:t>Тестирование алгоритма</a:t>
             </a:r>
+          </a:p>
+          <a:p>
+            <a:r>
+              <a:rPr lang="ru-RU" dirty="0"/>
+              <a:t>Заключение</a:t>
+            </a:r>
+            <a:endParaRPr lang="ru-RU" sz="2800" dirty="0"/>
+          </a:p>
+        </p:txBody>
+      </p:sp>
+      <p:sp>
+        <p:nvSpPr>
+          <p:cNvPr id="5" name="Номер слайда 4"/>
+          <p:cNvSpPr>
+            <a:spLocks noGrp="1"/>
+          </p:cNvSpPr>
+          <p:nvPr>
+            <p:ph type="sldNum" sz="quarter" idx="12"/>
+          </p:nvPr>
+        </p:nvSpPr>
+        <p:spPr/>
+        <p:txBody>
+          <a:bodyPr/>
+          <a:lstStyle/>
+          <a:p>
+            <a:fld id="{02FC5F2C-8C82-45C9-A2BF-6DB0CBD52C51}" type="slidenum">
+              <a:rPr lang="ru-RU" sz="2000" smtClean="0">
+                <a:solidFill>
+                  <a:schemeClr val="tx1"/>
+                </a:solidFill>
+              </a:rPr>
+              <a:t>2</a:t>
+            </a:fld>
+            <a:endParaRPr lang="ru-RU" dirty="0">
+              <a:solidFill>
+                <a:schemeClr val="tx1"/>
+              </a:solidFill>
+            </a:endParaRPr>
           </a:p>
         </p:txBody>
       </p:sp>
@@ -8297,304 +8863,6 @@
 </file>
 
 <file path=ppt/slides/slide20.xml><?xml version="1.0" encoding="utf-8"?>
-<p:sld xmlns:a="http://schemas.openxmlformats.org/drawingml/2006/main" xmlns:r="http://schemas.openxmlformats.org/officeDocument/2006/relationships" xmlns:p="http://schemas.openxmlformats.org/presentationml/2006/main">
-  <p:cSld>
-    <p:bg>
-      <p:bgPr>
-        <a:solidFill>
-          <a:schemeClr val="bg1"/>
-        </a:solidFill>
-        <a:effectLst/>
-      </p:bgPr>
-    </p:bg>
-    <p:spTree>
-      <p:nvGrpSpPr>
-        <p:cNvPr id="1" name=""/>
-        <p:cNvGrpSpPr/>
-        <p:nvPr/>
-      </p:nvGrpSpPr>
-      <p:grpSpPr>
-        <a:xfrm>
-          <a:off x="0" y="0"/>
-          <a:ext cx="0" cy="0"/>
-          <a:chOff x="0" y="0"/>
-          <a:chExt cx="0" cy="0"/>
-        </a:xfrm>
-      </p:grpSpPr>
-      <p:pic>
-        <p:nvPicPr>
-          <p:cNvPr id="4" name="Рисунок 3" descr="C:\Users\mylll\Google Диск\2016-2017\Семестр 1\Диплом\Matlab\example2.png"/>
-          <p:cNvPicPr/>
-          <p:nvPr/>
-        </p:nvPicPr>
-        <p:blipFill>
-          <a:blip r:embed="rId2">
-            <a:extLst>
-              <a:ext uri="{28A0092B-C50C-407E-A947-70E740481C1C}">
-                <a14:useLocalDpi xmlns:a14="http://schemas.microsoft.com/office/drawing/2010/main" val="0"/>
-              </a:ext>
-            </a:extLst>
-          </a:blip>
-          <a:srcRect l="8215" t="6192" r="7680" b="5476"/>
-          <a:stretch>
-            <a:fillRect/>
-          </a:stretch>
-        </p:blipFill>
-        <p:spPr bwMode="auto">
-          <a:xfrm>
-            <a:off x="2870372" y="823415"/>
-            <a:ext cx="6942368" cy="5318078"/>
-          </a:xfrm>
-          <a:prstGeom prst="rect">
-            <a:avLst/>
-          </a:prstGeom>
-          <a:noFill/>
-          <a:ln>
-            <a:noFill/>
-          </a:ln>
-        </p:spPr>
-      </p:pic>
-    </p:spTree>
-    <p:extLst>
-      <p:ext uri="{BB962C8B-B14F-4D97-AF65-F5344CB8AC3E}">
-        <p14:creationId xmlns:p14="http://schemas.microsoft.com/office/powerpoint/2010/main" val="2023762815"/>
-      </p:ext>
-    </p:extLst>
-  </p:cSld>
-  <p:clrMapOvr>
-    <a:masterClrMapping/>
-  </p:clrMapOvr>
-</p:sld>
-</file>
-
-<file path=ppt/slides/slide21.xml><?xml version="1.0" encoding="utf-8"?>
-<p:sld xmlns:a="http://schemas.openxmlformats.org/drawingml/2006/main" xmlns:r="http://schemas.openxmlformats.org/officeDocument/2006/relationships" xmlns:p="http://schemas.openxmlformats.org/presentationml/2006/main">
-  <p:cSld>
-    <p:bg>
-      <p:bgPr>
-        <a:solidFill>
-          <a:schemeClr val="bg1"/>
-        </a:solidFill>
-        <a:effectLst/>
-      </p:bgPr>
-    </p:bg>
-    <p:spTree>
-      <p:nvGrpSpPr>
-        <p:cNvPr id="1" name=""/>
-        <p:cNvGrpSpPr/>
-        <p:nvPr/>
-      </p:nvGrpSpPr>
-      <p:grpSpPr>
-        <a:xfrm>
-          <a:off x="0" y="0"/>
-          <a:ext cx="0" cy="0"/>
-          <a:chOff x="0" y="0"/>
-          <a:chExt cx="0" cy="0"/>
-        </a:xfrm>
-      </p:grpSpPr>
-      <p:pic>
-        <p:nvPicPr>
-          <p:cNvPr id="5" name="Рисунок 4" descr="C:\Users\mylll\Google Диск\2016-2017\Семестр 1\Диплом\Matlab\example3.png"/>
-          <p:cNvPicPr/>
-          <p:nvPr/>
-        </p:nvPicPr>
-        <p:blipFill>
-          <a:blip r:embed="rId2">
-            <a:extLst>
-              <a:ext uri="{28A0092B-C50C-407E-A947-70E740481C1C}">
-                <a14:useLocalDpi xmlns:a14="http://schemas.microsoft.com/office/drawing/2010/main" val="0"/>
-              </a:ext>
-            </a:extLst>
-          </a:blip>
-          <a:srcRect l="8037" t="5476" r="7680" b="5238"/>
-          <a:stretch>
-            <a:fillRect/>
-          </a:stretch>
-        </p:blipFill>
-        <p:spPr bwMode="auto">
-          <a:xfrm>
-            <a:off x="2869199" y="824400"/>
-            <a:ext cx="6940800" cy="5318078"/>
-          </a:xfrm>
-          <a:prstGeom prst="rect">
-            <a:avLst/>
-          </a:prstGeom>
-          <a:noFill/>
-          <a:ln>
-            <a:noFill/>
-          </a:ln>
-        </p:spPr>
-      </p:pic>
-    </p:spTree>
-    <p:extLst>
-      <p:ext uri="{BB962C8B-B14F-4D97-AF65-F5344CB8AC3E}">
-        <p14:creationId xmlns:p14="http://schemas.microsoft.com/office/powerpoint/2010/main" val="2880922307"/>
-      </p:ext>
-    </p:extLst>
-  </p:cSld>
-  <p:clrMapOvr>
-    <a:masterClrMapping/>
-  </p:clrMapOvr>
-</p:sld>
-</file>
-
-<file path=ppt/slides/slide22.xml><?xml version="1.0" encoding="utf-8"?>
-<p:sld xmlns:a="http://schemas.openxmlformats.org/drawingml/2006/main" xmlns:r="http://schemas.openxmlformats.org/officeDocument/2006/relationships" xmlns:p="http://schemas.openxmlformats.org/presentationml/2006/main">
-  <p:cSld>
-    <p:bg>
-      <p:bgPr>
-        <a:solidFill>
-          <a:schemeClr val="bg1"/>
-        </a:solidFill>
-        <a:effectLst/>
-      </p:bgPr>
-    </p:bg>
-    <p:spTree>
-      <p:nvGrpSpPr>
-        <p:cNvPr id="1" name=""/>
-        <p:cNvGrpSpPr/>
-        <p:nvPr/>
-      </p:nvGrpSpPr>
-      <p:grpSpPr>
-        <a:xfrm>
-          <a:off x="0" y="0"/>
-          <a:ext cx="0" cy="0"/>
-          <a:chOff x="0" y="0"/>
-          <a:chExt cx="0" cy="0"/>
-        </a:xfrm>
-      </p:grpSpPr>
-      <p:pic>
-        <p:nvPicPr>
-          <p:cNvPr id="6" name="Рисунок 5" descr="C:\Users\mylll\Google Диск\2016-2017\Семестр 1\Диплом\Matlab\example4.png"/>
-          <p:cNvPicPr/>
-          <p:nvPr/>
-        </p:nvPicPr>
-        <p:blipFill>
-          <a:blip r:embed="rId2">
-            <a:extLst>
-              <a:ext uri="{28A0092B-C50C-407E-A947-70E740481C1C}">
-                <a14:useLocalDpi xmlns:a14="http://schemas.microsoft.com/office/drawing/2010/main" val="0"/>
-              </a:ext>
-            </a:extLst>
-          </a:blip>
-          <a:srcRect l="8037" t="6430" r="7501" b="5238"/>
-          <a:stretch>
-            <a:fillRect/>
-          </a:stretch>
-        </p:blipFill>
-        <p:spPr bwMode="auto">
-          <a:xfrm>
-            <a:off x="2869200" y="824400"/>
-            <a:ext cx="6940800" cy="5318078"/>
-          </a:xfrm>
-          <a:prstGeom prst="rect">
-            <a:avLst/>
-          </a:prstGeom>
-          <a:noFill/>
-          <a:ln>
-            <a:noFill/>
-          </a:ln>
-        </p:spPr>
-      </p:pic>
-    </p:spTree>
-    <p:extLst>
-      <p:ext uri="{BB962C8B-B14F-4D97-AF65-F5344CB8AC3E}">
-        <p14:creationId xmlns:p14="http://schemas.microsoft.com/office/powerpoint/2010/main" val="3633879427"/>
-      </p:ext>
-    </p:extLst>
-  </p:cSld>
-  <p:clrMapOvr>
-    <a:masterClrMapping/>
-  </p:clrMapOvr>
-</p:sld>
-</file>
-
-<file path=ppt/slides/slide23.xml><?xml version="1.0" encoding="utf-8"?>
-<p:sld xmlns:a="http://schemas.openxmlformats.org/drawingml/2006/main" xmlns:r="http://schemas.openxmlformats.org/officeDocument/2006/relationships" xmlns:p="http://schemas.openxmlformats.org/presentationml/2006/main">
-  <p:cSld>
-    <p:spTree>
-      <p:nvGrpSpPr>
-        <p:cNvPr id="1" name=""/>
-        <p:cNvGrpSpPr/>
-        <p:nvPr/>
-      </p:nvGrpSpPr>
-      <p:grpSpPr>
-        <a:xfrm>
-          <a:off x="0" y="0"/>
-          <a:ext cx="0" cy="0"/>
-          <a:chOff x="0" y="0"/>
-          <a:chExt cx="0" cy="0"/>
-        </a:xfrm>
-      </p:grpSpPr>
-      <p:sp>
-        <p:nvSpPr>
-          <p:cNvPr id="2" name="Заголовок 1"/>
-          <p:cNvSpPr>
-            <a:spLocks noGrp="1"/>
-          </p:cNvSpPr>
-          <p:nvPr>
-            <p:ph type="title"/>
-          </p:nvPr>
-        </p:nvSpPr>
-        <p:spPr/>
-        <p:txBody>
-          <a:bodyPr/>
-          <a:lstStyle/>
-          <a:p>
-            <a:r>
-              <a:rPr lang="ru-RU" dirty="0"/>
-              <a:t>Результаты тестирования</a:t>
-            </a:r>
-          </a:p>
-        </p:txBody>
-      </p:sp>
-      <p:pic>
-        <p:nvPicPr>
-          <p:cNvPr id="5" name="Рисунок 4" descr="C:\Users\mylll\Google Диск\2016-2017\Семестр 1\Диплом\Matlab\TPR_FPR.png"/>
-          <p:cNvPicPr/>
-          <p:nvPr/>
-        </p:nvPicPr>
-        <p:blipFill>
-          <a:blip r:embed="rId2">
-            <a:extLst>
-              <a:ext uri="{28A0092B-C50C-407E-A947-70E740481C1C}">
-                <a14:useLocalDpi xmlns:a14="http://schemas.microsoft.com/office/drawing/2010/main" val="0"/>
-              </a:ext>
-            </a:extLst>
-          </a:blip>
-          <a:srcRect/>
-          <a:stretch>
-            <a:fillRect/>
-          </a:stretch>
-        </p:blipFill>
-        <p:spPr bwMode="auto">
-          <a:xfrm>
-            <a:off x="2171700" y="1690688"/>
-            <a:ext cx="7848600" cy="4888924"/>
-          </a:xfrm>
-          <a:prstGeom prst="rect">
-            <a:avLst/>
-          </a:prstGeom>
-          <a:noFill/>
-          <a:ln>
-            <a:noFill/>
-          </a:ln>
-        </p:spPr>
-      </p:pic>
-    </p:spTree>
-    <p:extLst>
-      <p:ext uri="{BB962C8B-B14F-4D97-AF65-F5344CB8AC3E}">
-        <p14:creationId xmlns:p14="http://schemas.microsoft.com/office/powerpoint/2010/main" val="1701079264"/>
-      </p:ext>
-    </p:extLst>
-  </p:cSld>
-  <p:clrMapOvr>
-    <a:masterClrMapping/>
-  </p:clrMapOvr>
-</p:sld>
-</file>
-
-<file path=ppt/slides/slide24.xml><?xml version="1.0" encoding="utf-8"?>
 <p:sld xmlns:a="http://schemas.openxmlformats.org/drawingml/2006/main" xmlns:r="http://schemas.openxmlformats.org/officeDocument/2006/relationships" xmlns:p="http://schemas.openxmlformats.org/presentationml/2006/main">
   <p:cSld>
     <p:spTree>
@@ -8620,14 +8888,14 @@
           <p:nvPr>
             <p:extLst>
               <p:ext uri="{D42A27DB-BD31-4B8C-83A1-F6EECF244321}">
-                <p14:modId xmlns:p14="http://schemas.microsoft.com/office/powerpoint/2010/main" val="2902707891"/>
+                <p14:modId xmlns:p14="http://schemas.microsoft.com/office/powerpoint/2010/main" val="3028361532"/>
               </p:ext>
             </p:extLst>
           </p:nvPr>
         </p:nvGraphicFramePr>
         <p:xfrm>
-          <a:off x="925285" y="848859"/>
-          <a:ext cx="10515601" cy="4943264"/>
+          <a:off x="786184" y="1690688"/>
+          <a:ext cx="10619632" cy="4347254"/>
         </p:xfrm>
         <a:graphic>
           <a:graphicData uri="http://schemas.openxmlformats.org/drawingml/2006/table">
@@ -8636,28 +8904,28 @@
                 <a:tableStyleId>{5C22544A-7EE6-4342-B048-85BDC9FD1C3A}</a:tableStyleId>
               </a:tblPr>
               <a:tblGrid>
-                <a:gridCol w="1854918">
+                <a:gridCol w="3376226">
                   <a:extLst>
                     <a:ext uri="{9D8B030D-6E8A-4147-A177-3AD203B41FA5}">
                       <a16:colId xmlns:a16="http://schemas.microsoft.com/office/drawing/2014/main" val="4225894970"/>
                     </a:ext>
                   </a:extLst>
                 </a:gridCol>
-                <a:gridCol w="2402810">
+                <a:gridCol w="3889101">
                   <a:extLst>
                     <a:ext uri="{9D8B030D-6E8A-4147-A177-3AD203B41FA5}">
                       <a16:colId xmlns:a16="http://schemas.microsoft.com/office/drawing/2014/main" val="3457350190"/>
                     </a:ext>
                   </a:extLst>
                 </a:gridCol>
-                <a:gridCol w="3105964">
+                <a:gridCol w="1712536">
                   <a:extLst>
                     <a:ext uri="{9D8B030D-6E8A-4147-A177-3AD203B41FA5}">
                       <a16:colId xmlns:a16="http://schemas.microsoft.com/office/drawing/2014/main" val="3048141104"/>
                     </a:ext>
                   </a:extLst>
                 </a:gridCol>
-                <a:gridCol w="3151909">
+                <a:gridCol w="1641769">
                   <a:extLst>
                     <a:ext uri="{9D8B030D-6E8A-4147-A177-3AD203B41FA5}">
                       <a16:colId xmlns:a16="http://schemas.microsoft.com/office/drawing/2014/main" val="962416286"/>
@@ -8665,7 +8933,7 @@
                   </a:extLst>
                 </a:gridCol>
               </a:tblGrid>
-              <a:tr h="1179598">
+              <a:tr h="1253065">
                 <a:tc gridSpan="2">
                   <a:txBody>
                     <a:bodyPr/>
@@ -8709,7 +8977,7 @@
                     <a:bodyPr/>
                     <a:lstStyle/>
                     <a:p>
-                      <a:pPr indent="450215" algn="ctr">
+                      <a:pPr marL="0" indent="0" algn="ctr">
                         <a:lnSpc>
                           <a:spcPct val="150000"/>
                         </a:lnSpc>
@@ -8749,7 +9017,7 @@
                     <a:bodyPr/>
                     <a:lstStyle/>
                     <a:p>
-                      <a:pPr indent="450215" algn="ctr">
+                      <a:pPr marL="0" indent="0" algn="ctr">
                         <a:lnSpc>
                           <a:spcPct val="150000"/>
                         </a:lnSpc>
@@ -8778,13 +9046,13 @@
                   </a:ext>
                 </a:extLst>
               </a:tr>
-              <a:tr h="556556">
+              <a:tr h="591138">
                 <a:tc gridSpan="2">
                   <a:txBody>
                     <a:bodyPr/>
                     <a:lstStyle/>
                     <a:p>
-                      <a:pPr indent="450215" algn="just">
+                      <a:pPr marL="0" indent="0" algn="just">
                         <a:lnSpc>
                           <a:spcPct val="150000"/>
                         </a:lnSpc>
@@ -8812,7 +9080,7 @@
                     <a:bodyPr/>
                     <a:lstStyle/>
                     <a:p>
-                      <a:endParaRPr lang="ru-RU"/>
+                      <a:endParaRPr lang="ru-RU" dirty="0"/>
                     </a:p>
                   </a:txBody>
                   <a:tcPr/>
@@ -8822,7 +9090,7 @@
                     <a:bodyPr/>
                     <a:lstStyle/>
                     <a:p>
-                      <a:pPr indent="450215" algn="ctr">
+                      <a:pPr marL="0" indent="0" algn="ctr">
                         <a:lnSpc>
                           <a:spcPct val="150000"/>
                         </a:lnSpc>
@@ -8850,7 +9118,7 @@
                     <a:bodyPr/>
                     <a:lstStyle/>
                     <a:p>
-                      <a:pPr indent="450215" algn="ctr">
+                      <a:pPr marL="0" indent="0" algn="ctr">
                         <a:lnSpc>
                           <a:spcPct val="150000"/>
                         </a:lnSpc>
@@ -8859,12 +9127,12 @@
                         </a:spcAft>
                       </a:pPr>
                       <a:r>
-                        <a:rPr lang="ru-RU" sz="2000" kern="50">
+                        <a:rPr lang="ru-RU" sz="2000" kern="50" dirty="0">
                           <a:effectLst/>
                         </a:rPr>
                         <a:t>640</a:t>
                       </a:r>
-                      <a:endParaRPr lang="ru-RU" sz="2400" kern="50">
+                      <a:endParaRPr lang="ru-RU" sz="2400" kern="50" dirty="0">
                         <a:effectLst/>
                         <a:latin typeface="Times New Roman" panose="02020603050405020304" pitchFamily="18" charset="0"/>
                         <a:ea typeface="Times New Roman" panose="02020603050405020304" pitchFamily="18" charset="0"/>
@@ -8879,13 +9147,13 @@
                   </a:ext>
                 </a:extLst>
               </a:tr>
-              <a:tr h="556556">
+              <a:tr h="591138">
                 <a:tc gridSpan="2">
                   <a:txBody>
                     <a:bodyPr/>
                     <a:lstStyle/>
                     <a:p>
-                      <a:pPr indent="450215" algn="just">
+                      <a:pPr marL="0" indent="0" algn="just">
                         <a:lnSpc>
                           <a:spcPct val="150000"/>
                         </a:lnSpc>
@@ -8923,7 +9191,7 @@
                     <a:bodyPr/>
                     <a:lstStyle/>
                     <a:p>
-                      <a:pPr indent="450215" algn="ctr">
+                      <a:pPr marL="0" indent="0" algn="ctr">
                         <a:lnSpc>
                           <a:spcPct val="150000"/>
                         </a:lnSpc>
@@ -8932,12 +9200,12 @@
                         </a:spcAft>
                       </a:pPr>
                       <a:r>
-                        <a:rPr lang="ru-RU" sz="2000" kern="50">
+                        <a:rPr lang="ru-RU" sz="2000" kern="50" dirty="0">
                           <a:effectLst/>
                         </a:rPr>
                         <a:t>80</a:t>
                       </a:r>
-                      <a:endParaRPr lang="ru-RU" sz="2400" kern="50">
+                      <a:endParaRPr lang="ru-RU" sz="2400" kern="50" dirty="0">
                         <a:effectLst/>
                         <a:latin typeface="Times New Roman" panose="02020603050405020304" pitchFamily="18" charset="0"/>
                         <a:ea typeface="Times New Roman" panose="02020603050405020304" pitchFamily="18" charset="0"/>
@@ -8951,7 +9219,7 @@
                     <a:bodyPr/>
                     <a:lstStyle/>
                     <a:p>
-                      <a:pPr indent="450215" algn="ctr">
+                      <a:pPr marL="0" indent="0" algn="ctr">
                         <a:lnSpc>
                           <a:spcPct val="150000"/>
                         </a:lnSpc>
@@ -8960,12 +9228,12 @@
                         </a:spcAft>
                       </a:pPr>
                       <a:r>
-                        <a:rPr lang="ru-RU" sz="2000" kern="50">
+                        <a:rPr lang="ru-RU" sz="2000" kern="50" dirty="0">
                           <a:effectLst/>
                         </a:rPr>
                         <a:t>160</a:t>
                       </a:r>
-                      <a:endParaRPr lang="ru-RU" sz="2400" kern="50">
+                      <a:endParaRPr lang="ru-RU" sz="2400" kern="50" dirty="0">
                         <a:effectLst/>
                         <a:latin typeface="Times New Roman" panose="02020603050405020304" pitchFamily="18" charset="0"/>
                         <a:ea typeface="Times New Roman" panose="02020603050405020304" pitchFamily="18" charset="0"/>
@@ -8980,13 +9248,13 @@
                   </a:ext>
                 </a:extLst>
               </a:tr>
-              <a:tr h="556556">
+              <a:tr h="591138">
                 <a:tc>
                   <a:txBody>
                     <a:bodyPr/>
                     <a:lstStyle/>
                     <a:p>
-                      <a:pPr indent="450215" algn="r">
+                      <a:pPr marL="0" indent="0" algn="just">
                         <a:lnSpc>
                           <a:spcPct val="150000"/>
                         </a:lnSpc>
@@ -9009,12 +9277,12 @@
                   </a:txBody>
                   <a:tcPr marL="68580" marR="68580" marT="0" marB="0" anchor="ctr"/>
                 </a:tc>
-                <a:tc rowSpan="3">
+                <a:tc rowSpan="4">
                   <a:txBody>
                     <a:bodyPr/>
                     <a:lstStyle/>
                     <a:p>
-                      <a:pPr indent="450215" algn="just">
+                      <a:pPr marL="0" indent="0" algn="ctr">
                         <a:lnSpc>
                           <a:spcPct val="150000"/>
                         </a:lnSpc>
@@ -9042,7 +9310,7 @@
                     <a:bodyPr/>
                     <a:lstStyle/>
                     <a:p>
-                      <a:pPr indent="450215" algn="ctr">
+                      <a:pPr marL="0" indent="0" algn="ctr">
                         <a:lnSpc>
                           <a:spcPct val="150000"/>
                         </a:lnSpc>
@@ -9051,12 +9319,12 @@
                         </a:spcAft>
                       </a:pPr>
                       <a:r>
-                        <a:rPr lang="ru-RU" sz="2000" kern="50">
+                        <a:rPr lang="ru-RU" sz="2000" kern="50" dirty="0">
                           <a:effectLst/>
                         </a:rPr>
                         <a:t>75</a:t>
                       </a:r>
-                      <a:endParaRPr lang="ru-RU" sz="2400" kern="50">
+                      <a:endParaRPr lang="ru-RU" sz="2400" kern="50" dirty="0">
                         <a:effectLst/>
                         <a:latin typeface="Times New Roman" panose="02020603050405020304" pitchFamily="18" charset="0"/>
                         <a:ea typeface="Times New Roman" panose="02020603050405020304" pitchFamily="18" charset="0"/>
@@ -9070,7 +9338,7 @@
                     <a:bodyPr/>
                     <a:lstStyle/>
                     <a:p>
-                      <a:pPr indent="450215" algn="ctr">
+                      <a:pPr marL="0" indent="0" algn="ctr">
                         <a:lnSpc>
                           <a:spcPct val="150000"/>
                         </a:lnSpc>
@@ -9079,12 +9347,12 @@
                         </a:spcAft>
                       </a:pPr>
                       <a:r>
-                        <a:rPr lang="en-US" sz="2000" kern="50">
+                        <a:rPr lang="en-US" sz="2000" kern="50" dirty="0">
                           <a:effectLst/>
                         </a:rPr>
                         <a:t>152</a:t>
                       </a:r>
-                      <a:endParaRPr lang="ru-RU" sz="2400" kern="50">
+                      <a:endParaRPr lang="ru-RU" sz="2400" kern="50" dirty="0">
                         <a:effectLst/>
                         <a:latin typeface="Times New Roman" panose="02020603050405020304" pitchFamily="18" charset="0"/>
                         <a:ea typeface="Times New Roman" panose="02020603050405020304" pitchFamily="18" charset="0"/>
@@ -9099,13 +9367,13 @@
                   </a:ext>
                 </a:extLst>
               </a:tr>
-              <a:tr h="556556">
-                <a:tc>
+              <a:tr h="591138">
+                <a:tc rowSpan="2">
                   <a:txBody>
                     <a:bodyPr/>
                     <a:lstStyle/>
                     <a:p>
-                      <a:pPr indent="450215" algn="r">
+                      <a:pPr marL="0" indent="0" algn="just">
                         <a:lnSpc>
                           <a:spcPct val="150000"/>
                         </a:lnSpc>
@@ -9114,12 +9382,12 @@
                         </a:spcAft>
                       </a:pPr>
                       <a:r>
-                        <a:rPr lang="en-US" sz="2000" kern="50">
+                        <a:rPr lang="en-US" sz="2000" kern="50" dirty="0">
                           <a:effectLst/>
                         </a:rPr>
                         <a:t>Coarse Gaussian</a:t>
                       </a:r>
-                      <a:endParaRPr lang="ru-RU" sz="2400" kern="50">
+                      <a:endParaRPr lang="ru-RU" sz="2400" kern="50" dirty="0">
                         <a:effectLst/>
                         <a:latin typeface="Times New Roman" panose="02020603050405020304" pitchFamily="18" charset="0"/>
                         <a:ea typeface="Times New Roman" panose="02020603050405020304" pitchFamily="18" charset="0"/>
@@ -9143,7 +9411,7 @@
                     <a:bodyPr/>
                     <a:lstStyle/>
                     <a:p>
-                      <a:pPr indent="450215" algn="ctr">
+                      <a:pPr marL="0" indent="0" algn="ctr">
                         <a:lnSpc>
                           <a:spcPct val="150000"/>
                         </a:lnSpc>
@@ -9152,12 +9420,12 @@
                         </a:spcAft>
                       </a:pPr>
                       <a:r>
-                        <a:rPr lang="en-US" sz="2000" kern="50">
+                        <a:rPr lang="en-US" sz="2000" kern="50" dirty="0">
                           <a:effectLst/>
                         </a:rPr>
                         <a:t>67</a:t>
                       </a:r>
-                      <a:endParaRPr lang="ru-RU" sz="2400" kern="50">
+                      <a:endParaRPr lang="ru-RU" sz="2400" kern="50" dirty="0">
                         <a:effectLst/>
                         <a:latin typeface="Times New Roman" panose="02020603050405020304" pitchFamily="18" charset="0"/>
                         <a:ea typeface="Times New Roman" panose="02020603050405020304" pitchFamily="18" charset="0"/>
@@ -9171,7 +9439,7 @@
                     <a:bodyPr/>
                     <a:lstStyle/>
                     <a:p>
-                      <a:pPr indent="450215" algn="ctr">
+                      <a:pPr marL="0" indent="0" algn="ctr">
                         <a:lnSpc>
                           <a:spcPct val="150000"/>
                         </a:lnSpc>
@@ -9180,12 +9448,12 @@
                         </a:spcAft>
                       </a:pPr>
                       <a:r>
-                        <a:rPr lang="en-US" sz="2000" kern="50">
+                        <a:rPr lang="en-US" sz="2000" kern="50" dirty="0">
                           <a:effectLst/>
                         </a:rPr>
                         <a:t>156</a:t>
                       </a:r>
-                      <a:endParaRPr lang="ru-RU" sz="2400" kern="50">
+                      <a:endParaRPr lang="ru-RU" sz="2400" kern="50" dirty="0">
                         <a:effectLst/>
                         <a:latin typeface="Times New Roman" panose="02020603050405020304" pitchFamily="18" charset="0"/>
                         <a:ea typeface="Times New Roman" panose="02020603050405020304" pitchFamily="18" charset="0"/>
@@ -9200,13 +9468,96 @@
                   </a:ext>
                 </a:extLst>
               </a:tr>
-              <a:tr h="1179598">
+              <a:tr h="138499">
+                <a:tc vMerge="1">
+                  <a:txBody>
+                    <a:bodyPr/>
+                    <a:lstStyle/>
+                    <a:p>
+                      <a:endParaRPr lang="ru-RU"/>
+                    </a:p>
+                  </a:txBody>
+                  <a:tcPr/>
+                </a:tc>
+                <a:tc vMerge="1">
+                  <a:txBody>
+                    <a:bodyPr/>
+                    <a:lstStyle/>
+                    <a:p>
+                      <a:endParaRPr lang="ru-RU"/>
+                    </a:p>
+                  </a:txBody>
+                  <a:tcPr/>
+                </a:tc>
+                <a:tc rowSpan="2">
+                  <a:txBody>
+                    <a:bodyPr/>
+                    <a:lstStyle/>
+                    <a:p>
+                      <a:pPr marL="0" indent="0" algn="ctr">
+                        <a:lnSpc>
+                          <a:spcPct val="150000"/>
+                        </a:lnSpc>
+                        <a:spcAft>
+                          <a:spcPts val="600"/>
+                        </a:spcAft>
+                      </a:pPr>
+                      <a:r>
+                        <a:rPr lang="en-US" sz="2000" kern="50" dirty="0">
+                          <a:effectLst/>
+                        </a:rPr>
+                        <a:t>68</a:t>
+                      </a:r>
+                      <a:endParaRPr lang="ru-RU" sz="2400" kern="50" dirty="0">
+                        <a:effectLst/>
+                        <a:latin typeface="Times New Roman" panose="02020603050405020304" pitchFamily="18" charset="0"/>
+                        <a:ea typeface="Times New Roman" panose="02020603050405020304" pitchFamily="18" charset="0"/>
+                      </a:endParaRPr>
+                    </a:p>
+                  </a:txBody>
+                  <a:tcPr marL="68580" marR="68580" marT="0" marB="0" anchor="ctr"/>
+                </a:tc>
+                <a:tc rowSpan="2">
+                  <a:txBody>
+                    <a:bodyPr/>
+                    <a:lstStyle/>
+                    <a:p>
+                      <a:pPr marL="0" indent="0" algn="ctr">
+                        <a:lnSpc>
+                          <a:spcPct val="150000"/>
+                        </a:lnSpc>
+                        <a:spcAft>
+                          <a:spcPts val="600"/>
+                        </a:spcAft>
+                      </a:pPr>
+                      <a:r>
+                        <a:rPr lang="en-US" sz="2000" kern="50" dirty="0">
+                          <a:effectLst/>
+                        </a:rPr>
+                        <a:t>154</a:t>
+                      </a:r>
+                      <a:endParaRPr lang="ru-RU" sz="2400" kern="50" dirty="0">
+                        <a:effectLst/>
+                        <a:latin typeface="Times New Roman" panose="02020603050405020304" pitchFamily="18" charset="0"/>
+                        <a:ea typeface="Times New Roman" panose="02020603050405020304" pitchFamily="18" charset="0"/>
+                      </a:endParaRPr>
+                    </a:p>
+                  </a:txBody>
+                  <a:tcPr marL="68580" marR="68580" marT="0" marB="0" anchor="ctr"/>
+                </a:tc>
+                <a:extLst>
+                  <a:ext uri="{0D108BD9-81ED-4DB2-BD59-A6C34878D82A}">
+                    <a16:rowId xmlns:a16="http://schemas.microsoft.com/office/drawing/2014/main" val="1123808929"/>
+                  </a:ext>
+                </a:extLst>
+              </a:tr>
+              <a:tr h="591138">
                 <a:tc>
                   <a:txBody>
                     <a:bodyPr/>
                     <a:lstStyle/>
                     <a:p>
-                      <a:pPr indent="450215" algn="r">
+                      <a:pPr marL="0" indent="0" algn="just">
                         <a:lnSpc>
                           <a:spcPct val="150000"/>
                         </a:lnSpc>
@@ -9239,12 +9590,12 @@
                   </a:txBody>
                   <a:tcPr/>
                 </a:tc>
-                <a:tc>
+                <a:tc vMerge="1">
                   <a:txBody>
                     <a:bodyPr/>
                     <a:lstStyle/>
                     <a:p>
-                      <a:pPr indent="450215" algn="ctr">
+                      <a:pPr marL="0" indent="0" algn="ctr">
                         <a:lnSpc>
                           <a:spcPct val="150000"/>
                         </a:lnSpc>
@@ -9252,12 +9603,6 @@
                           <a:spcPts val="600"/>
                         </a:spcAft>
                       </a:pPr>
-                      <a:r>
-                        <a:rPr lang="en-US" sz="2000" kern="50" dirty="0">
-                          <a:effectLst/>
-                        </a:rPr>
-                        <a:t>68</a:t>
-                      </a:r>
                       <a:endParaRPr lang="ru-RU" sz="2400" kern="50" dirty="0">
                         <a:effectLst/>
                         <a:latin typeface="Times New Roman" panose="02020603050405020304" pitchFamily="18" charset="0"/>
@@ -9267,12 +9612,12 @@
                   </a:txBody>
                   <a:tcPr marL="68580" marR="68580" marT="0" marB="0" anchor="ctr"/>
                 </a:tc>
-                <a:tc>
+                <a:tc vMerge="1">
                   <a:txBody>
                     <a:bodyPr/>
                     <a:lstStyle/>
                     <a:p>
-                      <a:pPr indent="450215" algn="ctr">
+                      <a:pPr marL="0" indent="0" algn="ctr">
                         <a:lnSpc>
                           <a:spcPct val="150000"/>
                         </a:lnSpc>
@@ -9280,12 +9625,6 @@
                           <a:spcPts val="600"/>
                         </a:spcAft>
                       </a:pPr>
-                      <a:r>
-                        <a:rPr lang="en-US" sz="2000" kern="50" dirty="0">
-                          <a:effectLst/>
-                        </a:rPr>
-                        <a:t>154</a:t>
-                      </a:r>
                       <a:endParaRPr lang="ru-RU" sz="2400" kern="50" dirty="0">
                         <a:effectLst/>
                         <a:latin typeface="Times New Roman" panose="02020603050405020304" pitchFamily="18" charset="0"/>
@@ -9305,6 +9644,59 @@
           </a:graphicData>
         </a:graphic>
       </p:graphicFrame>
+      <p:sp>
+        <p:nvSpPr>
+          <p:cNvPr id="2" name="Заголовок 1"/>
+          <p:cNvSpPr>
+            <a:spLocks noGrp="1"/>
+          </p:cNvSpPr>
+          <p:nvPr>
+            <p:ph type="title"/>
+          </p:nvPr>
+        </p:nvSpPr>
+        <p:spPr/>
+        <p:txBody>
+          <a:bodyPr/>
+          <a:lstStyle/>
+          <a:p>
+            <a:r>
+              <a:rPr lang="ru-RU" dirty="0"/>
+              <a:t>Сравнение алгоритмов</a:t>
+            </a:r>
+          </a:p>
+        </p:txBody>
+      </p:sp>
+      <p:sp>
+        <p:nvSpPr>
+          <p:cNvPr id="5" name="Номер слайда 4"/>
+          <p:cNvSpPr>
+            <a:spLocks noGrp="1"/>
+          </p:cNvSpPr>
+          <p:nvPr>
+            <p:ph type="sldNum" sz="quarter" idx="12"/>
+          </p:nvPr>
+        </p:nvSpPr>
+        <p:spPr/>
+        <p:txBody>
+          <a:bodyPr/>
+          <a:lstStyle/>
+          <a:p>
+            <a:fld id="{02FC5F2C-8C82-45C9-A2BF-6DB0CBD52C51}" type="slidenum">
+              <a:rPr lang="ru-RU" sz="2000" smtClean="0">
+                <a:solidFill>
+                  <a:schemeClr val="tx1"/>
+                </a:solidFill>
+              </a:rPr>
+              <a:t>20</a:t>
+            </a:fld>
+            <a:endParaRPr lang="ru-RU" dirty="0">
+              <a:solidFill>
+                <a:schemeClr val="tx1"/>
+              </a:solidFill>
+            </a:endParaRPr>
+          </a:p>
+        </p:txBody>
+      </p:sp>
     </p:spTree>
     <p:extLst>
       <p:ext uri="{BB962C8B-B14F-4D97-AF65-F5344CB8AC3E}">
@@ -9318,7 +9710,7 @@
 </p:sld>
 </file>
 
-<file path=ppt/slides/slide25.xml><?xml version="1.0" encoding="utf-8"?>
+<file path=ppt/slides/slide21.xml><?xml version="1.0" encoding="utf-8"?>
 <p:sld xmlns:a="http://schemas.openxmlformats.org/drawingml/2006/main" xmlns:r="http://schemas.openxmlformats.org/officeDocument/2006/relationships" xmlns:p="http://schemas.openxmlformats.org/presentationml/2006/main">
   <p:cSld>
     <p:spTree>
@@ -9344,14 +9736,14 @@
           <p:nvPr>
             <p:extLst>
               <p:ext uri="{D42A27DB-BD31-4B8C-83A1-F6EECF244321}">
-                <p14:modId xmlns:p14="http://schemas.microsoft.com/office/powerpoint/2010/main" val="1366323307"/>
+                <p14:modId xmlns:p14="http://schemas.microsoft.com/office/powerpoint/2010/main" val="1637653704"/>
               </p:ext>
             </p:extLst>
           </p:nvPr>
         </p:nvGraphicFramePr>
         <p:xfrm>
-          <a:off x="1918606" y="1327036"/>
-          <a:ext cx="9054193" cy="3883591"/>
+          <a:off x="1203551" y="1690688"/>
+          <a:ext cx="9784897" cy="4405311"/>
         </p:xfrm>
         <a:graphic>
           <a:graphicData uri="http://schemas.openxmlformats.org/drawingml/2006/table">
@@ -9360,21 +9752,21 @@
                 <a:tableStyleId>{5C22544A-7EE6-4342-B048-85BDC9FD1C3A}</a:tableStyleId>
               </a:tblPr>
               <a:tblGrid>
-                <a:gridCol w="2832533">
+                <a:gridCol w="3061128">
                   <a:extLst>
                     <a:ext uri="{9D8B030D-6E8A-4147-A177-3AD203B41FA5}">
                       <a16:colId xmlns:a16="http://schemas.microsoft.com/office/drawing/2014/main" val="2502458830"/>
                     </a:ext>
                   </a:extLst>
                 </a:gridCol>
-                <a:gridCol w="3173660">
+                <a:gridCol w="3429785">
                   <a:extLst>
                     <a:ext uri="{9D8B030D-6E8A-4147-A177-3AD203B41FA5}">
                       <a16:colId xmlns:a16="http://schemas.microsoft.com/office/drawing/2014/main" val="964868185"/>
                     </a:ext>
                   </a:extLst>
                 </a:gridCol>
-                <a:gridCol w="3048000">
+                <a:gridCol w="3293984">
                   <a:extLst>
                     <a:ext uri="{9D8B030D-6E8A-4147-A177-3AD203B41FA5}">
                       <a16:colId xmlns:a16="http://schemas.microsoft.com/office/drawing/2014/main" val="4079638668"/>
@@ -9382,7 +9774,7 @@
                   </a:extLst>
                 </a:gridCol>
               </a:tblGrid>
-              <a:tr h="1607809">
+              <a:tr h="1823802">
                 <a:tc>
                   <a:txBody>
                     <a:bodyPr/>
@@ -9416,7 +9808,7 @@
                     <a:bodyPr/>
                     <a:lstStyle/>
                     <a:p>
-                      <a:pPr indent="450215" algn="ctr">
+                      <a:pPr marL="0" indent="0" algn="ctr">
                         <a:lnSpc>
                           <a:spcPct val="150000"/>
                         </a:lnSpc>
@@ -9473,7 +9865,7 @@
                   </a:ext>
                 </a:extLst>
               </a:tr>
-              <a:tr h="758594">
+              <a:tr h="860503">
                 <a:tc>
                   <a:txBody>
                     <a:bodyPr/>
@@ -9507,7 +9899,7 @@
                     <a:bodyPr/>
                     <a:lstStyle/>
                     <a:p>
-                      <a:pPr indent="450215" algn="ctr">
+                      <a:pPr marL="0" indent="0" algn="ctr">
                         <a:lnSpc>
                           <a:spcPct val="150000"/>
                         </a:lnSpc>
@@ -9544,12 +9936,12 @@
                         </a:spcAft>
                       </a:pPr>
                       <a:r>
-                        <a:rPr lang="en-US" sz="2000" kern="50">
+                        <a:rPr lang="en-US" sz="2000" kern="50" dirty="0">
                           <a:effectLst/>
                         </a:rPr>
                         <a:t>0.021</a:t>
                       </a:r>
-                      <a:endParaRPr lang="ru-RU" sz="2400" kern="50">
+                      <a:endParaRPr lang="ru-RU" sz="2400" kern="50" dirty="0">
                         <a:effectLst/>
                         <a:latin typeface="Times New Roman" panose="02020603050405020304" pitchFamily="18" charset="0"/>
                         <a:ea typeface="Times New Roman" panose="02020603050405020304" pitchFamily="18" charset="0"/>
@@ -9564,7 +9956,7 @@
                   </a:ext>
                 </a:extLst>
               </a:tr>
-              <a:tr h="758594">
+              <a:tr h="860503">
                 <a:tc>
                   <a:txBody>
                     <a:bodyPr/>
@@ -9579,12 +9971,24 @@
                         </a:spcAft>
                       </a:pPr>
                       <a:r>
-                        <a:rPr lang="ru-RU" sz="2000" kern="50">
+                        <a:rPr lang="ru-RU" sz="2000" kern="50" dirty="0" err="1">
                           <a:effectLst/>
                         </a:rPr>
-                        <a:t>Coarse Gaussian</a:t>
+                        <a:t>Coarse</a:t>
                       </a:r>
-                      <a:endParaRPr lang="ru-RU" sz="2400" kern="50">
+                      <a:r>
+                        <a:rPr lang="ru-RU" sz="2000" kern="50" dirty="0">
+                          <a:effectLst/>
+                        </a:rPr>
+                        <a:t> </a:t>
+                      </a:r>
+                      <a:r>
+                        <a:rPr lang="ru-RU" sz="2000" kern="50" dirty="0" err="1">
+                          <a:effectLst/>
+                        </a:rPr>
+                        <a:t>Gaussian</a:t>
+                      </a:r>
+                      <a:endParaRPr lang="ru-RU" sz="2400" kern="50" dirty="0">
                         <a:effectLst/>
                         <a:latin typeface="Times New Roman" panose="02020603050405020304" pitchFamily="18" charset="0"/>
                         <a:ea typeface="Times New Roman" panose="02020603050405020304" pitchFamily="18" charset="0"/>
@@ -9598,7 +10002,7 @@
                     <a:bodyPr/>
                     <a:lstStyle/>
                     <a:p>
-                      <a:pPr indent="450215" algn="ctr">
+                      <a:pPr marL="0" indent="0" algn="ctr">
                         <a:lnSpc>
                           <a:spcPct val="150000"/>
                         </a:lnSpc>
@@ -9607,12 +10011,12 @@
                         </a:spcAft>
                       </a:pPr>
                       <a:r>
-                        <a:rPr lang="ru-RU" sz="2000" kern="50">
+                        <a:rPr lang="ru-RU" sz="2000" kern="50" dirty="0">
                           <a:effectLst/>
                         </a:rPr>
                         <a:t>0.016</a:t>
                       </a:r>
-                      <a:endParaRPr lang="ru-RU" sz="2400" kern="50">
+                      <a:endParaRPr lang="ru-RU" sz="2400" kern="50" dirty="0">
                         <a:effectLst/>
                         <a:latin typeface="Times New Roman" panose="02020603050405020304" pitchFamily="18" charset="0"/>
                         <a:ea typeface="Times New Roman" panose="02020603050405020304" pitchFamily="18" charset="0"/>
@@ -9655,7 +10059,7 @@
                   </a:ext>
                 </a:extLst>
               </a:tr>
-              <a:tr h="758594">
+              <a:tr h="860503">
                 <a:tc>
                   <a:txBody>
                     <a:bodyPr/>
@@ -9689,7 +10093,7 @@
                     <a:bodyPr/>
                     <a:lstStyle/>
                     <a:p>
-                      <a:pPr indent="450215" algn="ctr">
+                      <a:pPr marL="0" indent="0" algn="ctr">
                         <a:lnSpc>
                           <a:spcPct val="150000"/>
                         </a:lnSpc>
@@ -9698,12 +10102,12 @@
                         </a:spcAft>
                       </a:pPr>
                       <a:r>
-                        <a:rPr lang="ru-RU" sz="2000" kern="50">
+                        <a:rPr lang="ru-RU" sz="2000" kern="50" dirty="0">
                           <a:effectLst/>
                         </a:rPr>
                         <a:t>0.025</a:t>
                       </a:r>
-                      <a:endParaRPr lang="ru-RU" sz="2400" kern="50">
+                      <a:endParaRPr lang="ru-RU" sz="2400" kern="50" dirty="0">
                         <a:effectLst/>
                         <a:latin typeface="Times New Roman" panose="02020603050405020304" pitchFamily="18" charset="0"/>
                         <a:ea typeface="Times New Roman" panose="02020603050405020304" pitchFamily="18" charset="0"/>
@@ -9750,10 +10154,358 @@
           </a:graphicData>
         </a:graphic>
       </p:graphicFrame>
+      <p:sp>
+        <p:nvSpPr>
+          <p:cNvPr id="2" name="Заголовок 1"/>
+          <p:cNvSpPr>
+            <a:spLocks noGrp="1"/>
+          </p:cNvSpPr>
+          <p:nvPr>
+            <p:ph type="title"/>
+          </p:nvPr>
+        </p:nvSpPr>
+        <p:spPr/>
+        <p:txBody>
+          <a:bodyPr/>
+          <a:lstStyle/>
+          <a:p>
+            <a:r>
+              <a:rPr lang="ru-RU" dirty="0"/>
+              <a:t>Ошибки первого и второго рода</a:t>
+            </a:r>
+          </a:p>
+        </p:txBody>
+      </p:sp>
+      <p:sp>
+        <p:nvSpPr>
+          <p:cNvPr id="5" name="Номер слайда 4"/>
+          <p:cNvSpPr>
+            <a:spLocks noGrp="1"/>
+          </p:cNvSpPr>
+          <p:nvPr>
+            <p:ph type="sldNum" sz="quarter" idx="12"/>
+          </p:nvPr>
+        </p:nvSpPr>
+        <p:spPr/>
+        <p:txBody>
+          <a:bodyPr/>
+          <a:lstStyle/>
+          <a:p>
+            <a:fld id="{02FC5F2C-8C82-45C9-A2BF-6DB0CBD52C51}" type="slidenum">
+              <a:rPr lang="ru-RU" sz="2000" smtClean="0">
+                <a:solidFill>
+                  <a:schemeClr val="tx1"/>
+                </a:solidFill>
+              </a:rPr>
+              <a:t>21</a:t>
+            </a:fld>
+            <a:endParaRPr lang="ru-RU" dirty="0">
+              <a:solidFill>
+                <a:schemeClr val="tx1"/>
+              </a:solidFill>
+            </a:endParaRPr>
+          </a:p>
+        </p:txBody>
+      </p:sp>
     </p:spTree>
     <p:extLst>
       <p:ext uri="{BB962C8B-B14F-4D97-AF65-F5344CB8AC3E}">
         <p14:creationId xmlns:p14="http://schemas.microsoft.com/office/powerpoint/2010/main" val="2196840950"/>
+      </p:ext>
+    </p:extLst>
+  </p:cSld>
+  <p:clrMapOvr>
+    <a:masterClrMapping/>
+  </p:clrMapOvr>
+</p:sld>
+</file>
+
+<file path=ppt/slides/slide22.xml><?xml version="1.0" encoding="utf-8"?>
+<p:sld xmlns:a="http://schemas.openxmlformats.org/drawingml/2006/main" xmlns:r="http://schemas.openxmlformats.org/officeDocument/2006/relationships" xmlns:p="http://schemas.openxmlformats.org/presentationml/2006/main">
+  <p:cSld>
+    <p:spTree>
+      <p:nvGrpSpPr>
+        <p:cNvPr id="1" name=""/>
+        <p:cNvGrpSpPr/>
+        <p:nvPr/>
+      </p:nvGrpSpPr>
+      <p:grpSpPr>
+        <a:xfrm>
+          <a:off x="0" y="0"/>
+          <a:ext cx="0" cy="0"/>
+          <a:chOff x="0" y="0"/>
+          <a:chExt cx="0" cy="0"/>
+        </a:xfrm>
+      </p:grpSpPr>
+      <p:sp>
+        <p:nvSpPr>
+          <p:cNvPr id="2" name="Заголовок 1"/>
+          <p:cNvSpPr>
+            <a:spLocks noGrp="1"/>
+          </p:cNvSpPr>
+          <p:nvPr>
+            <p:ph type="title"/>
+          </p:nvPr>
+        </p:nvSpPr>
+        <p:spPr/>
+        <p:txBody>
+          <a:bodyPr/>
+          <a:lstStyle/>
+          <a:p>
+            <a:r>
+              <a:rPr lang="ru-RU" b="1" dirty="0"/>
+              <a:t>Заключение</a:t>
+            </a:r>
+          </a:p>
+        </p:txBody>
+      </p:sp>
+      <p:sp>
+        <p:nvSpPr>
+          <p:cNvPr id="3" name="Объект 2"/>
+          <p:cNvSpPr>
+            <a:spLocks noGrp="1"/>
+          </p:cNvSpPr>
+          <p:nvPr>
+            <p:ph idx="1"/>
+          </p:nvPr>
+        </p:nvSpPr>
+        <p:spPr>
+          <a:xfrm>
+            <a:off x="838200" y="1825625"/>
+            <a:ext cx="10515600" cy="3472089"/>
+          </a:xfrm>
+        </p:spPr>
+        <p:txBody>
+          <a:bodyPr>
+            <a:normAutofit/>
+          </a:bodyPr>
+          <a:lstStyle/>
+          <a:p>
+            <a:pPr algn="just"/>
+            <a:r>
+              <a:rPr lang="ru-RU" dirty="0"/>
+              <a:t>Реализован алгоритм детектирования Виолы-Джонса</a:t>
+            </a:r>
+          </a:p>
+          <a:p>
+            <a:pPr algn="just"/>
+            <a:r>
+              <a:rPr lang="ru-RU" dirty="0"/>
+              <a:t>Был модифицирован алгоритм детектирования путем изменения алгоритма классификации</a:t>
+            </a:r>
+            <a:endParaRPr lang="en-US" dirty="0"/>
+          </a:p>
+          <a:p>
+            <a:pPr algn="just"/>
+            <a:r>
+              <a:rPr lang="ru-RU" dirty="0"/>
+              <a:t>Получены графики зависимости качества детектирования от количества итераций алгоритма </a:t>
+            </a:r>
+            <a:r>
+              <a:rPr lang="en-US" dirty="0" err="1"/>
+              <a:t>AdaBoost</a:t>
+            </a:r>
+            <a:r>
+              <a:rPr lang="en-US" dirty="0"/>
+              <a:t> </a:t>
+            </a:r>
+            <a:endParaRPr lang="ru-RU" dirty="0"/>
+          </a:p>
+          <a:p>
+            <a:pPr algn="just"/>
+            <a:r>
+              <a:rPr lang="ru-RU" dirty="0"/>
+              <a:t>Произведено сравнение алгоритмов классификации</a:t>
+            </a:r>
+          </a:p>
+          <a:p>
+            <a:pPr algn="just"/>
+            <a:r>
+              <a:rPr lang="ru-RU" dirty="0"/>
+              <a:t>Вычислены ошибки первого и второго рода</a:t>
+            </a:r>
+          </a:p>
+        </p:txBody>
+      </p:sp>
+      <p:sp>
+        <p:nvSpPr>
+          <p:cNvPr id="5" name="Номер слайда 4"/>
+          <p:cNvSpPr>
+            <a:spLocks noGrp="1"/>
+          </p:cNvSpPr>
+          <p:nvPr>
+            <p:ph type="sldNum" sz="quarter" idx="12"/>
+          </p:nvPr>
+        </p:nvSpPr>
+        <p:spPr/>
+        <p:txBody>
+          <a:bodyPr/>
+          <a:lstStyle/>
+          <a:p>
+            <a:fld id="{02FC5F2C-8C82-45C9-A2BF-6DB0CBD52C51}" type="slidenum">
+              <a:rPr lang="ru-RU" sz="2000" smtClean="0">
+                <a:solidFill>
+                  <a:schemeClr val="tx1"/>
+                </a:solidFill>
+              </a:rPr>
+              <a:t>22</a:t>
+            </a:fld>
+            <a:endParaRPr lang="ru-RU" dirty="0">
+              <a:solidFill>
+                <a:schemeClr val="tx1"/>
+              </a:solidFill>
+            </a:endParaRPr>
+          </a:p>
+        </p:txBody>
+      </p:sp>
+    </p:spTree>
+    <p:extLst>
+      <p:ext uri="{BB962C8B-B14F-4D97-AF65-F5344CB8AC3E}">
+        <p14:creationId xmlns:p14="http://schemas.microsoft.com/office/powerpoint/2010/main" val="3161400511"/>
+      </p:ext>
+    </p:extLst>
+  </p:cSld>
+  <p:clrMapOvr>
+    <a:masterClrMapping/>
+  </p:clrMapOvr>
+</p:sld>
+</file>
+
+<file path=ppt/slides/slide23.xml><?xml version="1.0" encoding="utf-8"?>
+<p:sld xmlns:a="http://schemas.openxmlformats.org/drawingml/2006/main" xmlns:r="http://schemas.openxmlformats.org/officeDocument/2006/relationships" xmlns:p="http://schemas.openxmlformats.org/presentationml/2006/main">
+  <p:cSld>
+    <p:spTree>
+      <p:nvGrpSpPr>
+        <p:cNvPr id="1" name=""/>
+        <p:cNvGrpSpPr/>
+        <p:nvPr/>
+      </p:nvGrpSpPr>
+      <p:grpSpPr>
+        <a:xfrm>
+          <a:off x="0" y="0"/>
+          <a:ext cx="0" cy="0"/>
+          <a:chOff x="0" y="0"/>
+          <a:chExt cx="0" cy="0"/>
+        </a:xfrm>
+      </p:grpSpPr>
+      <p:sp>
+        <p:nvSpPr>
+          <p:cNvPr id="2" name="Заголовок 1"/>
+          <p:cNvSpPr>
+            <a:spLocks noGrp="1"/>
+          </p:cNvSpPr>
+          <p:nvPr>
+            <p:ph type="title"/>
+          </p:nvPr>
+        </p:nvSpPr>
+        <p:spPr/>
+        <p:txBody>
+          <a:bodyPr/>
+          <a:lstStyle/>
+          <a:p>
+            <a:r>
+              <a:rPr lang="ru-RU" dirty="0"/>
+              <a:t>Что планируется реализовать</a:t>
+            </a:r>
+          </a:p>
+        </p:txBody>
+      </p:sp>
+      <p:sp>
+        <p:nvSpPr>
+          <p:cNvPr id="3" name="Объект 2"/>
+          <p:cNvSpPr>
+            <a:spLocks noGrp="1"/>
+          </p:cNvSpPr>
+          <p:nvPr>
+            <p:ph idx="1"/>
+          </p:nvPr>
+        </p:nvSpPr>
+        <p:spPr>
+          <a:xfrm>
+            <a:off x="838200" y="1825625"/>
+            <a:ext cx="10515600" cy="4351338"/>
+          </a:xfrm>
+        </p:spPr>
+        <p:txBody>
+          <a:bodyPr/>
+          <a:lstStyle/>
+          <a:p>
+            <a:pPr algn="just"/>
+            <a:r>
+              <a:rPr lang="ru-RU" dirty="0"/>
+              <a:t>Удобный </a:t>
+            </a:r>
+            <a:r>
+              <a:rPr lang="en-US" dirty="0"/>
+              <a:t>API </a:t>
+            </a:r>
+            <a:r>
+              <a:rPr lang="ru-RU" dirty="0"/>
+              <a:t>для добавления любых объектов в качестве тренировочной выборки</a:t>
+            </a:r>
+          </a:p>
+          <a:p>
+            <a:pPr algn="just"/>
+            <a:r>
+              <a:rPr lang="ru-RU" dirty="0"/>
+              <a:t>Генерация множества изображений объекта, находящегося под разными углами, из нескольких изображений образца</a:t>
+            </a:r>
+          </a:p>
+          <a:p>
+            <a:pPr algn="just"/>
+            <a:r>
+              <a:rPr lang="en-US" dirty="0"/>
+              <a:t>GUI </a:t>
+            </a:r>
+            <a:r>
+              <a:rPr lang="ru-RU" dirty="0"/>
+              <a:t>для удобного использования</a:t>
+            </a:r>
+          </a:p>
+          <a:p>
+            <a:pPr algn="just"/>
+            <a:r>
+              <a:rPr lang="ru-RU" dirty="0"/>
+              <a:t>Расширение признаков Хаара для улучшения точности детектирования</a:t>
+            </a:r>
+          </a:p>
+        </p:txBody>
+      </p:sp>
+      <p:sp>
+        <p:nvSpPr>
+          <p:cNvPr id="5" name="Номер слайда 4"/>
+          <p:cNvSpPr>
+            <a:spLocks noGrp="1"/>
+          </p:cNvSpPr>
+          <p:nvPr>
+            <p:ph type="sldNum" sz="quarter" idx="12"/>
+          </p:nvPr>
+        </p:nvSpPr>
+        <p:spPr/>
+        <p:txBody>
+          <a:bodyPr/>
+          <a:lstStyle/>
+          <a:p>
+            <a:fld id="{02FC5F2C-8C82-45C9-A2BF-6DB0CBD52C51}" type="slidenum">
+              <a:rPr lang="ru-RU" sz="2000" smtClean="0">
+                <a:solidFill>
+                  <a:schemeClr val="tx1"/>
+                </a:solidFill>
+              </a:rPr>
+              <a:t>23</a:t>
+            </a:fld>
+            <a:endParaRPr lang="ru-RU" dirty="0">
+              <a:solidFill>
+                <a:schemeClr val="tx1"/>
+              </a:solidFill>
+            </a:endParaRPr>
+          </a:p>
+        </p:txBody>
+      </p:sp>
+    </p:spTree>
+    <p:extLst>
+      <p:ext uri="{BB962C8B-B14F-4D97-AF65-F5344CB8AC3E}">
+        <p14:creationId xmlns:p14="http://schemas.microsoft.com/office/powerpoint/2010/main" val="3751169787"/>
       </p:ext>
     </p:extLst>
   </p:cSld>
@@ -9822,7 +10574,7 @@
         </p:nvSpPr>
         <p:spPr>
           <a:xfrm>
-            <a:off x="838200" y="3289031"/>
+            <a:off x="838200" y="3124245"/>
             <a:ext cx="6901152" cy="1924956"/>
           </a:xfrm>
         </p:spPr>
@@ -9874,7 +10626,7 @@
         </p:blipFill>
         <p:spPr bwMode="auto">
           <a:xfrm rot="5400000">
-            <a:off x="7678890" y="2821822"/>
+            <a:off x="7644252" y="2657036"/>
             <a:ext cx="4792070" cy="2859374"/>
           </a:xfrm>
           <a:prstGeom prst="rect">
@@ -9888,42 +10640,28 @@
       </p:pic>
       <p:sp>
         <p:nvSpPr>
-          <p:cNvPr id="4" name="Нижний колонтитул 3"/>
+          <p:cNvPr id="7" name="Номер слайда 6"/>
           <p:cNvSpPr>
             <a:spLocks noGrp="1"/>
           </p:cNvSpPr>
           <p:nvPr>
-            <p:ph type="ftr" sz="quarter" idx="11"/>
+            <p:ph type="sldNum" sz="quarter" idx="12"/>
           </p:nvPr>
         </p:nvSpPr>
-        <p:spPr>
-          <a:xfrm>
-            <a:off x="838200" y="6282419"/>
-            <a:ext cx="4114800" cy="365125"/>
-          </a:xfrm>
-        </p:spPr>
+        <p:spPr/>
         <p:txBody>
           <a:bodyPr/>
           <a:lstStyle/>
           <a:p>
-            <a:pPr algn="just"/>
-            <a:r>
-              <a:rPr lang="en-US" sz="1600" dirty="0">
+            <a:fld id="{02FC5F2C-8C82-45C9-A2BF-6DB0CBD52C51}" type="slidenum">
+              <a:rPr lang="ru-RU" sz="2000" smtClean="0">
                 <a:solidFill>
                   <a:schemeClr val="tx1"/>
                 </a:solidFill>
               </a:rPr>
-              <a:t>1. </a:t>
-            </a:r>
-            <a:r>
-              <a:rPr lang="en-US" sz="1600" dirty="0">
-                <a:solidFill>
-                  <a:schemeClr val="tx1"/>
-                </a:solidFill>
-              </a:rPr>
-              <a:t>https://habrahabr.ru/post/198338/</a:t>
-            </a:r>
-            <a:endParaRPr lang="ru-RU" sz="1600" dirty="0">
+              <a:t>3</a:t>
+            </a:fld>
+            <a:endParaRPr lang="ru-RU" dirty="0">
               <a:solidFill>
                 <a:schemeClr val="tx1"/>
               </a:solidFill>
@@ -9969,8 +10707,8 @@
         </p:nvSpPr>
         <p:spPr>
           <a:xfrm>
-            <a:off x="3889613" y="750627"/>
-            <a:ext cx="3903258" cy="1596788"/>
+            <a:off x="4590456" y="1690688"/>
+            <a:ext cx="3011088" cy="868735"/>
           </a:xfrm>
           <a:prstGeom prst="ellipse">
             <a:avLst/>
@@ -10024,8 +10762,8 @@
         </p:nvSpPr>
         <p:spPr>
           <a:xfrm>
-            <a:off x="1201005" y="3514296"/>
-            <a:ext cx="2866032" cy="1044055"/>
+            <a:off x="2379515" y="3506890"/>
+            <a:ext cx="2210941" cy="568020"/>
           </a:xfrm>
           <a:prstGeom prst="ellipse">
             <a:avLst/>
@@ -10079,8 +10817,8 @@
         </p:nvSpPr>
         <p:spPr>
           <a:xfrm>
-            <a:off x="4408226" y="3514296"/>
-            <a:ext cx="2866032" cy="1044055"/>
+            <a:off x="4990530" y="3506890"/>
+            <a:ext cx="2210941" cy="568020"/>
           </a:xfrm>
           <a:prstGeom prst="ellipse">
             <a:avLst/>
@@ -10134,8 +10872,8 @@
         </p:nvSpPr>
         <p:spPr>
           <a:xfrm>
-            <a:off x="7615447" y="3514295"/>
-            <a:ext cx="2866032" cy="1044055"/>
+            <a:off x="7601544" y="3506890"/>
+            <a:ext cx="2210941" cy="568020"/>
           </a:xfrm>
           <a:prstGeom prst="ellipse">
             <a:avLst/>
@@ -10192,8 +10930,8 @@
         </p:nvCxnSpPr>
         <p:spPr>
           <a:xfrm flipH="1">
-            <a:off x="2634021" y="2113571"/>
-            <a:ext cx="1827211" cy="1400725"/>
+            <a:off x="3484986" y="2432200"/>
+            <a:ext cx="1546434" cy="1074690"/>
           </a:xfrm>
           <a:prstGeom prst="straightConnector1">
             <a:avLst/>
@@ -10228,8 +10966,8 @@
         </p:nvCxnSpPr>
         <p:spPr>
           <a:xfrm>
-            <a:off x="5841242" y="2347415"/>
-            <a:ext cx="0" cy="1166881"/>
+            <a:off x="6096000" y="2559423"/>
+            <a:ext cx="1" cy="947467"/>
           </a:xfrm>
           <a:prstGeom prst="straightConnector1">
             <a:avLst/>
@@ -10264,8 +11002,8 @@
         </p:nvCxnSpPr>
         <p:spPr>
           <a:xfrm>
-            <a:off x="7221252" y="2113571"/>
-            <a:ext cx="1827211" cy="1400724"/>
+            <a:off x="7160580" y="2432200"/>
+            <a:ext cx="1546435" cy="1074690"/>
           </a:xfrm>
           <a:prstGeom prst="straightConnector1">
             <a:avLst/>
@@ -10289,6 +11027,238 @@
           </a:fontRef>
         </p:style>
       </p:cxnSp>
+      <p:sp>
+        <p:nvSpPr>
+          <p:cNvPr id="4" name="Заголовок 3"/>
+          <p:cNvSpPr>
+            <a:spLocks noGrp="1"/>
+          </p:cNvSpPr>
+          <p:nvPr>
+            <p:ph type="title"/>
+          </p:nvPr>
+        </p:nvSpPr>
+        <p:spPr/>
+        <p:txBody>
+          <a:bodyPr/>
+          <a:lstStyle/>
+          <a:p>
+            <a:r>
+              <a:rPr lang="ru-RU" dirty="0"/>
+              <a:t>Характеристики</a:t>
+            </a:r>
+          </a:p>
+        </p:txBody>
+      </p:sp>
+      <p:sp>
+        <p:nvSpPr>
+          <p:cNvPr id="17" name="Прямоугольник 16"/>
+          <p:cNvSpPr/>
+          <p:nvPr/>
+        </p:nvSpPr>
+        <p:spPr>
+          <a:xfrm>
+            <a:off x="4237759" y="5022377"/>
+            <a:ext cx="3716482" cy="1446663"/>
+          </a:xfrm>
+          <a:prstGeom prst="rect">
+            <a:avLst/>
+          </a:prstGeom>
+          <a:solidFill>
+            <a:schemeClr val="bg1"/>
+          </a:solidFill>
+          <a:ln>
+            <a:solidFill>
+              <a:schemeClr val="tx1"/>
+            </a:solidFill>
+          </a:ln>
+        </p:spPr>
+        <p:style>
+          <a:lnRef idx="2">
+            <a:schemeClr val="accent1">
+              <a:shade val="50000"/>
+            </a:schemeClr>
+          </a:lnRef>
+          <a:fillRef idx="1">
+            <a:schemeClr val="accent1"/>
+          </a:fillRef>
+          <a:effectRef idx="0">
+            <a:schemeClr val="accent1"/>
+          </a:effectRef>
+          <a:fontRef idx="minor">
+            <a:schemeClr val="lt1"/>
+          </a:fontRef>
+        </p:style>
+        <p:txBody>
+          <a:bodyPr rtlCol="0" anchor="ctr"/>
+          <a:lstStyle/>
+          <a:p>
+            <a:pPr algn="ctr"/>
+            <a:r>
+              <a:rPr lang="ru-RU" dirty="0">
+                <a:solidFill>
+                  <a:schemeClr val="tx1"/>
+                </a:solidFill>
+              </a:rPr>
+              <a:t>Для изображения 24</a:t>
+            </a:r>
+            <a:r>
+              <a:rPr lang="en-US" dirty="0">
+                <a:solidFill>
+                  <a:schemeClr val="tx1"/>
+                </a:solidFill>
+              </a:rPr>
+              <a:t>x24 </a:t>
+            </a:r>
+            <a:r>
+              <a:rPr lang="ru-RU" dirty="0">
+                <a:solidFill>
+                  <a:schemeClr val="tx1"/>
+                </a:solidFill>
+              </a:rPr>
+              <a:t>получается 162336 признака</a:t>
+            </a:r>
+          </a:p>
+        </p:txBody>
+      </p:sp>
+      <p:cxnSp>
+        <p:nvCxnSpPr>
+          <p:cNvPr id="32" name="Прямая со стрелкой 31"/>
+          <p:cNvCxnSpPr>
+            <a:stCxn id="11" idx="4"/>
+            <a:endCxn id="17" idx="0"/>
+          </p:cNvCxnSpPr>
+          <p:nvPr/>
+        </p:nvCxnSpPr>
+        <p:spPr>
+          <a:xfrm flipH="1">
+            <a:off x="6096000" y="4074910"/>
+            <a:ext cx="1" cy="947467"/>
+          </a:xfrm>
+          <a:prstGeom prst="straightConnector1">
+            <a:avLst/>
+          </a:prstGeom>
+          <a:ln>
+            <a:tailEnd type="triangle"/>
+          </a:ln>
+        </p:spPr>
+        <p:style>
+          <a:lnRef idx="1">
+            <a:schemeClr val="dk1"/>
+          </a:lnRef>
+          <a:fillRef idx="0">
+            <a:schemeClr val="dk1"/>
+          </a:fillRef>
+          <a:effectRef idx="0">
+            <a:schemeClr val="dk1"/>
+          </a:effectRef>
+          <a:fontRef idx="minor">
+            <a:schemeClr val="tx1"/>
+          </a:fontRef>
+        </p:style>
+      </p:cxnSp>
+      <p:cxnSp>
+        <p:nvCxnSpPr>
+          <p:cNvPr id="36" name="Прямая со стрелкой 35"/>
+          <p:cNvCxnSpPr>
+            <a:stCxn id="3" idx="4"/>
+            <a:endCxn id="17" idx="0"/>
+          </p:cNvCxnSpPr>
+          <p:nvPr/>
+        </p:nvCxnSpPr>
+        <p:spPr>
+          <a:xfrm>
+            <a:off x="3484986" y="4074910"/>
+            <a:ext cx="2611014" cy="947467"/>
+          </a:xfrm>
+          <a:prstGeom prst="straightConnector1">
+            <a:avLst/>
+          </a:prstGeom>
+          <a:ln>
+            <a:tailEnd type="triangle"/>
+          </a:ln>
+        </p:spPr>
+        <p:style>
+          <a:lnRef idx="1">
+            <a:schemeClr val="dk1"/>
+          </a:lnRef>
+          <a:fillRef idx="0">
+            <a:schemeClr val="dk1"/>
+          </a:fillRef>
+          <a:effectRef idx="0">
+            <a:schemeClr val="dk1"/>
+          </a:effectRef>
+          <a:fontRef idx="minor">
+            <a:schemeClr val="tx1"/>
+          </a:fontRef>
+        </p:style>
+      </p:cxnSp>
+      <p:cxnSp>
+        <p:nvCxnSpPr>
+          <p:cNvPr id="38" name="Прямая со стрелкой 37"/>
+          <p:cNvCxnSpPr>
+            <a:stCxn id="12" idx="4"/>
+            <a:endCxn id="17" idx="0"/>
+          </p:cNvCxnSpPr>
+          <p:nvPr/>
+        </p:nvCxnSpPr>
+        <p:spPr>
+          <a:xfrm flipH="1">
+            <a:off x="6096000" y="4074910"/>
+            <a:ext cx="2611015" cy="947467"/>
+          </a:xfrm>
+          <a:prstGeom prst="straightConnector1">
+            <a:avLst/>
+          </a:prstGeom>
+          <a:ln>
+            <a:tailEnd type="triangle"/>
+          </a:ln>
+        </p:spPr>
+        <p:style>
+          <a:lnRef idx="1">
+            <a:schemeClr val="dk1"/>
+          </a:lnRef>
+          <a:fillRef idx="0">
+            <a:schemeClr val="dk1"/>
+          </a:fillRef>
+          <a:effectRef idx="0">
+            <a:schemeClr val="dk1"/>
+          </a:effectRef>
+          <a:fontRef idx="minor">
+            <a:schemeClr val="tx1"/>
+          </a:fontRef>
+        </p:style>
+      </p:cxnSp>
+      <p:sp>
+        <p:nvSpPr>
+          <p:cNvPr id="6" name="Номер слайда 5"/>
+          <p:cNvSpPr>
+            <a:spLocks noGrp="1"/>
+          </p:cNvSpPr>
+          <p:nvPr>
+            <p:ph type="sldNum" sz="quarter" idx="12"/>
+          </p:nvPr>
+        </p:nvSpPr>
+        <p:spPr/>
+        <p:txBody>
+          <a:bodyPr/>
+          <a:lstStyle/>
+          <a:p>
+            <a:fld id="{02FC5F2C-8C82-45C9-A2BF-6DB0CBD52C51}" type="slidenum">
+              <a:rPr lang="ru-RU" sz="2000" smtClean="0">
+                <a:solidFill>
+                  <a:schemeClr val="tx1"/>
+                </a:solidFill>
+              </a:rPr>
+              <a:t>4</a:t>
+            </a:fld>
+            <a:endParaRPr lang="ru-RU" dirty="0">
+              <a:solidFill>
+                <a:schemeClr val="tx1"/>
+              </a:solidFill>
+            </a:endParaRPr>
+          </a:p>
+        </p:txBody>
+      </p:sp>
     </p:spTree>
     <p:extLst>
       <p:ext uri="{BB962C8B-B14F-4D97-AF65-F5344CB8AC3E}">
@@ -10335,7 +11305,7 @@
         </p:nvSpPr>
         <p:spPr>
           <a:xfrm>
-            <a:off x="419478" y="1571458"/>
+            <a:off x="419478" y="1690688"/>
             <a:ext cx="2225913" cy="1199038"/>
           </a:xfrm>
           <a:prstGeom prst="ellipse">
@@ -10390,7 +11360,7 @@
         </p:nvSpPr>
         <p:spPr>
           <a:xfrm>
-            <a:off x="2895686" y="1571458"/>
+            <a:off x="2895686" y="1690688"/>
             <a:ext cx="1731266" cy="1199038"/>
           </a:xfrm>
           <a:prstGeom prst="rect">
@@ -10453,7 +11423,7 @@
         </p:nvSpPr>
         <p:spPr>
           <a:xfrm>
-            <a:off x="5122545" y="1571458"/>
+            <a:off x="5122545" y="1690688"/>
             <a:ext cx="1731266" cy="1199038"/>
           </a:xfrm>
           <a:prstGeom prst="rect">
@@ -10513,7 +11483,7 @@
         </p:nvSpPr>
         <p:spPr>
           <a:xfrm>
-            <a:off x="7349404" y="1571458"/>
+            <a:off x="7349404" y="1690688"/>
             <a:ext cx="1731266" cy="1199038"/>
           </a:xfrm>
           <a:prstGeom prst="rect">
@@ -10573,7 +11543,7 @@
         </p:nvSpPr>
         <p:spPr>
           <a:xfrm>
-            <a:off x="9333741" y="1571458"/>
+            <a:off x="9333741" y="1690688"/>
             <a:ext cx="2225913" cy="1199038"/>
           </a:xfrm>
           <a:prstGeom prst="ellipse">
@@ -10631,7 +11601,7 @@
         </p:nvCxnSpPr>
         <p:spPr>
           <a:xfrm>
-            <a:off x="2645391" y="2170977"/>
+            <a:off x="2645391" y="2290207"/>
             <a:ext cx="250295" cy="0"/>
           </a:xfrm>
           <a:prstGeom prst="straightConnector1">
@@ -10667,7 +11637,7 @@
         </p:nvCxnSpPr>
         <p:spPr>
           <a:xfrm>
-            <a:off x="4626952" y="2170977"/>
+            <a:off x="4626952" y="2290207"/>
             <a:ext cx="495593" cy="0"/>
           </a:xfrm>
           <a:prstGeom prst="straightConnector1">
@@ -10703,7 +11673,7 @@
         </p:nvCxnSpPr>
         <p:spPr>
           <a:xfrm>
-            <a:off x="6853811" y="2170977"/>
+            <a:off x="6853811" y="2290207"/>
             <a:ext cx="495593" cy="0"/>
           </a:xfrm>
           <a:prstGeom prst="straightConnector1">
@@ -10739,7 +11709,7 @@
         </p:nvCxnSpPr>
         <p:spPr>
           <a:xfrm>
-            <a:off x="9080670" y="2170977"/>
+            <a:off x="9080670" y="2290207"/>
             <a:ext cx="253071" cy="0"/>
           </a:xfrm>
           <a:prstGeom prst="straightConnector1">
@@ -10780,7 +11750,7 @@
         </p:blipFill>
         <p:spPr>
           <a:xfrm>
-            <a:off x="484684" y="3588379"/>
+            <a:off x="484684" y="3707609"/>
             <a:ext cx="2095500" cy="2276475"/>
           </a:xfrm>
           <a:prstGeom prst="rect">
@@ -10804,7 +11774,7 @@
         </p:blipFill>
         <p:spPr>
           <a:xfrm>
-            <a:off x="9408472" y="3616954"/>
+            <a:off x="9408472" y="3736184"/>
             <a:ext cx="2076450" cy="2247900"/>
           </a:xfrm>
           <a:prstGeom prst="rect">
@@ -10820,7 +11790,7 @@
         </p:nvSpPr>
         <p:spPr>
           <a:xfrm>
-            <a:off x="1286774" y="2824447"/>
+            <a:off x="1286774" y="2943677"/>
             <a:ext cx="491320" cy="709981"/>
           </a:xfrm>
           <a:prstGeom prst="upArrow">
@@ -10868,7 +11838,7 @@
         </p:nvSpPr>
         <p:spPr>
           <a:xfrm rot="10800000">
-            <a:off x="10201037" y="2838734"/>
+            <a:off x="10201037" y="2957964"/>
             <a:ext cx="491320" cy="709981"/>
           </a:xfrm>
           <a:prstGeom prst="upArrow">
@@ -10905,6 +11875,59 @@
           <a:p>
             <a:pPr algn="r"/>
             <a:endParaRPr lang="ru-RU" dirty="0"/>
+          </a:p>
+        </p:txBody>
+      </p:sp>
+      <p:sp>
+        <p:nvSpPr>
+          <p:cNvPr id="3" name="Заголовок 2"/>
+          <p:cNvSpPr>
+            <a:spLocks noGrp="1"/>
+          </p:cNvSpPr>
+          <p:nvPr>
+            <p:ph type="title"/>
+          </p:nvPr>
+        </p:nvSpPr>
+        <p:spPr/>
+        <p:txBody>
+          <a:bodyPr/>
+          <a:lstStyle/>
+          <a:p>
+            <a:r>
+              <a:rPr lang="ru-RU" dirty="0"/>
+              <a:t>Нормализация</a:t>
+            </a:r>
+          </a:p>
+        </p:txBody>
+      </p:sp>
+      <p:sp>
+        <p:nvSpPr>
+          <p:cNvPr id="8" name="Номер слайда 7"/>
+          <p:cNvSpPr>
+            <a:spLocks noGrp="1"/>
+          </p:cNvSpPr>
+          <p:nvPr>
+            <p:ph type="sldNum" sz="quarter" idx="12"/>
+          </p:nvPr>
+        </p:nvSpPr>
+        <p:spPr/>
+        <p:txBody>
+          <a:bodyPr/>
+          <a:lstStyle/>
+          <a:p>
+            <a:fld id="{02FC5F2C-8C82-45C9-A2BF-6DB0CBD52C51}" type="slidenum">
+              <a:rPr lang="ru-RU" sz="2000" smtClean="0">
+                <a:solidFill>
+                  <a:schemeClr val="tx1"/>
+                </a:solidFill>
+              </a:rPr>
+              <a:t>5</a:t>
+            </a:fld>
+            <a:endParaRPr lang="ru-RU" dirty="0">
+              <a:solidFill>
+                <a:schemeClr val="tx1"/>
+              </a:solidFill>
+            </a:endParaRPr>
           </a:p>
         </p:txBody>
       </p:sp>
@@ -10954,8 +11977,8 @@
         </p:nvSpPr>
         <p:spPr>
           <a:xfrm>
-            <a:off x="4421876" y="627799"/>
-            <a:ext cx="3234519" cy="1746914"/>
+            <a:off x="4703049" y="1690688"/>
+            <a:ext cx="3029804" cy="1378426"/>
           </a:xfrm>
           <a:prstGeom prst="ellipse">
             <a:avLst/>
@@ -11009,8 +12032,8 @@
         </p:nvSpPr>
         <p:spPr>
           <a:xfrm>
-            <a:off x="1790133" y="2909250"/>
-            <a:ext cx="2631743" cy="1157784"/>
+            <a:off x="2052231" y="3518165"/>
+            <a:ext cx="2465178" cy="913565"/>
           </a:xfrm>
           <a:prstGeom prst="ellipse">
             <a:avLst/>
@@ -11064,8 +12087,8 @@
         </p:nvSpPr>
         <p:spPr>
           <a:xfrm>
-            <a:off x="7656395" y="3883325"/>
-            <a:ext cx="2631743" cy="1157784"/>
+            <a:off x="7732852" y="4300405"/>
+            <a:ext cx="2465178" cy="913565"/>
           </a:xfrm>
           <a:prstGeom prst="ellipse">
             <a:avLst/>
@@ -11122,8 +12145,8 @@
         </p:nvCxnSpPr>
         <p:spPr>
           <a:xfrm flipH="1">
-            <a:off x="3106005" y="2118883"/>
-            <a:ext cx="1789555" cy="790367"/>
+            <a:off x="3284820" y="2867248"/>
+            <a:ext cx="1861934" cy="650917"/>
           </a:xfrm>
           <a:prstGeom prst="straightConnector1">
             <a:avLst/>
@@ -11158,8 +12181,8 @@
         </p:nvCxnSpPr>
         <p:spPr>
           <a:xfrm>
-            <a:off x="7182711" y="2118883"/>
-            <a:ext cx="1789556" cy="1764442"/>
+            <a:off x="7289148" y="2867248"/>
+            <a:ext cx="1676293" cy="1433157"/>
           </a:xfrm>
           <a:prstGeom prst="straightConnector1">
             <a:avLst/>
@@ -11191,8 +12214,8 @@
         </p:nvSpPr>
         <p:spPr>
           <a:xfrm>
-            <a:off x="1790132" y="4857401"/>
-            <a:ext cx="2631743" cy="1157784"/>
+            <a:off x="2052231" y="5082647"/>
+            <a:ext cx="2465178" cy="913565"/>
           </a:xfrm>
           <a:prstGeom prst="ellipse">
             <a:avLst/>
@@ -11248,9 +12271,9 @@
           <p:nvPr/>
         </p:nvCxnSpPr>
         <p:spPr>
-          <a:xfrm flipH="1">
-            <a:off x="3106004" y="4067034"/>
-            <a:ext cx="1" cy="790367"/>
+          <a:xfrm>
+            <a:off x="3284820" y="4431730"/>
+            <a:ext cx="0" cy="650917"/>
           </a:xfrm>
           <a:prstGeom prst="straightConnector1">
             <a:avLst/>
@@ -11285,8 +12308,8 @@
         </p:nvCxnSpPr>
         <p:spPr>
           <a:xfrm flipV="1">
-            <a:off x="4421875" y="4462217"/>
-            <a:ext cx="3234520" cy="974076"/>
+            <a:off x="4517409" y="4757188"/>
+            <a:ext cx="3215443" cy="782242"/>
           </a:xfrm>
           <a:prstGeom prst="straightConnector1">
             <a:avLst/>
@@ -11318,8 +12341,8 @@
         </p:nvSpPr>
         <p:spPr>
           <a:xfrm>
-            <a:off x="7696201" y="5374409"/>
-            <a:ext cx="2552131" cy="1128280"/>
+            <a:off x="7697939" y="5554976"/>
+            <a:ext cx="2535004" cy="890285"/>
           </a:xfrm>
           <a:prstGeom prst="rect">
             <a:avLst/>
@@ -11360,21 +12383,8 @@
                   <a:schemeClr val="tx1"/>
                 </a:solidFill>
               </a:rPr>
-              <a:t>Время вычисления всех признаков </a:t>
-            </a:r>
-            <a:r>
-              <a:rPr lang="ru-RU" dirty="0">
-                <a:solidFill>
-                  <a:schemeClr val="tx1"/>
-                </a:solidFill>
-              </a:rPr>
-              <a:t>~ 35 секунд</a:t>
-            </a:r>
-            <a:endParaRPr lang="ru-RU" dirty="0">
-              <a:solidFill>
-                <a:schemeClr val="tx1"/>
-              </a:solidFill>
-            </a:endParaRPr>
+              <a:t>Время вычисления всех признаков ~ 35 секунд</a:t>
+            </a:r>
           </a:p>
         </p:txBody>
       </p:sp>
@@ -11389,8 +12399,8 @@
         </p:nvCxnSpPr>
         <p:spPr>
           <a:xfrm>
-            <a:off x="8972267" y="5041109"/>
-            <a:ext cx="0" cy="333300"/>
+            <a:off x="8965441" y="5213970"/>
+            <a:ext cx="0" cy="341006"/>
           </a:xfrm>
           <a:prstGeom prst="line">
             <a:avLst/>
@@ -11411,6 +12421,59 @@
           </a:fontRef>
         </p:style>
       </p:cxnSp>
+      <p:sp>
+        <p:nvSpPr>
+          <p:cNvPr id="18" name="Заголовок 17"/>
+          <p:cNvSpPr>
+            <a:spLocks noGrp="1"/>
+          </p:cNvSpPr>
+          <p:nvPr>
+            <p:ph type="title"/>
+          </p:nvPr>
+        </p:nvSpPr>
+        <p:spPr/>
+        <p:txBody>
+          <a:bodyPr/>
+          <a:lstStyle/>
+          <a:p>
+            <a:r>
+              <a:rPr lang="ru-RU" dirty="0"/>
+              <a:t>Сложность вычисления</a:t>
+            </a:r>
+          </a:p>
+        </p:txBody>
+      </p:sp>
+      <p:sp>
+        <p:nvSpPr>
+          <p:cNvPr id="3" name="Номер слайда 2"/>
+          <p:cNvSpPr>
+            <a:spLocks noGrp="1"/>
+          </p:cNvSpPr>
+          <p:nvPr>
+            <p:ph type="sldNum" sz="quarter" idx="12"/>
+          </p:nvPr>
+        </p:nvSpPr>
+        <p:spPr/>
+        <p:txBody>
+          <a:bodyPr/>
+          <a:lstStyle/>
+          <a:p>
+            <a:fld id="{02FC5F2C-8C82-45C9-A2BF-6DB0CBD52C51}" type="slidenum">
+              <a:rPr lang="ru-RU" sz="2000" smtClean="0">
+                <a:solidFill>
+                  <a:schemeClr val="tx1"/>
+                </a:solidFill>
+              </a:rPr>
+              <a:t>6</a:t>
+            </a:fld>
+            <a:endParaRPr lang="ru-RU" dirty="0">
+              <a:solidFill>
+                <a:schemeClr val="tx1"/>
+              </a:solidFill>
+            </a:endParaRPr>
+          </a:p>
+        </p:txBody>
+      </p:sp>
     </p:spTree>
     <p:extLst>
       <p:ext uri="{BB962C8B-B14F-4D97-AF65-F5344CB8AC3E}">
@@ -11471,8 +12534,8 @@
           </a:p>
         </p:txBody>
       </p:sp>
-      <mc:AlternateContent xmlns:mc="http://schemas.openxmlformats.org/markup-compatibility/2006">
-        <mc:Choice xmlns:a14="http://schemas.microsoft.com/office/drawing/2010/main" Requires="a14">
+      <mc:AlternateContent xmlns:mc="http://schemas.openxmlformats.org/markup-compatibility/2006" xmlns:a14="http://schemas.microsoft.com/office/drawing/2010/main">
+        <mc:Choice Requires="a14">
           <p:sp>
             <p:nvSpPr>
               <p:cNvPr id="3" name="Объект 2"/>
@@ -11485,7 +12548,7 @@
             </p:nvSpPr>
             <p:spPr>
               <a:xfrm>
-                <a:off x="2438400" y="2454962"/>
+                <a:off x="1638300" y="2454962"/>
                 <a:ext cx="8915400" cy="2351314"/>
               </a:xfrm>
             </p:spPr>
@@ -11722,7 +12785,7 @@
             </p:txBody>
           </p:sp>
         </mc:Choice>
-        <mc:Fallback>
+        <mc:Fallback xmlns="">
           <p:sp>
             <p:nvSpPr>
               <p:cNvPr id="3" name="Объект 2"/>
@@ -11735,13 +12798,13 @@
             </p:nvSpPr>
             <p:spPr>
               <a:xfrm>
-                <a:off x="2438400" y="2454962"/>
+                <a:off x="1638300" y="2454962"/>
                 <a:ext cx="8915400" cy="2351314"/>
               </a:xfrm>
               <a:blipFill>
                 <a:blip r:embed="rId2"/>
                 <a:stretch>
-                  <a:fillRect l="-1230" t="-4416" r="-1299"/>
+                  <a:fillRect l="-1231" t="-4416" r="-1368"/>
                 </a:stretch>
               </a:blipFill>
             </p:spPr>
@@ -11762,34 +12825,28 @@
       </mc:AlternateContent>
       <p:sp>
         <p:nvSpPr>
-          <p:cNvPr id="6" name="Нижний колонтитул 5"/>
+          <p:cNvPr id="5" name="Номер слайда 4"/>
           <p:cNvSpPr>
             <a:spLocks noGrp="1"/>
           </p:cNvSpPr>
           <p:nvPr>
-            <p:ph type="ftr" sz="quarter" idx="11"/>
+            <p:ph type="sldNum" sz="quarter" idx="12"/>
           </p:nvPr>
         </p:nvSpPr>
-        <p:spPr>
-          <a:xfrm>
-            <a:off x="838200" y="6124338"/>
-            <a:ext cx="4114800" cy="365125"/>
-          </a:xfrm>
-        </p:spPr>
+        <p:spPr/>
         <p:txBody>
           <a:bodyPr/>
           <a:lstStyle/>
           <a:p>
-            <a:pPr algn="just"/>
-            <a:r>
-              <a:rPr lang="en-US" sz="1600" dirty="0">
+            <a:fld id="{02FC5F2C-8C82-45C9-A2BF-6DB0CBD52C51}" type="slidenum">
+              <a:rPr lang="ru-RU" sz="2000" smtClean="0">
                 <a:solidFill>
                   <a:schemeClr val="tx1"/>
                 </a:solidFill>
               </a:rPr>
-              <a:t>2. https://habrahabr.ru/post/198338/</a:t>
-            </a:r>
-            <a:endParaRPr lang="ru-RU" sz="1600" dirty="0">
+              <a:t>7</a:t>
+            </a:fld>
+            <a:endParaRPr lang="ru-RU" dirty="0">
               <a:solidFill>
                 <a:schemeClr val="tx1"/>
               </a:solidFill>
@@ -12221,6 +13278,59 @@
           </a:p>
         </p:txBody>
       </p:sp>
+      <p:sp>
+        <p:nvSpPr>
+          <p:cNvPr id="2" name="Заголовок 1"/>
+          <p:cNvSpPr>
+            <a:spLocks noGrp="1"/>
+          </p:cNvSpPr>
+          <p:nvPr>
+            <p:ph type="title"/>
+          </p:nvPr>
+        </p:nvSpPr>
+        <p:spPr/>
+        <p:txBody>
+          <a:bodyPr/>
+          <a:lstStyle/>
+          <a:p>
+            <a:r>
+              <a:rPr lang="ru-RU" dirty="0"/>
+              <a:t>Преобразование</a:t>
+            </a:r>
+          </a:p>
+        </p:txBody>
+      </p:sp>
+      <p:sp>
+        <p:nvSpPr>
+          <p:cNvPr id="4" name="Номер слайда 3"/>
+          <p:cNvSpPr>
+            <a:spLocks noGrp="1"/>
+          </p:cNvSpPr>
+          <p:nvPr>
+            <p:ph type="sldNum" sz="quarter" idx="12"/>
+          </p:nvPr>
+        </p:nvSpPr>
+        <p:spPr/>
+        <p:txBody>
+          <a:bodyPr/>
+          <a:lstStyle/>
+          <a:p>
+            <a:fld id="{02FC5F2C-8C82-45C9-A2BF-6DB0CBD52C51}" type="slidenum">
+              <a:rPr lang="ru-RU" sz="2000" smtClean="0">
+                <a:solidFill>
+                  <a:schemeClr val="tx1"/>
+                </a:solidFill>
+              </a:rPr>
+              <a:t>8</a:t>
+            </a:fld>
+            <a:endParaRPr lang="ru-RU" sz="2000" dirty="0">
+              <a:solidFill>
+                <a:schemeClr val="tx1"/>
+              </a:solidFill>
+            </a:endParaRPr>
+          </a:p>
+        </p:txBody>
+      </p:sp>
     </p:spTree>
     <p:extLst>
       <p:ext uri="{BB962C8B-B14F-4D97-AF65-F5344CB8AC3E}">
@@ -12259,6 +13369,28 @@
           <a:chExt cx="0" cy="0"/>
         </a:xfrm>
       </p:grpSpPr>
+      <p:sp>
+        <p:nvSpPr>
+          <p:cNvPr id="2" name="Заголовок 1"/>
+          <p:cNvSpPr>
+            <a:spLocks noGrp="1"/>
+          </p:cNvSpPr>
+          <p:nvPr>
+            <p:ph type="title"/>
+          </p:nvPr>
+        </p:nvSpPr>
+        <p:spPr/>
+        <p:txBody>
+          <a:bodyPr/>
+          <a:lstStyle/>
+          <a:p>
+            <a:r>
+              <a:rPr lang="ru-RU" dirty="0"/>
+              <a:t>Пример (1)</a:t>
+            </a:r>
+          </a:p>
+        </p:txBody>
+      </p:sp>
       <p:pic>
         <p:nvPicPr>
           <p:cNvPr id="4" name="Объект 3"/>
@@ -12283,8 +13415,8 @@
         </p:blipFill>
         <p:spPr bwMode="auto">
           <a:xfrm>
-            <a:off x="2427388" y="748992"/>
-            <a:ext cx="7419109" cy="5042621"/>
+            <a:off x="2945154" y="1690688"/>
+            <a:ext cx="6301692" cy="4779891"/>
           </a:xfrm>
           <a:prstGeom prst="rect">
             <a:avLst/>
@@ -12295,6 +13427,37 @@
           </a:ln>
         </p:spPr>
       </p:pic>
+      <p:sp>
+        <p:nvSpPr>
+          <p:cNvPr id="5" name="Номер слайда 4"/>
+          <p:cNvSpPr>
+            <a:spLocks noGrp="1"/>
+          </p:cNvSpPr>
+          <p:nvPr>
+            <p:ph type="sldNum" sz="quarter" idx="12"/>
+          </p:nvPr>
+        </p:nvSpPr>
+        <p:spPr/>
+        <p:txBody>
+          <a:bodyPr/>
+          <a:lstStyle/>
+          <a:p>
+            <a:fld id="{02FC5F2C-8C82-45C9-A2BF-6DB0CBD52C51}" type="slidenum">
+              <a:rPr lang="ru-RU" sz="2000" smtClean="0">
+                <a:solidFill>
+                  <a:schemeClr val="tx1"/>
+                </a:solidFill>
+              </a:rPr>
+              <a:t>9</a:t>
+            </a:fld>
+            <a:endParaRPr lang="ru-RU" dirty="0">
+              <a:solidFill>
+                <a:schemeClr val="tx1"/>
+              </a:solidFill>
+            </a:endParaRPr>
+          </a:p>
+        </p:txBody>
+      </p:sp>
     </p:spTree>
     <p:extLst>
       <p:ext uri="{BB962C8B-B14F-4D97-AF65-F5344CB8AC3E}">

--- a/Main/Презентация.pptx
+++ b/Main/Презентация.pptx
@@ -9,7 +9,7 @@
   </p:notesMasterIdLst>
   <p:sldIdLst>
     <p:sldId id="287" r:id="rId2"/>
-    <p:sldId id="268" r:id="rId3"/>
+    <p:sldId id="302" r:id="rId3"/>
     <p:sldId id="258" r:id="rId4"/>
     <p:sldId id="290" r:id="rId5"/>
     <p:sldId id="291" r:id="rId6"/>
@@ -135,7 +135,7 @@
         <p14:section name="Введение" id="{97502D9B-FA47-4628-882A-B5B580D35905}">
           <p14:sldIdLst>
             <p14:sldId id="287"/>
-            <p14:sldId id="268"/>
+            <p14:sldId id="302"/>
           </p14:sldIdLst>
         </p14:section>
         <p14:section name="Признаки Хаара" id="{AA33AA99-758F-458A-BF8E-A12DFA4F3735}">
@@ -4657,6 +4657,43 @@
               <a:t>12</a:t>
             </a:fld>
             <a:endParaRPr lang="ru-RU" dirty="0">
+              <a:solidFill>
+                <a:schemeClr val="tx1"/>
+              </a:solidFill>
+            </a:endParaRPr>
+          </a:p>
+        </p:txBody>
+      </p:sp>
+      <p:sp>
+        <p:nvSpPr>
+          <p:cNvPr id="4" name="Нижний колонтитул 3"/>
+          <p:cNvSpPr>
+            <a:spLocks noGrp="1"/>
+          </p:cNvSpPr>
+          <p:nvPr>
+            <p:ph type="ftr" sz="quarter" idx="11"/>
+          </p:nvPr>
+        </p:nvSpPr>
+        <p:spPr>
+          <a:xfrm>
+            <a:off x="838200" y="6356349"/>
+            <a:ext cx="5656943" cy="365125"/>
+          </a:xfrm>
+        </p:spPr>
+        <p:txBody>
+          <a:bodyPr/>
+          <a:lstStyle/>
+          <a:p>
+            <a:pPr algn="just"/>
+            <a:r>
+              <a:rPr lang="en-US" sz="1600" dirty="0">
+                <a:solidFill>
+                  <a:schemeClr val="tx1"/>
+                </a:solidFill>
+              </a:rPr>
+              <a:t>3. http://www.machinelearning.ru/wiki/index.php?title=AdaBoost</a:t>
+            </a:r>
+            <a:endParaRPr lang="ru-RU" sz="1600" dirty="0">
               <a:solidFill>
                 <a:schemeClr val="tx1"/>
               </a:solidFill>
@@ -8720,14 +8757,6 @@
 <file path=ppt/slides/slide2.xml><?xml version="1.0" encoding="utf-8"?>
 <p:sld xmlns:a="http://schemas.openxmlformats.org/drawingml/2006/main" xmlns:r="http://schemas.openxmlformats.org/officeDocument/2006/relationships" xmlns:p="http://schemas.openxmlformats.org/presentationml/2006/main">
   <p:cSld>
-    <p:bg>
-      <p:bgPr>
-        <a:solidFill>
-          <a:schemeClr val="bg1"/>
-        </a:solidFill>
-        <a:effectLst/>
-      </p:bgPr>
-    </p:bg>
     <p:spTree>
       <p:nvGrpSpPr>
         <p:cNvPr id="1" name=""/>
@@ -8758,8 +8787,8 @@
           <a:lstStyle/>
           <a:p>
             <a:r>
-              <a:rPr lang="ru-RU" b="1" dirty="0"/>
-              <a:t>Обзорная часть</a:t>
+              <a:rPr lang="ru-RU" dirty="0"/>
+              <a:t>Цели и задачи</a:t>
             </a:r>
           </a:p>
         </p:txBody>
@@ -8776,8 +8805,8 @@
         </p:nvSpPr>
         <p:spPr>
           <a:xfrm>
-            <a:off x="3423557" y="1690688"/>
-            <a:ext cx="5344886" cy="4247629"/>
+            <a:off x="838200" y="1690688"/>
+            <a:ext cx="10515600" cy="4665662"/>
           </a:xfrm>
         </p:spPr>
         <p:txBody>
@@ -8786,41 +8815,84 @@
           </a:bodyPr>
           <a:lstStyle/>
           <a:p>
-            <a:r>
-              <a:rPr lang="ru-RU" sz="2800" dirty="0"/>
-              <a:t>Признаки Хаара</a:t>
-            </a:r>
-          </a:p>
-          <a:p>
-            <a:r>
-              <a:rPr lang="ru-RU" sz="2800" dirty="0"/>
-              <a:t>Интегральное изображение</a:t>
-            </a:r>
-          </a:p>
-          <a:p>
-            <a:r>
-              <a:rPr lang="en-US" sz="2800" dirty="0"/>
-              <a:t>AdaBoost</a:t>
-            </a:r>
-          </a:p>
-          <a:p>
-            <a:r>
-              <a:rPr lang="ru-RU" sz="2800" dirty="0"/>
-              <a:t>Тестирование алгоритма</a:t>
-            </a:r>
-          </a:p>
-          <a:p>
+            <a:pPr algn="just"/>
+            <a:r>
+              <a:rPr lang="ru-RU" b="1" dirty="0"/>
+              <a:t>Цели:</a:t>
+            </a:r>
+          </a:p>
+          <a:p>
+            <a:pPr lvl="1" algn="just"/>
             <a:r>
               <a:rPr lang="ru-RU" dirty="0"/>
-              <a:t>Заключение</a:t>
-            </a:r>
-            <a:endParaRPr lang="ru-RU" sz="2800" dirty="0"/>
-          </a:p>
-        </p:txBody>
-      </p:sp>
-      <p:sp>
-        <p:nvSpPr>
-          <p:cNvPr id="5" name="Номер слайда 4"/>
+              <a:t>Реализовать алгоритм детектирования Виолы-Джонса</a:t>
+            </a:r>
+          </a:p>
+          <a:p>
+            <a:pPr lvl="1" algn="just"/>
+            <a:r>
+              <a:rPr lang="ru-RU" dirty="0"/>
+              <a:t>Выполнить модификацию алгоритма с использованием различных алгоритмов классификации</a:t>
+            </a:r>
+          </a:p>
+          <a:p>
+            <a:pPr lvl="1" algn="just"/>
+            <a:r>
+              <a:rPr lang="ru-RU" dirty="0"/>
+              <a:t>Провести сравнение результатов тестирования</a:t>
+            </a:r>
+          </a:p>
+          <a:p>
+            <a:pPr algn="just"/>
+            <a:r>
+              <a:rPr lang="ru-RU" b="1" dirty="0"/>
+              <a:t>Задачи:</a:t>
+            </a:r>
+          </a:p>
+          <a:p>
+            <a:pPr lvl="1" algn="just"/>
+            <a:r>
+              <a:rPr lang="ru-RU" dirty="0"/>
+              <a:t>Провести анализ алгоритма Виолы-Джонса</a:t>
+            </a:r>
+          </a:p>
+          <a:p>
+            <a:pPr lvl="1" algn="just"/>
+            <a:r>
+              <a:rPr lang="ru-RU" dirty="0"/>
+              <a:t>Реализовать каждый этап алгоритма с использованием пакета </a:t>
+            </a:r>
+            <a:r>
+              <a:rPr lang="en-US" dirty="0"/>
+              <a:t>MATLAB</a:t>
+            </a:r>
+          </a:p>
+          <a:p>
+            <a:pPr lvl="1" algn="just"/>
+            <a:r>
+              <a:rPr lang="ru-RU" dirty="0"/>
+              <a:t>Построить графики качества детектирования</a:t>
+            </a:r>
+          </a:p>
+          <a:p>
+            <a:pPr lvl="1" algn="just"/>
+            <a:r>
+              <a:rPr lang="ru-RU" dirty="0"/>
+              <a:t>Получить оценку точности классификации</a:t>
+            </a:r>
+          </a:p>
+          <a:p>
+            <a:pPr lvl="1" algn="just"/>
+            <a:r>
+              <a:rPr lang="ru-RU" dirty="0"/>
+              <a:t>Получить ошибки первого и второго рода</a:t>
+            </a:r>
+          </a:p>
+        </p:txBody>
+      </p:sp>
+      <p:sp>
+        <p:nvSpPr>
+          <p:cNvPr id="4" name="Номер слайда 3"/>
           <p:cNvSpPr>
             <a:spLocks noGrp="1"/>
           </p:cNvSpPr>
@@ -8852,7 +8924,7 @@
     </p:spTree>
     <p:extLst>
       <p:ext uri="{BB962C8B-B14F-4D97-AF65-F5344CB8AC3E}">
-        <p14:creationId xmlns:p14="http://schemas.microsoft.com/office/powerpoint/2010/main" val="2972043569"/>
+        <p14:creationId xmlns:p14="http://schemas.microsoft.com/office/powerpoint/2010/main" val="3047749591"/>
       </p:ext>
     </p:extLst>
   </p:cSld>
@@ -10669,6 +10741,43 @@
           </a:p>
         </p:txBody>
       </p:sp>
+      <p:sp>
+        <p:nvSpPr>
+          <p:cNvPr id="4" name="Нижний колонтитул 3"/>
+          <p:cNvSpPr>
+            <a:spLocks noGrp="1"/>
+          </p:cNvSpPr>
+          <p:nvPr>
+            <p:ph type="ftr" sz="quarter" idx="11"/>
+          </p:nvPr>
+        </p:nvSpPr>
+        <p:spPr>
+          <a:xfrm>
+            <a:off x="838199" y="6356349"/>
+            <a:ext cx="6346372" cy="365125"/>
+          </a:xfrm>
+        </p:spPr>
+        <p:txBody>
+          <a:bodyPr/>
+          <a:lstStyle/>
+          <a:p>
+            <a:pPr algn="just"/>
+            <a:r>
+              <a:rPr lang="en-US" sz="1600" dirty="0">
+                <a:solidFill>
+                  <a:schemeClr val="tx1"/>
+                </a:solidFill>
+              </a:rPr>
+              <a:t>1. https://habrahabr.ru/company/recognitor/blog/228195/</a:t>
+            </a:r>
+            <a:endParaRPr lang="ru-RU" sz="1600" dirty="0">
+              <a:solidFill>
+                <a:schemeClr val="tx1"/>
+              </a:solidFill>
+            </a:endParaRPr>
+          </a:p>
+        </p:txBody>
+      </p:sp>
     </p:spTree>
     <p:extLst>
       <p:ext uri="{BB962C8B-B14F-4D97-AF65-F5344CB8AC3E}">
@@ -12214,8 +12323,8 @@
         </p:nvSpPr>
         <p:spPr>
           <a:xfrm>
-            <a:off x="2052231" y="5082647"/>
-            <a:ext cx="2465178" cy="913565"/>
+            <a:off x="1984058" y="5082647"/>
+            <a:ext cx="2601523" cy="913565"/>
           </a:xfrm>
           <a:prstGeom prst="ellipse">
             <a:avLst/>
@@ -12308,8 +12417,8 @@
         </p:nvCxnSpPr>
         <p:spPr>
           <a:xfrm flipV="1">
-            <a:off x="4517409" y="4757188"/>
-            <a:ext cx="3215443" cy="782242"/>
+            <a:off x="4585581" y="4757188"/>
+            <a:ext cx="3147271" cy="782242"/>
           </a:xfrm>
           <a:prstGeom prst="straightConnector1">
             <a:avLst/>
@@ -12847,6 +12956,43 @@
               <a:t>7</a:t>
             </a:fld>
             <a:endParaRPr lang="ru-RU" dirty="0">
+              <a:solidFill>
+                <a:schemeClr val="tx1"/>
+              </a:solidFill>
+            </a:endParaRPr>
+          </a:p>
+        </p:txBody>
+      </p:sp>
+      <p:sp>
+        <p:nvSpPr>
+          <p:cNvPr id="4" name="Нижний колонтитул 3"/>
+          <p:cNvSpPr>
+            <a:spLocks noGrp="1"/>
+          </p:cNvSpPr>
+          <p:nvPr>
+            <p:ph type="ftr" sz="quarter" idx="11"/>
+          </p:nvPr>
+        </p:nvSpPr>
+        <p:spPr>
+          <a:xfrm>
+            <a:off x="838200" y="6356349"/>
+            <a:ext cx="8625114" cy="365125"/>
+          </a:xfrm>
+        </p:spPr>
+        <p:txBody>
+          <a:bodyPr/>
+          <a:lstStyle/>
+          <a:p>
+            <a:pPr algn="just"/>
+            <a:r>
+              <a:rPr lang="en-US" sz="1600" dirty="0">
+                <a:solidFill>
+                  <a:schemeClr val="tx1"/>
+                </a:solidFill>
+              </a:rPr>
+              <a:t>2. https://computersciencesource.wordpress.com/2010/09/03/computer-vision-the-integral-image/</a:t>
+            </a:r>
+            <a:endParaRPr lang="ru-RU" sz="1600" dirty="0">
               <a:solidFill>
                 <a:schemeClr val="tx1"/>
               </a:solidFill>
